--- a/phase-2/effects/slides/effects.pptx
+++ b/phase-2/effects/slides/effects.pptx
@@ -31,6 +31,7 @@
     <p:sldId id="276" r:id="rId28"/>
     <p:sldId id="277" r:id="rId29"/>
     <p:sldId id="278" r:id="rId30"/>
+    <p:sldId id="279" r:id="rId31"/>
   </p:sldIdLst>
   <p:sldSz cx="24384000" cy="13716000"/>
   <p:notesSz cx="6858000" cy="9144000"/>
@@ -3978,7 +3979,7 @@
       </p:grpSpPr>
       <p:sp>
         <p:nvSpPr>
-          <p:cNvPr id="178" name="A Pure Component"/>
+          <p:cNvPr id="179" name="Side Effects in React"/>
           <p:cNvSpPr txBox="1"/>
           <p:nvPr>
             <p:ph type="title"/>
@@ -3995,14 +3996,14 @@
           <a:p>
             <a:pPr/>
             <a:r>
-              <a:t>A Pure Component</a:t>
+              <a:t>Side Effects in React</a:t>
             </a:r>
           </a:p>
         </p:txBody>
       </p:sp>
       <p:sp>
         <p:nvSpPr>
-          <p:cNvPr id="179" name="function Venue({ capacity }) {…"/>
+          <p:cNvPr id="180" name="In React, a side effect happens outside of rendering.…"/>
           <p:cNvSpPr txBox="1"/>
           <p:nvPr>
             <p:ph type="body" idx="1"/>
@@ -4021,312 +4022,59 @@
           <a:bodyPr/>
           <a:lstStyle/>
           <a:p>
-            <a:pPr defTabSz="685165">
-              <a:spcBef>
-                <a:spcPts val="1400"/>
-              </a:spcBef>
-              <a:defRPr spc="-45" sz="4565">
-                <a:latin typeface="Courier New"/>
-                <a:ea typeface="Courier New"/>
-                <a:cs typeface="Courier New"/>
-                <a:sym typeface="Courier New"/>
-              </a:defRPr>
-            </a:pPr>
-            <a:r>
-              <a:t>function </a:t>
-            </a:r>
-            <a:r>
-              <a:rPr>
-                <a:solidFill>
-                  <a:schemeClr val="accent5">
-                    <a:hueOff val="-82419"/>
-                    <a:satOff val="-9513"/>
-                    <a:lumOff val="-16343"/>
-                  </a:schemeClr>
-                </a:solidFill>
-              </a:rPr>
-              <a:t>Venue</a:t>
-            </a:r>
-            <a:r>
-              <a:t>({ </a:t>
-            </a:r>
-            <a:r>
-              <a:rPr>
-                <a:solidFill>
-                  <a:schemeClr val="accent2">
-                    <a:hueOff val="-202083"/>
-                    <a:satOff val="17755"/>
-                    <a:lumOff val="-16089"/>
-                  </a:schemeClr>
-                </a:solidFill>
-              </a:rPr>
-              <a:t>capacity</a:t>
-            </a:r>
-            <a:r>
-              <a:t> }) {</a:t>
-            </a:r>
-          </a:p>
-          <a:p>
-            <a:pPr lvl="1" indent="379475" defTabSz="685165">
-              <a:spcBef>
-                <a:spcPts val="1400"/>
-              </a:spcBef>
-              <a:defRPr spc="-45" sz="4565">
-                <a:latin typeface="Courier New"/>
-                <a:ea typeface="Courier New"/>
-                <a:cs typeface="Courier New"/>
-                <a:sym typeface="Courier New"/>
-              </a:defRPr>
-            </a:pPr>
-            <a:r>
-              <a:t>return </a:t>
-            </a:r>
-            <a:r>
-              <a:rPr>
-                <a:solidFill>
-                  <a:schemeClr val="accent3">
-                    <a:hueOff val="362282"/>
-                    <a:satOff val="31803"/>
-                    <a:lumOff val="-18242"/>
-                  </a:schemeClr>
-                </a:solidFill>
-              </a:rPr>
-              <a:t>&lt;h1&gt;This venue holds </a:t>
-            </a:r>
-            <a:r>
-              <a:rPr>
-                <a:solidFill>
-                  <a:schemeClr val="accent4">
-                    <a:hueOff val="-476017"/>
-                    <a:lumOff val="-10042"/>
-                  </a:schemeClr>
-                </a:solidFill>
-              </a:rPr>
-              <a:t>{</a:t>
-            </a:r>
-            <a:r>
-              <a:rPr>
-                <a:solidFill>
-                  <a:schemeClr val="accent2">
-                    <a:hueOff val="-202083"/>
-                    <a:satOff val="17755"/>
-                    <a:lumOff val="-16089"/>
-                  </a:schemeClr>
-                </a:solidFill>
-              </a:rPr>
-              <a:t>capacity</a:t>
-            </a:r>
-            <a:r>
-              <a:rPr>
-                <a:solidFill>
-                  <a:schemeClr val="accent4">
-                    <a:hueOff val="-476017"/>
-                    <a:lumOff val="-10042"/>
-                  </a:schemeClr>
-                </a:solidFill>
-              </a:rPr>
-              <a:t>}</a:t>
-            </a:r>
-            <a:r>
-              <a:rPr>
-                <a:solidFill>
-                  <a:schemeClr val="accent3">
-                    <a:hueOff val="362282"/>
-                    <a:satOff val="31803"/>
-                    <a:lumOff val="-18242"/>
-                  </a:schemeClr>
-                </a:solidFill>
-              </a:rPr>
-              <a:t> people.&lt;/h1&gt;</a:t>
-            </a:r>
-            <a:endParaRPr>
-              <a:solidFill>
-                <a:schemeClr val="accent3">
-                  <a:hueOff val="362282"/>
-                  <a:satOff val="31803"/>
-                  <a:lumOff val="-18242"/>
-                </a:schemeClr>
-              </a:solidFill>
-            </a:endParaRPr>
-          </a:p>
-          <a:p>
-            <a:pPr defTabSz="685165">
-              <a:spcBef>
-                <a:spcPts val="1400"/>
-              </a:spcBef>
-              <a:defRPr spc="-45" sz="4565">
-                <a:latin typeface="Courier New"/>
-                <a:ea typeface="Courier New"/>
-                <a:cs typeface="Courier New"/>
-                <a:sym typeface="Courier New"/>
-              </a:defRPr>
-            </a:pPr>
-            <a:r>
-              <a:t>} </a:t>
-            </a:r>
-          </a:p>
-          <a:p>
-            <a:pPr defTabSz="685165">
-              <a:spcBef>
-                <a:spcPts val="1400"/>
-              </a:spcBef>
-              <a:defRPr spc="-45" sz="4565">
-                <a:latin typeface="Courier New"/>
-                <a:ea typeface="Courier New"/>
-                <a:cs typeface="Courier New"/>
-                <a:sym typeface="Courier New"/>
-              </a:defRPr>
-            </a:pPr>
-          </a:p>
-          <a:p>
-            <a:pPr defTabSz="685165">
-              <a:spcBef>
-                <a:spcPts val="1400"/>
-              </a:spcBef>
-              <a:defRPr spc="-45" sz="4565">
-                <a:latin typeface="Courier New"/>
-                <a:ea typeface="Courier New"/>
-                <a:cs typeface="Courier New"/>
-                <a:sym typeface="Courier New"/>
-              </a:defRPr>
-            </a:pPr>
-            <a:r>
-              <a:t>function </a:t>
-            </a:r>
-            <a:r>
-              <a:rPr>
-                <a:solidFill>
-                  <a:schemeClr val="accent5">
-                    <a:hueOff val="-82419"/>
-                    <a:satOff val="-9513"/>
-                    <a:lumOff val="-16343"/>
-                  </a:schemeClr>
-                </a:solidFill>
-              </a:rPr>
-              <a:t>Venues</a:t>
-            </a:r>
-            <a:r>
-              <a:t>() {</a:t>
-            </a:r>
-          </a:p>
-          <a:p>
-            <a:pPr lvl="1" indent="379475" defTabSz="685165">
-              <a:spcBef>
-                <a:spcPts val="1400"/>
-              </a:spcBef>
-              <a:defRPr spc="-45" sz="4565">
-                <a:latin typeface="Courier New"/>
-                <a:ea typeface="Courier New"/>
-                <a:cs typeface="Courier New"/>
-                <a:sym typeface="Courier New"/>
-              </a:defRPr>
-            </a:pPr>
-            <a:r>
-              <a:t>return (</a:t>
-            </a:r>
-          </a:p>
-          <a:p>
-            <a:pPr lvl="2" indent="758951" defTabSz="685165">
-              <a:spcBef>
-                <a:spcPts val="1400"/>
-              </a:spcBef>
-              <a:defRPr spc="-45" sz="4565">
-                <a:solidFill>
-                  <a:schemeClr val="accent5">
-                    <a:hueOff val="-82419"/>
-                    <a:satOff val="-9513"/>
-                    <a:lumOff val="-16343"/>
-                  </a:schemeClr>
-                </a:solidFill>
-                <a:latin typeface="Courier New"/>
-                <a:ea typeface="Courier New"/>
-                <a:cs typeface="Courier New"/>
-                <a:sym typeface="Courier New"/>
-              </a:defRPr>
-            </a:pPr>
-            <a:r>
-              <a:t>&lt;Venue capacity={100} /&gt;</a:t>
-            </a:r>
-            <a:r>
-              <a:rPr>
-                <a:solidFill>
-                  <a:srgbClr val="000000"/>
-                </a:solidFill>
-              </a:rPr>
-              <a:t> {/* This venue holds 100 people. */}</a:t>
-            </a:r>
-            <a:endParaRPr>
-              <a:solidFill>
-                <a:srgbClr val="000000"/>
-              </a:solidFill>
-            </a:endParaRPr>
-          </a:p>
-          <a:p>
-            <a:pPr lvl="2" indent="758951" defTabSz="685165">
-              <a:spcBef>
-                <a:spcPts val="1400"/>
-              </a:spcBef>
-              <a:defRPr spc="-45" sz="4565">
-                <a:solidFill>
-                  <a:schemeClr val="accent5">
-                    <a:hueOff val="-82419"/>
-                    <a:satOff val="-9513"/>
-                    <a:lumOff val="-16343"/>
-                  </a:schemeClr>
-                </a:solidFill>
-                <a:latin typeface="Courier New"/>
-                <a:ea typeface="Courier New"/>
-                <a:cs typeface="Courier New"/>
-                <a:sym typeface="Courier New"/>
-              </a:defRPr>
-            </a:pPr>
-            <a:r>
-              <a:t>&lt;Venue capacity={200} /&gt;</a:t>
-            </a:r>
-            <a:r>
-              <a:rPr>
-                <a:solidFill>
-                  <a:srgbClr val="000000"/>
-                </a:solidFill>
-              </a:rPr>
-              <a:t> {/* This venue holds 200 people. */}</a:t>
-            </a:r>
-            <a:endParaRPr>
-              <a:solidFill>
-                <a:srgbClr val="000000"/>
-              </a:solidFill>
-            </a:endParaRPr>
-          </a:p>
-          <a:p>
-            <a:pPr lvl="1" indent="379475" defTabSz="685165">
-              <a:spcBef>
-                <a:spcPts val="1400"/>
-              </a:spcBef>
-              <a:defRPr spc="-45" sz="4565">
-                <a:latin typeface="Courier New"/>
-                <a:ea typeface="Courier New"/>
-                <a:cs typeface="Courier New"/>
-                <a:sym typeface="Courier New"/>
-              </a:defRPr>
-            </a:pPr>
-            <a:r>
-              <a:t>)</a:t>
-            </a:r>
-          </a:p>
-          <a:p>
-            <a:pPr defTabSz="685165">
-              <a:spcBef>
-                <a:spcPts val="1400"/>
-              </a:spcBef>
-              <a:defRPr spc="-45" sz="4565">
-                <a:latin typeface="Courier New"/>
-                <a:ea typeface="Courier New"/>
-                <a:cs typeface="Courier New"/>
-                <a:sym typeface="Courier New"/>
-              </a:defRPr>
-            </a:pPr>
-            <a:r>
-              <a:t>}</a:t>
+            <a:pPr marL="698500" indent="-698500">
+              <a:buSzPct val="123000"/>
+              <a:buChar char="•"/>
+            </a:pPr>
+            <a:r>
+              <a:t>In React, a </a:t>
+            </a:r>
+            <a:r>
+              <a:rPr b="1"/>
+              <a:t>side effect</a:t>
+            </a:r>
+            <a:r>
+              <a:t> happens </a:t>
+            </a:r>
+            <a:r>
+              <a:rPr u="sng"/>
+              <a:t>out</a:t>
+            </a:r>
+            <a:r>
+              <a:rPr i="1" u="sng"/>
+              <a:t>side</a:t>
+            </a:r>
+            <a:r>
+              <a:rPr u="sng"/>
+              <a:t> of rendering</a:t>
+            </a:r>
+            <a:r>
+              <a:t>.</a:t>
+            </a:r>
+          </a:p>
+          <a:p>
+            <a:pPr marL="698500" indent="-698500">
+              <a:buSzPct val="123000"/>
+              <a:buChar char="•"/>
+            </a:pPr>
+            <a:r>
+              <a:t>Since side effects don’t run during a render, </a:t>
+            </a:r>
+            <a:r>
+              <a:rPr u="sng"/>
+              <a:t>they can be impure</a:t>
+            </a:r>
+            <a:r>
+              <a:t>.</a:t>
+            </a:r>
+          </a:p>
+          <a:p>
+            <a:pPr marL="698500" indent="-698500">
+              <a:buSzPct val="123000"/>
+              <a:buChar char="•"/>
+            </a:pPr>
+            <a:r>
+              <a:t>Can you think of an impure side effect? 🤔</a:t>
             </a:r>
           </a:p>
         </p:txBody>
@@ -4359,7 +4107,7 @@
       </p:grpSpPr>
       <p:sp>
         <p:nvSpPr>
-          <p:cNvPr id="181" name="Side Effects in React"/>
+          <p:cNvPr id="182" name="Side Effects in React"/>
           <p:cNvSpPr txBox="1"/>
           <p:nvPr>
             <p:ph type="title"/>
@@ -4383,7 +4131,7 @@
       </p:sp>
       <p:sp>
         <p:nvSpPr>
-          <p:cNvPr id="182" name="In React, a side effect happens outside of rendering.…"/>
+          <p:cNvPr id="183" name="In React, a side effect happens outside of rendering.…"/>
           <p:cNvSpPr txBox="1"/>
           <p:nvPr>
             <p:ph type="body" idx="1"/>
@@ -4454,7 +4202,48 @@
               <a:buChar char="•"/>
             </a:pPr>
             <a:r>
-              <a:t>Can you think of an impure side effect? 🤔</a:t>
+              <a:t>Can you think of an impure side effect?</a:t>
+            </a:r>
+          </a:p>
+          <a:p>
+            <a:pPr lvl="1" marL="1308100" indent="-698500">
+              <a:buSzPct val="123000"/>
+              <a:buChar char="•"/>
+            </a:pPr>
+            <a:r>
+              <a:t>The most common side effect in React is </a:t>
+            </a:r>
+            <a:r>
+              <a:rPr u="sng"/>
+              <a:t>setting state</a:t>
+            </a:r>
+            <a:r>
+              <a:t>.</a:t>
+            </a:r>
+          </a:p>
+          <a:p>
+            <a:pPr lvl="1" marL="1308100" indent="-698500">
+              <a:buSzPct val="123000"/>
+              <a:buChar char="•"/>
+            </a:pPr>
+            <a:r>
+              <a:t>The most common place to write side effects is </a:t>
+            </a:r>
+            <a:r>
+              <a:rPr u="sng"/>
+              <a:t>in event handlers</a:t>
+            </a:r>
+            <a:r>
+              <a:t>.</a:t>
+            </a:r>
+          </a:p>
+          <a:p>
+            <a:pPr lvl="1" marL="1308100" indent="-698500">
+              <a:buSzPct val="123000"/>
+              <a:buChar char="•"/>
+            </a:pPr>
+            <a:r>
+              <a:t>…but not all side effects are triggered by events 🤔</a:t>
             </a:r>
           </a:p>
         </p:txBody>
@@ -4487,7 +4276,7 @@
       </p:grpSpPr>
       <p:sp>
         <p:nvSpPr>
-          <p:cNvPr id="184" name="Side Effects in React"/>
+          <p:cNvPr id="185" name="(Side) Effects in React"/>
           <p:cNvSpPr txBox="1"/>
           <p:nvPr>
             <p:ph type="title"/>
@@ -4504,14 +4293,14 @@
           <a:p>
             <a:pPr/>
             <a:r>
-              <a:t>Side Effects in React</a:t>
+              <a:t>(Side) Effects in React</a:t>
             </a:r>
           </a:p>
         </p:txBody>
       </p:sp>
       <p:sp>
         <p:nvSpPr>
-          <p:cNvPr id="185" name="In React, a side effect happens outside of rendering.…"/>
+          <p:cNvPr id="186" name="A small minority of side effects are triggered by rendering itself.…"/>
           <p:cNvSpPr txBox="1"/>
           <p:nvPr>
             <p:ph type="body" idx="1"/>
@@ -4535,26 +4324,18 @@
               <a:buChar char="•"/>
             </a:pPr>
             <a:r>
-              <a:t>In React, a </a:t>
-            </a:r>
-            <a:r>
-              <a:rPr b="1"/>
-              <a:t>side effect</a:t>
-            </a:r>
-            <a:r>
-              <a:t> happens </a:t>
+              <a:t>A </a:t>
             </a:r>
             <a:r>
               <a:rPr u="sng"/>
-              <a:t>out</a:t>
-            </a:r>
-            <a:r>
-              <a:rPr i="1" u="sng"/>
-              <a:t>side</a:t>
+              <a:t>small minority</a:t>
+            </a:r>
+            <a:r>
+              <a:t> of side effects are </a:t>
             </a:r>
             <a:r>
               <a:rPr u="sng"/>
-              <a:t> of rendering</a:t>
+              <a:t>triggered by rendering itself</a:t>
             </a:r>
             <a:r>
               <a:t>.</a:t>
@@ -4566,11 +4347,11 @@
               <a:buChar char="•"/>
             </a:pPr>
             <a:r>
-              <a:t>Since side effects don’t run during a render, </a:t>
-            </a:r>
-            <a:r>
-              <a:rPr u="sng"/>
-              <a:t>they can be impure</a:t>
+              <a:t>In React, these side effects are known as </a:t>
+            </a:r>
+            <a:r>
+              <a:rPr b="1"/>
+              <a:t>effects</a:t>
             </a:r>
             <a:r>
               <a:t>.</a:t>
@@ -4582,48 +4363,7 @@
               <a:buChar char="•"/>
             </a:pPr>
             <a:r>
-              <a:t>Can you think of an impure side effect?</a:t>
-            </a:r>
-          </a:p>
-          <a:p>
-            <a:pPr lvl="1" marL="1308100" indent="-698500">
-              <a:buSzPct val="123000"/>
-              <a:buChar char="•"/>
-            </a:pPr>
-            <a:r>
-              <a:t>The most common side effect in React is </a:t>
-            </a:r>
-            <a:r>
-              <a:rPr u="sng"/>
-              <a:t>setting state</a:t>
-            </a:r>
-            <a:r>
-              <a:t>.</a:t>
-            </a:r>
-          </a:p>
-          <a:p>
-            <a:pPr lvl="1" marL="1308100" indent="-698500">
-              <a:buSzPct val="123000"/>
-              <a:buChar char="•"/>
-            </a:pPr>
-            <a:r>
-              <a:t>The most common place to write side effects is </a:t>
-            </a:r>
-            <a:r>
-              <a:rPr u="sng"/>
-              <a:t>in event handlers</a:t>
-            </a:r>
-            <a:r>
-              <a:t>.</a:t>
-            </a:r>
-          </a:p>
-          <a:p>
-            <a:pPr lvl="1" marL="1308100" indent="-698500">
-              <a:buSzPct val="123000"/>
-              <a:buChar char="•"/>
-            </a:pPr>
-            <a:r>
-              <a:t>…but not all side effects are triggered by events 🤔</a:t>
+              <a:t>Can you think of an effect you might want to write in React? 🤔</a:t>
             </a:r>
           </a:p>
         </p:txBody>
@@ -4656,7 +4396,7 @@
       </p:grpSpPr>
       <p:sp>
         <p:nvSpPr>
-          <p:cNvPr id="187" name="(Side) Effects in React"/>
+          <p:cNvPr id="188" name="(Side) Effects in React"/>
           <p:cNvSpPr txBox="1"/>
           <p:nvPr>
             <p:ph type="title"/>
@@ -4680,7 +4420,7 @@
       </p:sp>
       <p:sp>
         <p:nvSpPr>
-          <p:cNvPr id="188" name="A small minority of side effects are triggered by rendering itself.…"/>
+          <p:cNvPr id="189" name="A small minority of side effects are triggered by rendering itself.…"/>
           <p:cNvSpPr txBox="1"/>
           <p:nvPr>
             <p:ph type="body" idx="1"/>
@@ -4839,7 +4579,7 @@
       </p:grpSpPr>
       <p:sp>
         <p:nvSpPr>
-          <p:cNvPr id="190" name="Writing an Effect in React"/>
+          <p:cNvPr id="191" name="Writing an Effect in React"/>
           <p:cNvSpPr txBox="1"/>
           <p:nvPr>
             <p:ph type="title"/>
@@ -4863,7 +4603,7 @@
       </p:sp>
       <p:sp>
         <p:nvSpPr>
-          <p:cNvPr id="191" name="To write an effect, follow these steps:…"/>
+          <p:cNvPr id="192" name="To write an effect, follow these steps:…"/>
           <p:cNvSpPr txBox="1"/>
           <p:nvPr>
             <p:ph type="body" idx="1"/>
@@ -4966,7 +4706,7 @@
       </p:grpSpPr>
       <p:sp>
         <p:nvSpPr>
-          <p:cNvPr id="193" name="Writing an Effect in React"/>
+          <p:cNvPr id="194" name="Writing an Effect in React"/>
           <p:cNvSpPr txBox="1"/>
           <p:nvPr>
             <p:ph type="title"/>
@@ -4990,7 +4730,7 @@
       </p:sp>
       <p:sp>
         <p:nvSpPr>
-          <p:cNvPr id="194" name="To write an effect, follow these steps:…"/>
+          <p:cNvPr id="195" name="To write an effect, follow these steps:…"/>
           <p:cNvSpPr txBox="1"/>
           <p:nvPr>
             <p:ph type="body" idx="1"/>
@@ -5125,7 +4865,7 @@
       </p:grpSpPr>
       <p:sp>
         <p:nvSpPr>
-          <p:cNvPr id="196" name="Writing an Effect in React"/>
+          <p:cNvPr id="197" name="Writing an Effect in React"/>
           <p:cNvSpPr txBox="1"/>
           <p:nvPr>
             <p:ph type="title"/>
@@ -5149,7 +4889,7 @@
       </p:sp>
       <p:sp>
         <p:nvSpPr>
-          <p:cNvPr id="197" name="import { useEffect } from ‘react’;…"/>
+          <p:cNvPr id="198" name="import { useEffect } from ‘react’;…"/>
           <p:cNvSpPr txBox="1"/>
           <p:nvPr>
             <p:ph type="body" idx="1"/>
@@ -5427,7 +5167,7 @@
       </p:grpSpPr>
       <p:sp>
         <p:nvSpPr>
-          <p:cNvPr id="199" name="The Dependency Array"/>
+          <p:cNvPr id="200" name="The Dependency Array"/>
           <p:cNvSpPr txBox="1"/>
           <p:nvPr>
             <p:ph type="title"/>
@@ -5451,7 +5191,7 @@
       </p:sp>
       <p:sp>
         <p:nvSpPr>
-          <p:cNvPr id="200" name="An effect’s dependencies dictate when that effect will run.…"/>
+          <p:cNvPr id="201" name="An effect’s dependencies dictate when that effect will run.…"/>
           <p:cNvSpPr txBox="1"/>
           <p:nvPr>
             <p:ph type="body" idx="1"/>
@@ -5643,7 +5383,7 @@
       </p:grpSpPr>
       <p:sp>
         <p:nvSpPr>
-          <p:cNvPr id="202" name="The Dependency Array"/>
+          <p:cNvPr id="203" name="The Dependency Array"/>
           <p:cNvSpPr txBox="1"/>
           <p:nvPr>
             <p:ph type="title"/>
@@ -5667,7 +5407,7 @@
       </p:sp>
       <p:sp>
         <p:nvSpPr>
-          <p:cNvPr id="203" name="If we omit the dependency array, our effect runs after every re-render.…"/>
+          <p:cNvPr id="204" name="If we omit the dependency array, our effect runs after every re-render.…"/>
           <p:cNvSpPr txBox="1"/>
           <p:nvPr>
             <p:ph type="body" idx="1"/>
@@ -5851,7 +5591,7 @@
       </p:grpSpPr>
       <p:sp>
         <p:nvSpPr>
-          <p:cNvPr id="205" name="Fetching Data in React: An Example"/>
+          <p:cNvPr id="206" name="Fetching Data in React: An Example"/>
           <p:cNvSpPr txBox="1"/>
           <p:nvPr>
             <p:ph type="title"/>
@@ -5875,7 +5615,7 @@
       </p:sp>
       <p:sp>
         <p:nvSpPr>
-          <p:cNvPr id="206" name="export default function Museum() {…"/>
+          <p:cNvPr id="207" name="export default function Museum() {…"/>
           <p:cNvSpPr txBox="1"/>
           <p:nvPr>
             <p:ph type="body" idx="1"/>
@@ -6088,10 +5828,10 @@
       </p:grpSpPr>
       <p:sp>
         <p:nvSpPr>
-          <p:cNvPr id="155" name="first, a question 🤔"/>
+          <p:cNvPr id="155" name="Today’s Objectives"/>
           <p:cNvSpPr txBox="1"/>
           <p:nvPr>
-            <p:ph type="body" sz="half" idx="1"/>
+            <p:ph type="title"/>
           </p:nvPr>
         </p:nvSpPr>
         <p:spPr>
@@ -6101,20 +5841,107 @@
         </p:spPr>
         <p:txBody>
           <a:bodyPr/>
-          <a:lstStyle>
-            <a:lvl1pPr>
-              <a:defRPr>
-                <a:hlinkClick r:id="rId2" invalidUrl="" action="" tgtFrame="" tooltip="" history="1" highlightClick="0" endSnd="0"/>
-              </a:defRPr>
-            </a:lvl1pPr>
-          </a:lstStyle>
+          <a:lstStyle/>
           <a:p>
             <a:pPr/>
             <a:r>
-              <a:rPr>
-                <a:hlinkClick r:id="rId2" invalidUrl="" action="" tgtFrame="" tooltip="" history="1" highlightClick="0" endSnd="0"/>
-              </a:rPr>
-              <a:t>first, a question 🤔</a:t>
+              <a:t>Today’s Objectives</a:t>
+            </a:r>
+          </a:p>
+        </p:txBody>
+      </p:sp>
+      <p:sp>
+        <p:nvSpPr>
+          <p:cNvPr id="156" name="Today, we’ll answer the following questions:…"/>
+          <p:cNvSpPr txBox="1"/>
+          <p:nvPr>
+            <p:ph type="body" idx="1"/>
+          </p:nvPr>
+        </p:nvSpPr>
+        <p:spPr>
+          <a:xfrm>
+            <a:off x="1206500" y="3513134"/>
+            <a:ext cx="21971000" cy="9016782"/>
+          </a:xfrm>
+          <a:prstGeom prst="rect">
+            <a:avLst/>
+          </a:prstGeom>
+        </p:spPr>
+        <p:txBody>
+          <a:bodyPr/>
+          <a:lstStyle/>
+          <a:p>
+            <a:pPr/>
+            <a:r>
+              <a:t>Today, we’ll answer the following questions:</a:t>
+            </a:r>
+          </a:p>
+          <a:p>
+            <a:pPr marL="1018645" indent="-1018645">
+              <a:buSzPct val="100000"/>
+              <a:buAutoNum type="arabicPeriod" startAt="1"/>
+              <a:defRPr i="1"/>
+            </a:pPr>
+            <a:r>
+              <a:t>What’s a </a:t>
+            </a:r>
+            <a:r>
+              <a:rPr b="1"/>
+              <a:t>pure function</a:t>
+            </a:r>
+            <a:r>
+              <a:t>?</a:t>
+            </a:r>
+          </a:p>
+          <a:p>
+            <a:pPr marL="1018645" indent="-1018645">
+              <a:buSzPct val="100000"/>
+              <a:buAutoNum type="arabicPeriod" startAt="1"/>
+              <a:defRPr i="1"/>
+            </a:pPr>
+            <a:r>
+              <a:t>How (and why) should we write </a:t>
+            </a:r>
+            <a:r>
+              <a:rPr b="1"/>
+              <a:t>pure components </a:t>
+            </a:r>
+            <a:r>
+              <a:t>in React?</a:t>
+            </a:r>
+          </a:p>
+          <a:p>
+            <a:pPr marL="1018645" indent="-1018645">
+              <a:buSzPct val="100000"/>
+              <a:buAutoNum type="arabicPeriod" startAt="1"/>
+              <a:defRPr i="1"/>
+            </a:pPr>
+            <a:r>
+              <a:t>What’s a </a:t>
+            </a:r>
+            <a:r>
+              <a:rPr b="1"/>
+              <a:t>(side) effect</a:t>
+            </a:r>
+            <a:r>
+              <a:t> in React?</a:t>
+            </a:r>
+          </a:p>
+          <a:p>
+            <a:pPr marL="1018645" indent="-1018645">
+              <a:buSzPct val="100000"/>
+              <a:buAutoNum type="arabicPeriod" startAt="1"/>
+              <a:defRPr i="1"/>
+            </a:pPr>
+            <a:r>
+              <a:t>How do we cause </a:t>
+            </a:r>
+            <a:r>
+              <a:rPr b="1"/>
+              <a:t>(side) effects</a:t>
+            </a:r>
+            <a:r>
+              <a:t> in React?</a:t>
             </a:r>
           </a:p>
         </p:txBody>
@@ -6147,7 +5974,7 @@
       </p:grpSpPr>
       <p:sp>
         <p:nvSpPr>
-          <p:cNvPr id="208" name="Fetching Data in React: An Example"/>
+          <p:cNvPr id="209" name="Fetching Data in React: An Example"/>
           <p:cNvSpPr txBox="1"/>
           <p:nvPr>
             <p:ph type="title"/>
@@ -6171,7 +5998,7 @@
       </p:sp>
       <p:sp>
         <p:nvSpPr>
-          <p:cNvPr id="209" name="export default function Museum() {…"/>
+          <p:cNvPr id="210" name="export default function Museum() {…"/>
           <p:cNvSpPr txBox="1"/>
           <p:nvPr>
             <p:ph type="body" idx="1"/>
@@ -6487,7 +6314,7 @@
       </p:grpSpPr>
       <p:sp>
         <p:nvSpPr>
-          <p:cNvPr id="211" name="The “Effect” of an Effect’s Dependency Array"/>
+          <p:cNvPr id="212" name="The “Effect” of an Effect’s Dependency Array"/>
           <p:cNvSpPr txBox="1"/>
           <p:nvPr>
             <p:ph type="title"/>
@@ -6515,7 +6342,7 @@
       </p:sp>
       <p:graphicFrame>
         <p:nvGraphicFramePr>
-          <p:cNvPr id="212" name="Table 1"/>
+          <p:cNvPr id="213" name="Table 1"/>
           <p:cNvGraphicFramePr/>
           <p:nvPr/>
         </p:nvGraphicFramePr>
@@ -6729,7 +6556,7 @@
       </p:grpSpPr>
       <p:sp>
         <p:nvSpPr>
-          <p:cNvPr id="214" name="Other Effects"/>
+          <p:cNvPr id="215" name="Other Effects"/>
           <p:cNvSpPr txBox="1"/>
           <p:nvPr>
             <p:ph type="title"/>
@@ -6753,7 +6580,7 @@
       </p:sp>
       <p:sp>
         <p:nvSpPr>
-          <p:cNvPr id="215" name="In general, effects are used to synchronize one, some, or all of a component’s renders with some external system.…"/>
+          <p:cNvPr id="216" name="In general, effects are used to synchronize one, some, or all of a component’s renders with some external system.…"/>
           <p:cNvSpPr txBox="1"/>
           <p:nvPr>
             <p:ph type="body" idx="1"/>
@@ -6844,7 +6671,7 @@
       </p:grpSpPr>
       <p:sp>
         <p:nvSpPr>
-          <p:cNvPr id="217" name="and now, a demo 🧑💻"/>
+          <p:cNvPr id="218" name="and now, a demo 🧑💻"/>
           <p:cNvSpPr txBox="1"/>
           <p:nvPr>
             <p:ph type="body" sz="half" idx="1"/>
@@ -6862,6 +6689,85 @@
             <a:pPr/>
             <a:r>
               <a:t>and now, a demo 🧑‍💻</a:t>
+            </a:r>
+          </a:p>
+        </p:txBody>
+      </p:sp>
+    </p:spTree>
+  </p:cSld>
+  <p:clrMapOvr>
+    <a:masterClrMapping/>
+  </p:clrMapOvr>
+  <p:transition xmlns:p14="http://schemas.microsoft.com/office/powerpoint/2010/main" spd="med" advClick="1"/>
+</p:sld>
+</file>
+
+<file path=ppt/slides/slide24.xml><?xml version="1.0" encoding="utf-8"?>
+<p:sld xmlns:a="http://schemas.openxmlformats.org/drawingml/2006/main" xmlns:r="http://schemas.openxmlformats.org/officeDocument/2006/relationships" xmlns:p="http://schemas.openxmlformats.org/presentationml/2006/main" xmlns:m="http://schemas.openxmlformats.org/officeDocument/2006/math" xmlns:a14="http://schemas.microsoft.com/office/drawing/2010/main" showMasterSp="1" showMasterPhAnim="1">
+  <p:cSld>
+    <p:spTree>
+      <p:nvGrpSpPr>
+        <p:cNvPr id="1" name=""/>
+        <p:cNvGrpSpPr/>
+        <p:nvPr/>
+      </p:nvGrpSpPr>
+      <p:grpSpPr>
+        <a:xfrm>
+          <a:off x="0" y="0"/>
+          <a:ext cx="0" cy="0"/>
+          <a:chOff x="0" y="0"/>
+          <a:chExt cx="0" cy="0"/>
+        </a:xfrm>
+      </p:grpSpPr>
+      <p:sp>
+        <p:nvSpPr>
+          <p:cNvPr id="220" name="Thanks!"/>
+          <p:cNvSpPr txBox="1"/>
+          <p:nvPr>
+            <p:ph type="body" idx="1"/>
+          </p:nvPr>
+        </p:nvSpPr>
+        <p:spPr>
+          <a:prstGeom prst="rect">
+            <a:avLst/>
+          </a:prstGeom>
+        </p:spPr>
+        <p:txBody>
+          <a:bodyPr/>
+          <a:lstStyle/>
+          <a:p>
+            <a:pPr/>
+            <a:r>
+              <a:t>Thanks!</a:t>
+            </a:r>
+          </a:p>
+        </p:txBody>
+      </p:sp>
+      <p:sp>
+        <p:nvSpPr>
+          <p:cNvPr id="221" name="© Sakib Rasul 2023"/>
+          <p:cNvSpPr txBox="1"/>
+          <p:nvPr>
+            <p:ph type="body" idx="21"/>
+          </p:nvPr>
+        </p:nvSpPr>
+        <p:spPr>
+          <a:prstGeom prst="rect">
+            <a:avLst/>
+          </a:prstGeom>
+          <a:extLst>
+            <a:ext uri="{C572A759-6A51-4108-AA02-DFA0A04FC94B}">
+              <ma14:wrappingTextBoxFlag xmlns:ma14="http://schemas.microsoft.com/office/mac/drawingml/2011/main" val="1"/>
+            </a:ext>
+          </a:extLst>
+        </p:spPr>
+        <p:txBody>
+          <a:bodyPr/>
+          <a:lstStyle/>
+          <a:p>
+            <a:pPr/>
+            <a:r>
+              <a:t>© Sakib Rasul 2023</a:t>
             </a:r>
           </a:p>
         </p:txBody>
@@ -6894,7 +6800,7 @@
       </p:grpSpPr>
       <p:sp>
         <p:nvSpPr>
-          <p:cNvPr id="157" name="Today’s Objectives"/>
+          <p:cNvPr id="158" name="Pure Functions"/>
           <p:cNvSpPr txBox="1"/>
           <p:nvPr>
             <p:ph type="title"/>
@@ -6911,14 +6817,14 @@
           <a:p>
             <a:pPr/>
             <a:r>
-              <a:t>Today’s Objectives</a:t>
+              <a:t>Pure Functions</a:t>
             </a:r>
           </a:p>
         </p:txBody>
       </p:sp>
       <p:sp>
         <p:nvSpPr>
-          <p:cNvPr id="158" name="Today, we’ll answer the following questions:…"/>
+          <p:cNvPr id="159" name="A pure function is one that, given the same input, returns the same output, each and every time.…"/>
           <p:cNvSpPr txBox="1"/>
           <p:nvPr>
             <p:ph type="body" idx="1"/>
@@ -6937,77 +6843,148 @@
           <a:bodyPr/>
           <a:lstStyle/>
           <a:p>
-            <a:pPr/>
-            <a:r>
-              <a:t>Today, we’ll answer the following questions:</a:t>
-            </a:r>
-          </a:p>
-          <a:p>
-            <a:pPr marL="1018645" indent="-1018645">
-              <a:buSzPct val="100000"/>
-              <a:buAutoNum type="arabicPeriod" startAt="1"/>
-              <a:defRPr i="1"/>
-            </a:pPr>
-            <a:r>
-              <a:t>What’s a </a:t>
+            <a:pPr marL="698500" indent="-698500">
+              <a:buSzPct val="123000"/>
+              <a:buChar char="•"/>
+            </a:pPr>
+            <a:r>
+              <a:t>A </a:t>
             </a:r>
             <a:r>
               <a:rPr b="1"/>
-              <a:t>pure function</a:t>
-            </a:r>
-            <a:r>
-              <a:t>?</a:t>
-            </a:r>
-          </a:p>
-          <a:p>
-            <a:pPr marL="1018645" indent="-1018645">
-              <a:buSzPct val="100000"/>
-              <a:buAutoNum type="arabicPeriod" startAt="1"/>
-              <a:defRPr i="1"/>
-            </a:pPr>
-            <a:r>
-              <a:t>How (and why) should we write </a:t>
+              <a:t>pure</a:t>
+            </a:r>
+            <a:r>
+              <a:t> </a:t>
             </a:r>
             <a:r>
               <a:rPr b="1"/>
-              <a:t>pure components </a:t>
-            </a:r>
-            <a:r>
-              <a:t>in React?</a:t>
-            </a:r>
-          </a:p>
-          <a:p>
-            <a:pPr marL="1018645" indent="-1018645">
-              <a:buSzPct val="100000"/>
-              <a:buAutoNum type="arabicPeriod" startAt="1"/>
-              <a:defRPr i="1"/>
-            </a:pPr>
-            <a:r>
-              <a:t>What’s a </a:t>
-            </a:r>
-            <a:r>
-              <a:rPr b="1"/>
-              <a:t>(side) effect</a:t>
-            </a:r>
-            <a:r>
-              <a:t> in React?</a:t>
-            </a:r>
-          </a:p>
-          <a:p>
-            <a:pPr marL="1018645" indent="-1018645">
-              <a:buSzPct val="100000"/>
-              <a:buAutoNum type="arabicPeriod" startAt="1"/>
-              <a:defRPr i="1"/>
-            </a:pPr>
-            <a:r>
-              <a:t>How do we cause </a:t>
-            </a:r>
-            <a:r>
-              <a:rPr b="1"/>
-              <a:t>(side) effects</a:t>
-            </a:r>
-            <a:r>
-              <a:t> in React?</a:t>
+              <a:t>function</a:t>
+            </a:r>
+            <a:r>
+              <a:t> is one that, given the </a:t>
+            </a:r>
+            <a:r>
+              <a:rPr u="sng"/>
+              <a:t>same input</a:t>
+            </a:r>
+            <a:r>
+              <a:t>, returns the </a:t>
+            </a:r>
+            <a:r>
+              <a:rPr u="sng"/>
+              <a:t>same output</a:t>
+            </a:r>
+            <a:r>
+              <a:t>, each and every time.</a:t>
+            </a:r>
+          </a:p>
+          <a:p>
+            <a:pPr lvl="1" marL="1308100" indent="-698500">
+              <a:buSzPct val="123000"/>
+              <a:buChar char="•"/>
+            </a:pPr>
+            <a:r>
+              <a:t>Take </a:t>
+            </a:r>
+            <a:r>
+              <a:rPr>
+                <a:latin typeface="Courier New"/>
+                <a:ea typeface="Courier New"/>
+                <a:cs typeface="Courier New"/>
+                <a:sym typeface="Courier New"/>
+              </a:rPr>
+              <a:t>function double(x) { return x * 2 }</a:t>
+            </a:r>
+            <a:r>
+              <a:t>.</a:t>
+            </a:r>
+          </a:p>
+          <a:p>
+            <a:pPr lvl="2" marL="1917700" indent="-698500">
+              <a:buSzPct val="123000"/>
+              <a:buChar char="•"/>
+            </a:pPr>
+            <a:r>
+              <a:t>If we pass in </a:t>
+            </a:r>
+            <a:r>
+              <a:rPr>
+                <a:latin typeface="Courier New"/>
+                <a:ea typeface="Courier New"/>
+                <a:cs typeface="Courier New"/>
+                <a:sym typeface="Courier New"/>
+              </a:rPr>
+              <a:t>x = 2</a:t>
+            </a:r>
+            <a:r>
+              <a:t>, </a:t>
+            </a:r>
+            <a:r>
+              <a:rPr>
+                <a:latin typeface="Courier New"/>
+                <a:ea typeface="Courier New"/>
+                <a:cs typeface="Courier New"/>
+                <a:sym typeface="Courier New"/>
+              </a:rPr>
+              <a:t>double(x)</a:t>
+            </a:r>
+            <a:r>
+              <a:t> will always be 4.</a:t>
+            </a:r>
+          </a:p>
+          <a:p>
+            <a:pPr lvl="2" marL="1917700" indent="-698500">
+              <a:buSzPct val="123000"/>
+              <a:buChar char="•"/>
+            </a:pPr>
+            <a:r>
+              <a:t>If we pass in </a:t>
+            </a:r>
+            <a:r>
+              <a:rPr>
+                <a:latin typeface="Courier New"/>
+                <a:ea typeface="Courier New"/>
+                <a:cs typeface="Courier New"/>
+                <a:sym typeface="Courier New"/>
+              </a:rPr>
+              <a:t>x = 32</a:t>
+            </a:r>
+            <a:r>
+              <a:t>, </a:t>
+            </a:r>
+            <a:r>
+              <a:rPr>
+                <a:latin typeface="Courier New"/>
+                <a:ea typeface="Courier New"/>
+                <a:cs typeface="Courier New"/>
+                <a:sym typeface="Courier New"/>
+              </a:rPr>
+              <a:t>double(x)</a:t>
+            </a:r>
+            <a:r>
+              <a:t> will always be 64.</a:t>
+            </a:r>
+          </a:p>
+          <a:p>
+            <a:pPr lvl="2" marL="1917700" indent="-698500">
+              <a:buSzPct val="123000"/>
+              <a:buChar char="•"/>
+            </a:pPr>
+            <a:r>
+              <a:t>…and so on! Any given </a:t>
+            </a:r>
+            <a:r>
+              <a:rPr>
+                <a:latin typeface="Courier New"/>
+                <a:ea typeface="Courier New"/>
+                <a:cs typeface="Courier New"/>
+                <a:sym typeface="Courier New"/>
+              </a:rPr>
+              <a:t>x</a:t>
+            </a:r>
+            <a:r>
+              <a:t> will always output the same number.</a:t>
             </a:r>
           </a:p>
         </p:txBody>
@@ -7040,7 +7017,7 @@
       </p:grpSpPr>
       <p:sp>
         <p:nvSpPr>
-          <p:cNvPr id="160" name="Pure Functions"/>
+          <p:cNvPr id="161" name="Pure Components in React"/>
           <p:cNvSpPr txBox="1"/>
           <p:nvPr>
             <p:ph type="title"/>
@@ -7057,14 +7034,14 @@
           <a:p>
             <a:pPr/>
             <a:r>
-              <a:t>Pure Functions</a:t>
+              <a:t>Pure Components in React</a:t>
             </a:r>
           </a:p>
         </p:txBody>
       </p:sp>
       <p:sp>
         <p:nvSpPr>
-          <p:cNvPr id="161" name="A pure function is one that, given the same input, returns the same output, each and every time.…"/>
+          <p:cNvPr id="162" name="In React, a pure component is one that, given the same props and state, renders the same JSX.…"/>
           <p:cNvSpPr txBox="1"/>
           <p:nvPr>
             <p:ph type="body" idx="1"/>
@@ -7088,143 +7065,53 @@
               <a:buChar char="•"/>
             </a:pPr>
             <a:r>
-              <a:t>A </a:t>
+              <a:t>In React, a </a:t>
             </a:r>
             <a:r>
               <a:rPr b="1"/>
-              <a:t>pure</a:t>
-            </a:r>
-            <a:r>
-              <a:t> </a:t>
-            </a:r>
-            <a:r>
-              <a:rPr b="1"/>
-              <a:t>function</a:t>
+              <a:t>pure component</a:t>
             </a:r>
             <a:r>
               <a:t> is one that, given the </a:t>
             </a:r>
             <a:r>
               <a:rPr u="sng"/>
-              <a:t>same input</a:t>
-            </a:r>
-            <a:r>
-              <a:t>, returns the </a:t>
+              <a:t>same props and state</a:t>
+            </a:r>
+            <a:r>
+              <a:t>, renders the </a:t>
             </a:r>
             <a:r>
               <a:rPr u="sng"/>
-              <a:t>same output</a:t>
-            </a:r>
-            <a:r>
-              <a:t>, each and every time.</a:t>
-            </a:r>
-          </a:p>
-          <a:p>
-            <a:pPr lvl="1" marL="1308100" indent="-698500">
+              <a:t>same JSX</a:t>
+            </a:r>
+            <a:r>
+              <a:t>.</a:t>
+            </a:r>
+          </a:p>
+          <a:p>
+            <a:pPr marL="698500" indent="-698500">
               <a:buSzPct val="123000"/>
               <a:buChar char="•"/>
             </a:pPr>
             <a:r>
-              <a:t>Take </a:t>
-            </a:r>
-            <a:r>
-              <a:rPr>
-                <a:latin typeface="Courier New"/>
-                <a:ea typeface="Courier New"/>
-                <a:cs typeface="Courier New"/>
-                <a:sym typeface="Courier New"/>
-              </a:rPr>
-              <a:t>function double(x) { return x * 2 }</a:t>
+              <a:t>React assumes that </a:t>
+            </a:r>
+            <a:r>
+              <a:rPr u="sng"/>
+              <a:t>all components are pure</a:t>
             </a:r>
             <a:r>
               <a:t>.</a:t>
             </a:r>
           </a:p>
           <a:p>
-            <a:pPr lvl="2" marL="1917700" indent="-698500">
+            <a:pPr marL="698500" indent="-698500">
               <a:buSzPct val="123000"/>
               <a:buChar char="•"/>
             </a:pPr>
             <a:r>
-              <a:t>If we pass in </a:t>
-            </a:r>
-            <a:r>
-              <a:rPr>
-                <a:latin typeface="Courier New"/>
-                <a:ea typeface="Courier New"/>
-                <a:cs typeface="Courier New"/>
-                <a:sym typeface="Courier New"/>
-              </a:rPr>
-              <a:t>x = 2</a:t>
-            </a:r>
-            <a:r>
-              <a:t>, </a:t>
-            </a:r>
-            <a:r>
-              <a:rPr>
-                <a:latin typeface="Courier New"/>
-                <a:ea typeface="Courier New"/>
-                <a:cs typeface="Courier New"/>
-                <a:sym typeface="Courier New"/>
-              </a:rPr>
-              <a:t>double(x)</a:t>
-            </a:r>
-            <a:r>
-              <a:t> will always be 4.</a:t>
-            </a:r>
-          </a:p>
-          <a:p>
-            <a:pPr lvl="2" marL="1917700" indent="-698500">
-              <a:buSzPct val="123000"/>
-              <a:buChar char="•"/>
-            </a:pPr>
-            <a:r>
-              <a:t>If we pass in </a:t>
-            </a:r>
-            <a:r>
-              <a:rPr>
-                <a:latin typeface="Courier New"/>
-                <a:ea typeface="Courier New"/>
-                <a:cs typeface="Courier New"/>
-                <a:sym typeface="Courier New"/>
-              </a:rPr>
-              <a:t>x = 32</a:t>
-            </a:r>
-            <a:r>
-              <a:t>, </a:t>
-            </a:r>
-            <a:r>
-              <a:rPr>
-                <a:latin typeface="Courier New"/>
-                <a:ea typeface="Courier New"/>
-                <a:cs typeface="Courier New"/>
-                <a:sym typeface="Courier New"/>
-              </a:rPr>
-              <a:t>double(x)</a:t>
-            </a:r>
-            <a:r>
-              <a:t> will always be 64.</a:t>
-            </a:r>
-          </a:p>
-          <a:p>
-            <a:pPr lvl="2" marL="1917700" indent="-698500">
-              <a:buSzPct val="123000"/>
-              <a:buChar char="•"/>
-            </a:pPr>
-            <a:r>
-              <a:t>…and so on! Any given </a:t>
-            </a:r>
-            <a:r>
-              <a:rPr>
-                <a:latin typeface="Courier New"/>
-                <a:ea typeface="Courier New"/>
-                <a:cs typeface="Courier New"/>
-                <a:sym typeface="Courier New"/>
-              </a:rPr>
-              <a:t>x</a:t>
-            </a:r>
-            <a:r>
-              <a:t> will always output the same number.</a:t>
+              <a:t>Why does React care about purity? 🤔</a:t>
             </a:r>
           </a:p>
         </p:txBody>
@@ -7257,7 +7144,7 @@
       </p:grpSpPr>
       <p:sp>
         <p:nvSpPr>
-          <p:cNvPr id="163" name="Pure Components in React"/>
+          <p:cNvPr id="164" name="Pure Components in React"/>
           <p:cNvSpPr txBox="1"/>
           <p:nvPr>
             <p:ph type="title"/>
@@ -7281,7 +7168,7 @@
       </p:sp>
       <p:sp>
         <p:nvSpPr>
-          <p:cNvPr id="164" name="In React, a pure component is one that, given the same props and state, renders the same JSX.…"/>
+          <p:cNvPr id="165" name="In React, a pure component is one that, given the same props and state, renders the same JSX.…"/>
           <p:cNvSpPr txBox="1"/>
           <p:nvPr>
             <p:ph type="body" idx="1"/>
@@ -7351,7 +7238,30 @@
               <a:buChar char="•"/>
             </a:pPr>
             <a:r>
-              <a:t>Why does React care about purity? 🤔</a:t>
+              <a:t>Why does React care about purity?</a:t>
+            </a:r>
+          </a:p>
+          <a:p>
+            <a:pPr lvl="1" marL="1308100" indent="-698500">
+              <a:buSzPct val="123000"/>
+              <a:buChar char="•"/>
+            </a:pPr>
+            <a:r>
+              <a:t>It’s how React knows </a:t>
+            </a:r>
+            <a:r>
+              <a:rPr i="1"/>
+              <a:t>what</a:t>
+            </a:r>
+            <a:r>
+              <a:t> to re-render, </a:t>
+            </a:r>
+            <a:r>
+              <a:rPr i="1"/>
+              <a:t>when</a:t>
+            </a:r>
+            <a:r>
+              <a:t>!</a:t>
             </a:r>
           </a:p>
         </p:txBody>
@@ -7384,7 +7294,7 @@
       </p:grpSpPr>
       <p:sp>
         <p:nvSpPr>
-          <p:cNvPr id="166" name="Pure Components in React"/>
+          <p:cNvPr id="167" name="An Impure Component (Don’t do this!)"/>
           <p:cNvSpPr txBox="1"/>
           <p:nvPr>
             <p:ph type="title"/>
@@ -7401,14 +7311,14 @@
           <a:p>
             <a:pPr/>
             <a:r>
-              <a:t>Pure Components in React</a:t>
+              <a:t>An Impure Component (Don’t do this!)</a:t>
             </a:r>
           </a:p>
         </p:txBody>
       </p:sp>
       <p:sp>
         <p:nvSpPr>
-          <p:cNvPr id="167" name="In React, a pure component is one that, given the same props and state, renders the same JSX.…"/>
+          <p:cNvPr id="168" name="let capacity = 0;…"/>
           <p:cNvSpPr txBox="1"/>
           <p:nvPr>
             <p:ph type="body" idx="1"/>
@@ -7427,81 +7337,350 @@
           <a:bodyPr/>
           <a:lstStyle/>
           <a:p>
-            <a:pPr marL="698500" indent="-698500">
-              <a:buSzPct val="123000"/>
-              <a:buChar char="•"/>
-            </a:pPr>
-            <a:r>
-              <a:t>In React, a </a:t>
-            </a:r>
-            <a:r>
-              <a:rPr b="1"/>
-              <a:t>pure component</a:t>
-            </a:r>
-            <a:r>
-              <a:t> is one that, given the </a:t>
-            </a:r>
-            <a:r>
-              <a:rPr u="sng"/>
-              <a:t>same props and state</a:t>
-            </a:r>
-            <a:r>
-              <a:t>, renders the </a:t>
-            </a:r>
-            <a:r>
-              <a:rPr u="sng"/>
-              <a:t>same JSX</a:t>
-            </a:r>
-            <a:r>
-              <a:t>.</a:t>
-            </a:r>
-          </a:p>
-          <a:p>
-            <a:pPr marL="698500" indent="-698500">
-              <a:buSzPct val="123000"/>
-              <a:buChar char="•"/>
-            </a:pPr>
-            <a:r>
-              <a:t>React assumes that </a:t>
-            </a:r>
-            <a:r>
-              <a:rPr u="sng"/>
-              <a:t>all components are pure</a:t>
-            </a:r>
-            <a:r>
-              <a:t>.</a:t>
-            </a:r>
-          </a:p>
-          <a:p>
-            <a:pPr marL="698500" indent="-698500">
-              <a:buSzPct val="123000"/>
-              <a:buChar char="•"/>
-            </a:pPr>
-            <a:r>
-              <a:t>Why does React care about purity?</a:t>
-            </a:r>
-          </a:p>
-          <a:p>
-            <a:pPr lvl="1" marL="1308100" indent="-698500">
-              <a:buSzPct val="123000"/>
-              <a:buChar char="•"/>
-            </a:pPr>
-            <a:r>
-              <a:t>It’s how React knows </a:t>
-            </a:r>
-            <a:r>
-              <a:rPr i="1"/>
-              <a:t>what</a:t>
-            </a:r>
-            <a:r>
-              <a:t> to re-render, </a:t>
-            </a:r>
-            <a:r>
-              <a:rPr i="1"/>
-              <a:t>when</a:t>
-            </a:r>
-            <a:r>
-              <a:t>!</a:t>
+            <a:pPr defTabSz="561340">
+              <a:spcBef>
+                <a:spcPts val="1200"/>
+              </a:spcBef>
+              <a:defRPr spc="-37" sz="3740">
+                <a:latin typeface="Courier New"/>
+                <a:ea typeface="Courier New"/>
+                <a:cs typeface="Courier New"/>
+                <a:sym typeface="Courier New"/>
+              </a:defRPr>
+            </a:pPr>
+            <a:r>
+              <a:t>let </a:t>
+            </a:r>
+            <a:r>
+              <a:rPr>
+                <a:solidFill>
+                  <a:schemeClr val="accent1">
+                    <a:lumOff val="-13575"/>
+                  </a:schemeClr>
+                </a:solidFill>
+              </a:rPr>
+              <a:t>capacity</a:t>
+            </a:r>
+            <a:r>
+              <a:t> = 0;</a:t>
+            </a:r>
+          </a:p>
+          <a:p>
+            <a:pPr defTabSz="561340">
+              <a:spcBef>
+                <a:spcPts val="1200"/>
+              </a:spcBef>
+              <a:defRPr spc="-37" sz="3740">
+                <a:latin typeface="Courier New"/>
+                <a:ea typeface="Courier New"/>
+                <a:cs typeface="Courier New"/>
+                <a:sym typeface="Courier New"/>
+              </a:defRPr>
+            </a:pPr>
+          </a:p>
+          <a:p>
+            <a:pPr defTabSz="561340">
+              <a:spcBef>
+                <a:spcPts val="1200"/>
+              </a:spcBef>
+              <a:defRPr spc="-37" sz="3740">
+                <a:latin typeface="Courier New"/>
+                <a:ea typeface="Courier New"/>
+                <a:cs typeface="Courier New"/>
+                <a:sym typeface="Courier New"/>
+              </a:defRPr>
+            </a:pPr>
+            <a:r>
+              <a:t>function </a:t>
+            </a:r>
+            <a:r>
+              <a:rPr>
+                <a:solidFill>
+                  <a:schemeClr val="accent5">
+                    <a:hueOff val="-82419"/>
+                    <a:satOff val="-9513"/>
+                    <a:lumOff val="-16343"/>
+                  </a:schemeClr>
+                </a:solidFill>
+              </a:rPr>
+              <a:t>Venue</a:t>
+            </a:r>
+            <a:r>
+              <a:t>() {</a:t>
+            </a:r>
+          </a:p>
+          <a:p>
+            <a:pPr lvl="1" indent="310895" defTabSz="561340">
+              <a:spcBef>
+                <a:spcPts val="1200"/>
+              </a:spcBef>
+              <a:defRPr spc="-37" sz="3740">
+                <a:latin typeface="Courier New"/>
+                <a:ea typeface="Courier New"/>
+                <a:cs typeface="Courier New"/>
+                <a:sym typeface="Courier New"/>
+              </a:defRPr>
+            </a:pPr>
+            <a:r>
+              <a:rPr>
+                <a:solidFill>
+                  <a:schemeClr val="accent1">
+                    <a:lumOff val="-13575"/>
+                  </a:schemeClr>
+                </a:solidFill>
+              </a:rPr>
+              <a:t>capacity</a:t>
+            </a:r>
+            <a:r>
+              <a:t> = </a:t>
+            </a:r>
+            <a:r>
+              <a:rPr>
+                <a:solidFill>
+                  <a:schemeClr val="accent1">
+                    <a:lumOff val="-13575"/>
+                  </a:schemeClr>
+                </a:solidFill>
+              </a:rPr>
+              <a:t>capacity</a:t>
+            </a:r>
+            <a:r>
+              <a:t> + 100;</a:t>
+            </a:r>
+          </a:p>
+          <a:p>
+            <a:pPr lvl="1" indent="310895" defTabSz="561340">
+              <a:spcBef>
+                <a:spcPts val="1200"/>
+              </a:spcBef>
+              <a:defRPr spc="-37" sz="3740">
+                <a:latin typeface="Courier New"/>
+                <a:ea typeface="Courier New"/>
+                <a:cs typeface="Courier New"/>
+                <a:sym typeface="Courier New"/>
+              </a:defRPr>
+            </a:pPr>
+            <a:r>
+              <a:t>return </a:t>
+            </a:r>
+            <a:r>
+              <a:rPr>
+                <a:solidFill>
+                  <a:schemeClr val="accent3">
+                    <a:hueOff val="362282"/>
+                    <a:satOff val="31803"/>
+                    <a:lumOff val="-18242"/>
+                  </a:schemeClr>
+                </a:solidFill>
+              </a:rPr>
+              <a:t>&lt;h1&gt;This venue holds </a:t>
+            </a:r>
+            <a:r>
+              <a:rPr>
+                <a:solidFill>
+                  <a:schemeClr val="accent4">
+                    <a:hueOff val="-476017"/>
+                    <a:lumOff val="-10042"/>
+                  </a:schemeClr>
+                </a:solidFill>
+              </a:rPr>
+              <a:t>{</a:t>
+            </a:r>
+            <a:r>
+              <a:rPr>
+                <a:solidFill>
+                  <a:schemeClr val="accent1">
+                    <a:lumOff val="-13575"/>
+                  </a:schemeClr>
+                </a:solidFill>
+              </a:rPr>
+              <a:t>capacity</a:t>
+            </a:r>
+            <a:r>
+              <a:rPr>
+                <a:solidFill>
+                  <a:schemeClr val="accent4">
+                    <a:hueOff val="-476017"/>
+                    <a:lumOff val="-10042"/>
+                  </a:schemeClr>
+                </a:solidFill>
+              </a:rPr>
+              <a:t>}</a:t>
+            </a:r>
+            <a:r>
+              <a:rPr>
+                <a:solidFill>
+                  <a:schemeClr val="accent3">
+                    <a:hueOff val="362282"/>
+                    <a:satOff val="31803"/>
+                    <a:lumOff val="-18242"/>
+                  </a:schemeClr>
+                </a:solidFill>
+              </a:rPr>
+              <a:t> people.&lt;/h1&gt;</a:t>
+            </a:r>
+            <a:endParaRPr b="1">
+              <a:solidFill>
+                <a:schemeClr val="accent3"/>
+              </a:solidFill>
+            </a:endParaRPr>
+          </a:p>
+          <a:p>
+            <a:pPr defTabSz="561340">
+              <a:spcBef>
+                <a:spcPts val="1200"/>
+              </a:spcBef>
+              <a:defRPr spc="-37" sz="3740">
+                <a:latin typeface="Courier New"/>
+                <a:ea typeface="Courier New"/>
+                <a:cs typeface="Courier New"/>
+                <a:sym typeface="Courier New"/>
+              </a:defRPr>
+            </a:pPr>
+            <a:r>
+              <a:t>} </a:t>
+            </a:r>
+          </a:p>
+          <a:p>
+            <a:pPr defTabSz="561340">
+              <a:spcBef>
+                <a:spcPts val="1200"/>
+              </a:spcBef>
+              <a:defRPr spc="-37" sz="3740">
+                <a:latin typeface="Courier New"/>
+                <a:ea typeface="Courier New"/>
+                <a:cs typeface="Courier New"/>
+                <a:sym typeface="Courier New"/>
+              </a:defRPr>
+            </a:pPr>
+          </a:p>
+          <a:p>
+            <a:pPr defTabSz="561340">
+              <a:spcBef>
+                <a:spcPts val="1200"/>
+              </a:spcBef>
+              <a:defRPr spc="-37" sz="3740">
+                <a:latin typeface="Courier New"/>
+                <a:ea typeface="Courier New"/>
+                <a:cs typeface="Courier New"/>
+                <a:sym typeface="Courier New"/>
+              </a:defRPr>
+            </a:pPr>
+            <a:r>
+              <a:t>function </a:t>
+            </a:r>
+            <a:r>
+              <a:rPr>
+                <a:solidFill>
+                  <a:schemeClr val="accent5">
+                    <a:hueOff val="-82419"/>
+                    <a:satOff val="-9513"/>
+                    <a:lumOff val="-16343"/>
+                  </a:schemeClr>
+                </a:solidFill>
+              </a:rPr>
+              <a:t>Venues</a:t>
+            </a:r>
+            <a:r>
+              <a:t>() {</a:t>
+            </a:r>
+          </a:p>
+          <a:p>
+            <a:pPr lvl="1" indent="310895" defTabSz="561340">
+              <a:spcBef>
+                <a:spcPts val="1200"/>
+              </a:spcBef>
+              <a:defRPr spc="-37" sz="3740">
+                <a:latin typeface="Courier New"/>
+                <a:ea typeface="Courier New"/>
+                <a:cs typeface="Courier New"/>
+                <a:sym typeface="Courier New"/>
+              </a:defRPr>
+            </a:pPr>
+            <a:r>
+              <a:t>return (&lt;&gt;</a:t>
+            </a:r>
+          </a:p>
+          <a:p>
+            <a:pPr lvl="2" indent="621791" defTabSz="561340">
+              <a:spcBef>
+                <a:spcPts val="1200"/>
+              </a:spcBef>
+              <a:defRPr spc="-37" sz="3740">
+                <a:latin typeface="Courier New"/>
+                <a:ea typeface="Courier New"/>
+                <a:cs typeface="Courier New"/>
+                <a:sym typeface="Courier New"/>
+              </a:defRPr>
+            </a:pPr>
+            <a:r>
+              <a:rPr>
+                <a:solidFill>
+                  <a:schemeClr val="accent5">
+                    <a:hueOff val="-82419"/>
+                    <a:satOff val="-9513"/>
+                    <a:lumOff val="-16343"/>
+                  </a:schemeClr>
+                </a:solidFill>
+              </a:rPr>
+              <a:t>&lt;Venue/&gt;</a:t>
+            </a:r>
+          </a:p>
+          <a:p>
+            <a:pPr lvl="2" indent="621791" defTabSz="561340">
+              <a:spcBef>
+                <a:spcPts val="1200"/>
+              </a:spcBef>
+              <a:defRPr spc="-37" sz="3740">
+                <a:latin typeface="Courier New"/>
+                <a:ea typeface="Courier New"/>
+                <a:cs typeface="Courier New"/>
+                <a:sym typeface="Courier New"/>
+              </a:defRPr>
+            </a:pPr>
+            <a:r>
+              <a:rPr>
+                <a:solidFill>
+                  <a:schemeClr val="accent5">
+                    <a:hueOff val="-82419"/>
+                    <a:satOff val="-9513"/>
+                    <a:lumOff val="-16343"/>
+                  </a:schemeClr>
+                </a:solidFill>
+              </a:rPr>
+              <a:t>&lt;Venue/&gt;</a:t>
+            </a:r>
+          </a:p>
+          <a:p>
+            <a:pPr lvl="1" indent="310895" defTabSz="561340">
+              <a:spcBef>
+                <a:spcPts val="1200"/>
+              </a:spcBef>
+              <a:defRPr spc="-37" sz="3740">
+                <a:latin typeface="Courier New"/>
+                <a:ea typeface="Courier New"/>
+                <a:cs typeface="Courier New"/>
+                <a:sym typeface="Courier New"/>
+              </a:defRPr>
+            </a:pPr>
+            <a:r>
+              <a:t>&lt;/&gt;)</a:t>
+            </a:r>
+          </a:p>
+          <a:p>
+            <a:pPr defTabSz="561340">
+              <a:spcBef>
+                <a:spcPts val="1200"/>
+              </a:spcBef>
+              <a:defRPr spc="-37" sz="3740">
+                <a:latin typeface="Courier New"/>
+                <a:ea typeface="Courier New"/>
+                <a:cs typeface="Courier New"/>
+                <a:sym typeface="Courier New"/>
+              </a:defRPr>
+            </a:pPr>
+            <a:r>
+              <a:t>}</a:t>
             </a:r>
           </a:p>
         </p:txBody>
@@ -7534,7 +7713,7 @@
       </p:grpSpPr>
       <p:sp>
         <p:nvSpPr>
-          <p:cNvPr id="169" name="An Impure Component (Don’t do this!)"/>
+          <p:cNvPr id="170" name="An Impure Component (Don’t do this!)"/>
           <p:cNvSpPr txBox="1"/>
           <p:nvPr>
             <p:ph type="title"/>
@@ -7558,7 +7737,7 @@
       </p:sp>
       <p:sp>
         <p:nvSpPr>
-          <p:cNvPr id="170" name="let capacity = 0;…"/>
+          <p:cNvPr id="171" name="let capacity = 0;…"/>
           <p:cNvSpPr txBox="1"/>
           <p:nvPr>
             <p:ph type="body" idx="1"/>
@@ -7838,7 +8017,7 @@
               </a:defRPr>
             </a:pPr>
             <a:r>
-              <a:t>return (&lt;&gt;</a:t>
+              <a:t>return (</a:t>
             </a:r>
           </a:p>
           <a:p>
@@ -7865,6 +8044,9 @@
               </a:rPr>
               <a:t>&lt;Venue/&gt;</a:t>
             </a:r>
+            <a:r>
+              <a:t> {/* This venue holds 200 people. */}</a:t>
+            </a:r>
           </a:p>
           <a:p>
             <a:pPr lvl="2" indent="621791" defTabSz="561340">
@@ -7890,6 +8072,9 @@
               </a:rPr>
               <a:t>&lt;Venue/&gt;</a:t>
             </a:r>
+            <a:r>
+              <a:t> {/* This venue holds 400 people. */}</a:t>
+            </a:r>
           </a:p>
           <a:p>
             <a:pPr lvl="1" indent="310895" defTabSz="561340">
@@ -7904,7 +8089,7 @@
               </a:defRPr>
             </a:pPr>
             <a:r>
-              <a:t>&lt;/&gt;)</a:t>
+              <a:t>)</a:t>
             </a:r>
           </a:p>
           <a:p>
@@ -7953,7 +8138,7 @@
       </p:grpSpPr>
       <p:sp>
         <p:nvSpPr>
-          <p:cNvPr id="172" name="An Impure Component (Don’t do this!)"/>
+          <p:cNvPr id="173" name="A Pure Component"/>
           <p:cNvSpPr txBox="1"/>
           <p:nvPr>
             <p:ph type="title"/>
@@ -7970,14 +8155,14 @@
           <a:p>
             <a:pPr/>
             <a:r>
-              <a:t>An Impure Component (Don’t do this!)</a:t>
+              <a:t>A Pure Component</a:t>
             </a:r>
           </a:p>
         </p:txBody>
       </p:sp>
       <p:sp>
         <p:nvSpPr>
-          <p:cNvPr id="173" name="let capacity = 0;…"/>
+          <p:cNvPr id="174" name="function Venue({ capacity }) {…"/>
           <p:cNvSpPr txBox="1"/>
           <p:nvPr>
             <p:ph type="body" idx="1"/>
@@ -7996,53 +8181,11 @@
           <a:bodyPr/>
           <a:lstStyle/>
           <a:p>
-            <a:pPr defTabSz="561340">
+            <a:pPr defTabSz="726440">
               <a:spcBef>
-                <a:spcPts val="1200"/>
+                <a:spcPts val="1500"/>
               </a:spcBef>
-              <a:defRPr spc="-37" sz="3740">
-                <a:latin typeface="Courier New"/>
-                <a:ea typeface="Courier New"/>
-                <a:cs typeface="Courier New"/>
-                <a:sym typeface="Courier New"/>
-              </a:defRPr>
-            </a:pPr>
-            <a:r>
-              <a:t>let </a:t>
-            </a:r>
-            <a:r>
-              <a:rPr>
-                <a:solidFill>
-                  <a:schemeClr val="accent1">
-                    <a:lumOff val="-13575"/>
-                  </a:schemeClr>
-                </a:solidFill>
-              </a:rPr>
-              <a:t>capacity</a:t>
-            </a:r>
-            <a:r>
-              <a:t> = 0;</a:t>
-            </a:r>
-          </a:p>
-          <a:p>
-            <a:pPr defTabSz="561340">
-              <a:spcBef>
-                <a:spcPts val="1200"/>
-              </a:spcBef>
-              <a:defRPr spc="-37" sz="3740">
-                <a:latin typeface="Courier New"/>
-                <a:ea typeface="Courier New"/>
-                <a:cs typeface="Courier New"/>
-                <a:sym typeface="Courier New"/>
-              </a:defRPr>
-            </a:pPr>
-          </a:p>
-          <a:p>
-            <a:pPr defTabSz="561340">
-              <a:spcBef>
-                <a:spcPts val="1200"/>
-              </a:spcBef>
-              <a:defRPr spc="-37" sz="3740">
+              <a:defRPr spc="-48" sz="4840">
                 <a:latin typeface="Courier New"/>
                 <a:ea typeface="Courier New"/>
                 <a:cs typeface="Courier New"/>
@@ -8065,54 +8208,30 @@
               <a:t>Venue</a:t>
             </a:r>
             <a:r>
-              <a:t>() {</a:t>
-            </a:r>
-          </a:p>
-          <a:p>
-            <a:pPr lvl="1" indent="310895" defTabSz="561340">
-              <a:spcBef>
-                <a:spcPts val="1200"/>
-              </a:spcBef>
-              <a:defRPr spc="-37" sz="3740">
-                <a:latin typeface="Courier New"/>
-                <a:ea typeface="Courier New"/>
-                <a:cs typeface="Courier New"/>
-                <a:sym typeface="Courier New"/>
-              </a:defRPr>
-            </a:pPr>
+              <a:t>({ </a:t>
+            </a:r>
             <a:r>
               <a:rPr>
                 <a:solidFill>
-                  <a:schemeClr val="accent1">
-                    <a:lumOff val="-13575"/>
+                  <a:schemeClr val="accent2">
+                    <a:hueOff val="-202083"/>
+                    <a:satOff val="17755"/>
+                    <a:lumOff val="-16089"/>
                   </a:schemeClr>
                 </a:solidFill>
               </a:rPr>
               <a:t>capacity</a:t>
             </a:r>
             <a:r>
-              <a:t> = </a:t>
-            </a:r>
-            <a:r>
-              <a:rPr>
-                <a:solidFill>
-                  <a:schemeClr val="accent1">
-                    <a:lumOff val="-13575"/>
-                  </a:schemeClr>
-                </a:solidFill>
-              </a:rPr>
-              <a:t>capacity</a:t>
-            </a:r>
-            <a:r>
-              <a:t> + 100;</a:t>
-            </a:r>
-          </a:p>
-          <a:p>
-            <a:pPr lvl="1" indent="310895" defTabSz="561340">
+              <a:t> }) {</a:t>
+            </a:r>
+          </a:p>
+          <a:p>
+            <a:pPr lvl="1" indent="402336" defTabSz="726440">
               <a:spcBef>
-                <a:spcPts val="1200"/>
+                <a:spcPts val="1500"/>
               </a:spcBef>
-              <a:defRPr spc="-37" sz="3740">
+              <a:defRPr spc="-48" sz="4840">
                 <a:latin typeface="Courier New"/>
                 <a:ea typeface="Courier New"/>
                 <a:cs typeface="Courier New"/>
@@ -8148,8 +8267,10 @@
             <a:r>
               <a:rPr>
                 <a:solidFill>
-                  <a:schemeClr val="accent1">
-                    <a:lumOff val="-13575"/>
+                  <a:schemeClr val="accent2">
+                    <a:hueOff val="-202083"/>
+                    <a:satOff val="17755"/>
+                    <a:lumOff val="-16089"/>
                   </a:schemeClr>
                 </a:solidFill>
               </a:rPr>
@@ -8178,18 +8299,22 @@
               </a:rPr>
               <a:t> people.&lt;/h1&gt;</a:t>
             </a:r>
-            <a:endParaRPr b="1">
+            <a:endParaRPr>
               <a:solidFill>
-                <a:schemeClr val="accent3"/>
+                <a:schemeClr val="accent3">
+                  <a:hueOff val="362282"/>
+                  <a:satOff val="31803"/>
+                  <a:lumOff val="-18242"/>
+                </a:schemeClr>
               </a:solidFill>
             </a:endParaRPr>
           </a:p>
           <a:p>
-            <a:pPr defTabSz="561340">
+            <a:pPr defTabSz="726440">
               <a:spcBef>
-                <a:spcPts val="1200"/>
+                <a:spcPts val="1500"/>
               </a:spcBef>
-              <a:defRPr spc="-37" sz="3740">
+              <a:defRPr spc="-48" sz="4840">
                 <a:latin typeface="Courier New"/>
                 <a:ea typeface="Courier New"/>
                 <a:cs typeface="Courier New"/>
@@ -8201,11 +8326,11 @@
             </a:r>
           </a:p>
           <a:p>
-            <a:pPr defTabSz="561340">
+            <a:pPr defTabSz="726440">
               <a:spcBef>
-                <a:spcPts val="1200"/>
+                <a:spcPts val="1500"/>
               </a:spcBef>
-              <a:defRPr spc="-37" sz="3740">
+              <a:defRPr spc="-48" sz="4840">
                 <a:latin typeface="Courier New"/>
                 <a:ea typeface="Courier New"/>
                 <a:cs typeface="Courier New"/>
@@ -8214,11 +8339,11 @@
             </a:pPr>
           </a:p>
           <a:p>
-            <a:pPr defTabSz="561340">
+            <a:pPr defTabSz="726440">
               <a:spcBef>
-                <a:spcPts val="1200"/>
+                <a:spcPts val="1500"/>
               </a:spcBef>
-              <a:defRPr spc="-37" sz="3740">
+              <a:defRPr spc="-48" sz="4840">
                 <a:latin typeface="Courier New"/>
                 <a:ea typeface="Courier New"/>
                 <a:cs typeface="Courier New"/>
@@ -8245,11 +8370,11 @@
             </a:r>
           </a:p>
           <a:p>
-            <a:pPr lvl="1" indent="310895" defTabSz="561340">
+            <a:pPr lvl="1" indent="402336" defTabSz="726440">
               <a:spcBef>
-                <a:spcPts val="1200"/>
+                <a:spcPts val="1500"/>
               </a:spcBef>
-              <a:defRPr spc="-37" sz="3740">
+              <a:defRPr spc="-48" sz="4840">
                 <a:latin typeface="Courier New"/>
                 <a:ea typeface="Courier New"/>
                 <a:cs typeface="Courier New"/>
@@ -8261,19 +8386,11 @@
             </a:r>
           </a:p>
           <a:p>
-            <a:pPr lvl="2" indent="621791" defTabSz="561340">
+            <a:pPr lvl="2" indent="804672" defTabSz="726440">
               <a:spcBef>
-                <a:spcPts val="1200"/>
+                <a:spcPts val="1500"/>
               </a:spcBef>
-              <a:defRPr spc="-37" sz="3740">
-                <a:latin typeface="Courier New"/>
-                <a:ea typeface="Courier New"/>
-                <a:cs typeface="Courier New"/>
-                <a:sym typeface="Courier New"/>
-              </a:defRPr>
-            </a:pPr>
-            <a:r>
-              <a:rPr>
+              <a:defRPr spc="-48" sz="4840">
                 <a:solidFill>
                   <a:schemeClr val="accent5">
                     <a:hueOff val="-82419"/>
@@ -8281,19 +8398,6 @@
                     <a:lumOff val="-16343"/>
                   </a:schemeClr>
                 </a:solidFill>
-              </a:rPr>
-              <a:t>&lt;Venue/&gt;</a:t>
-            </a:r>
-            <a:r>
-              <a:t> {/* This venue holds 200 people. */}</a:t>
-            </a:r>
-          </a:p>
-          <a:p>
-            <a:pPr lvl="2" indent="621791" defTabSz="561340">
-              <a:spcBef>
-                <a:spcPts val="1200"/>
-              </a:spcBef>
-              <a:defRPr spc="-37" sz="3740">
                 <a:latin typeface="Courier New"/>
                 <a:ea typeface="Courier New"/>
                 <a:cs typeface="Courier New"/>
@@ -8301,7 +8405,15 @@
               </a:defRPr>
             </a:pPr>
             <a:r>
-              <a:rPr>
+              <a:t>&lt;Venue capacity={100} /&gt;</a:t>
+            </a:r>
+          </a:p>
+          <a:p>
+            <a:pPr lvl="2" indent="804672" defTabSz="726440">
+              <a:spcBef>
+                <a:spcPts val="1500"/>
+              </a:spcBef>
+              <a:defRPr spc="-48" sz="4840">
                 <a:solidFill>
                   <a:schemeClr val="accent5">
                     <a:hueOff val="-82419"/>
@@ -8309,19 +8421,6 @@
                     <a:lumOff val="-16343"/>
                   </a:schemeClr>
                 </a:solidFill>
-              </a:rPr>
-              <a:t>&lt;Venue/&gt;</a:t>
-            </a:r>
-            <a:r>
-              <a:t> {/* This venue holds 400 people. */}</a:t>
-            </a:r>
-          </a:p>
-          <a:p>
-            <a:pPr lvl="1" indent="310895" defTabSz="561340">
-              <a:spcBef>
-                <a:spcPts val="1200"/>
-              </a:spcBef>
-              <a:defRPr spc="-37" sz="3740">
                 <a:latin typeface="Courier New"/>
                 <a:ea typeface="Courier New"/>
                 <a:cs typeface="Courier New"/>
@@ -8329,15 +8428,31 @@
               </a:defRPr>
             </a:pPr>
             <a:r>
+              <a:t>&lt;Venue capacity={200} /&gt;</a:t>
+            </a:r>
+          </a:p>
+          <a:p>
+            <a:pPr lvl="1" indent="402336" defTabSz="726440">
+              <a:spcBef>
+                <a:spcPts val="1500"/>
+              </a:spcBef>
+              <a:defRPr spc="-48" sz="4840">
+                <a:latin typeface="Courier New"/>
+                <a:ea typeface="Courier New"/>
+                <a:cs typeface="Courier New"/>
+                <a:sym typeface="Courier New"/>
+              </a:defRPr>
+            </a:pPr>
+            <a:r>
               <a:t>)</a:t>
             </a:r>
           </a:p>
           <a:p>
-            <a:pPr defTabSz="561340">
+            <a:pPr defTabSz="726440">
               <a:spcBef>
-                <a:spcPts val="1200"/>
+                <a:spcPts val="1500"/>
               </a:spcBef>
-              <a:defRPr spc="-37" sz="3740">
+              <a:defRPr spc="-48" sz="4840">
                 <a:latin typeface="Courier New"/>
                 <a:ea typeface="Courier New"/>
                 <a:cs typeface="Courier New"/>
@@ -8378,7 +8493,7 @@
       </p:grpSpPr>
       <p:sp>
         <p:nvSpPr>
-          <p:cNvPr id="175" name="A Pure Component"/>
+          <p:cNvPr id="176" name="A Pure Component"/>
           <p:cNvSpPr txBox="1"/>
           <p:nvPr>
             <p:ph type="title"/>
@@ -8402,7 +8517,7 @@
       </p:sp>
       <p:sp>
         <p:nvSpPr>
-          <p:cNvPr id="176" name="function Venue({ capacity }) {…"/>
+          <p:cNvPr id="177" name="function Venue({ capacity }) {…"/>
           <p:cNvSpPr txBox="1"/>
           <p:nvPr>
             <p:ph type="body" idx="1"/>
@@ -8421,11 +8536,11 @@
           <a:bodyPr/>
           <a:lstStyle/>
           <a:p>
-            <a:pPr defTabSz="726440">
+            <a:pPr defTabSz="685165">
               <a:spcBef>
-                <a:spcPts val="1500"/>
+                <a:spcPts val="1400"/>
               </a:spcBef>
-              <a:defRPr spc="-48" sz="4840">
+              <a:defRPr spc="-45" sz="4565">
                 <a:latin typeface="Courier New"/>
                 <a:ea typeface="Courier New"/>
                 <a:cs typeface="Courier New"/>
@@ -8467,11 +8582,11 @@
             </a:r>
           </a:p>
           <a:p>
-            <a:pPr lvl="1" indent="402336" defTabSz="726440">
+            <a:pPr lvl="1" indent="379475" defTabSz="685165">
               <a:spcBef>
-                <a:spcPts val="1500"/>
+                <a:spcPts val="1400"/>
               </a:spcBef>
-              <a:defRPr spc="-48" sz="4840">
+              <a:defRPr spc="-45" sz="4565">
                 <a:latin typeface="Courier New"/>
                 <a:ea typeface="Courier New"/>
                 <a:cs typeface="Courier New"/>
@@ -8550,11 +8665,11 @@
             </a:endParaRPr>
           </a:p>
           <a:p>
-            <a:pPr defTabSz="726440">
+            <a:pPr defTabSz="685165">
               <a:spcBef>
-                <a:spcPts val="1500"/>
+                <a:spcPts val="1400"/>
               </a:spcBef>
-              <a:defRPr spc="-48" sz="4840">
+              <a:defRPr spc="-45" sz="4565">
                 <a:latin typeface="Courier New"/>
                 <a:ea typeface="Courier New"/>
                 <a:cs typeface="Courier New"/>
@@ -8566,11 +8681,11 @@
             </a:r>
           </a:p>
           <a:p>
-            <a:pPr defTabSz="726440">
+            <a:pPr defTabSz="685165">
               <a:spcBef>
-                <a:spcPts val="1500"/>
+                <a:spcPts val="1400"/>
               </a:spcBef>
-              <a:defRPr spc="-48" sz="4840">
+              <a:defRPr spc="-45" sz="4565">
                 <a:latin typeface="Courier New"/>
                 <a:ea typeface="Courier New"/>
                 <a:cs typeface="Courier New"/>
@@ -8579,11 +8694,11 @@
             </a:pPr>
           </a:p>
           <a:p>
-            <a:pPr defTabSz="726440">
+            <a:pPr defTabSz="685165">
               <a:spcBef>
-                <a:spcPts val="1500"/>
+                <a:spcPts val="1400"/>
               </a:spcBef>
-              <a:defRPr spc="-48" sz="4840">
+              <a:defRPr spc="-45" sz="4565">
                 <a:latin typeface="Courier New"/>
                 <a:ea typeface="Courier New"/>
                 <a:cs typeface="Courier New"/>
@@ -8610,11 +8725,11 @@
             </a:r>
           </a:p>
           <a:p>
-            <a:pPr lvl="1" indent="402336" defTabSz="726440">
+            <a:pPr lvl="1" indent="379475" defTabSz="685165">
               <a:spcBef>
-                <a:spcPts val="1500"/>
+                <a:spcPts val="1400"/>
               </a:spcBef>
-              <a:defRPr spc="-48" sz="4840">
+              <a:defRPr spc="-45" sz="4565">
                 <a:latin typeface="Courier New"/>
                 <a:ea typeface="Courier New"/>
                 <a:cs typeface="Courier New"/>
@@ -8626,11 +8741,11 @@
             </a:r>
           </a:p>
           <a:p>
-            <a:pPr lvl="2" indent="804672" defTabSz="726440">
+            <a:pPr lvl="2" indent="758951" defTabSz="685165">
               <a:spcBef>
-                <a:spcPts val="1500"/>
+                <a:spcPts val="1400"/>
               </a:spcBef>
-              <a:defRPr spc="-48" sz="4840">
+              <a:defRPr spc="-45" sz="4565">
                 <a:solidFill>
                   <a:schemeClr val="accent5">
                     <a:hueOff val="-82419"/>
@@ -8647,13 +8762,26 @@
             <a:r>
               <a:t>&lt;Venue capacity={100} /&gt;</a:t>
             </a:r>
-          </a:p>
-          <a:p>
-            <a:pPr lvl="2" indent="804672" defTabSz="726440">
+            <a:r>
+              <a:rPr>
+                <a:solidFill>
+                  <a:srgbClr val="000000"/>
+                </a:solidFill>
+              </a:rPr>
+              <a:t> {/* This venue holds 100 people. */}</a:t>
+            </a:r>
+            <a:endParaRPr>
+              <a:solidFill>
+                <a:srgbClr val="000000"/>
+              </a:solidFill>
+            </a:endParaRPr>
+          </a:p>
+          <a:p>
+            <a:pPr lvl="2" indent="758951" defTabSz="685165">
               <a:spcBef>
-                <a:spcPts val="1500"/>
+                <a:spcPts val="1400"/>
               </a:spcBef>
-              <a:defRPr spc="-48" sz="4840">
+              <a:defRPr spc="-45" sz="4565">
                 <a:solidFill>
                   <a:schemeClr val="accent5">
                     <a:hueOff val="-82419"/>
@@ -8670,13 +8798,26 @@
             <a:r>
               <a:t>&lt;Venue capacity={200} /&gt;</a:t>
             </a:r>
-          </a:p>
-          <a:p>
-            <a:pPr lvl="1" indent="402336" defTabSz="726440">
+            <a:r>
+              <a:rPr>
+                <a:solidFill>
+                  <a:srgbClr val="000000"/>
+                </a:solidFill>
+              </a:rPr>
+              <a:t> {/* This venue holds 200 people. */}</a:t>
+            </a:r>
+            <a:endParaRPr>
+              <a:solidFill>
+                <a:srgbClr val="000000"/>
+              </a:solidFill>
+            </a:endParaRPr>
+          </a:p>
+          <a:p>
+            <a:pPr lvl="1" indent="379475" defTabSz="685165">
               <a:spcBef>
-                <a:spcPts val="1500"/>
+                <a:spcPts val="1400"/>
               </a:spcBef>
-              <a:defRPr spc="-48" sz="4840">
+              <a:defRPr spc="-45" sz="4565">
                 <a:latin typeface="Courier New"/>
                 <a:ea typeface="Courier New"/>
                 <a:cs typeface="Courier New"/>
@@ -8688,11 +8829,11 @@
             </a:r>
           </a:p>
           <a:p>
-            <a:pPr defTabSz="726440">
+            <a:pPr defTabSz="685165">
               <a:spcBef>
-                <a:spcPts val="1500"/>
+                <a:spcPts val="1400"/>
               </a:spcBef>
-              <a:defRPr spc="-48" sz="4840">
+              <a:defRPr spc="-45" sz="4565">
                 <a:latin typeface="Courier New"/>
                 <a:ea typeface="Courier New"/>
                 <a:cs typeface="Courier New"/>

--- a/phase-2/effects/slides/effects.pptx
+++ b/phase-2/effects/slides/effects.pptx
@@ -3876,7 +3876,7 @@
       </p:grpSpPr>
       <p:sp>
         <p:nvSpPr>
-          <p:cNvPr id="151" name="Sakib Rasul | July 7, 2023"/>
+          <p:cNvPr id="151" name="Sakib Rasul | Updated February 1, 2024 | Created June 15, 2023"/>
           <p:cNvSpPr txBox="1"/>
           <p:nvPr>
             <p:ph type="body" idx="21"/>
@@ -3898,7 +3898,7 @@
           <a:p>
             <a:pPr/>
             <a:r>
-              <a:t>Sakib Rasul | July 7, 2023</a:t>
+              <a:t>Sakib Rasul | Updated February 1, 2024 | Created June 15, 2023</a:t>
             </a:r>
           </a:p>
         </p:txBody>
@@ -3929,7 +3929,7 @@
       </p:sp>
       <p:sp>
         <p:nvSpPr>
-          <p:cNvPr id="153" name="Phase 2 // Week 1, Day 4"/>
+          <p:cNvPr id="153" name="Phase 2 | Week 1, Lesson 4"/>
           <p:cNvSpPr txBox="1"/>
           <p:nvPr>
             <p:ph type="subTitle" sz="quarter" idx="1"/>
@@ -3946,7 +3946,7 @@
           <a:p>
             <a:pPr/>
             <a:r>
-              <a:t>Phase 2 // Week 1, Day 4</a:t>
+              <a:t>Phase 2 | Week 1, Lesson 4</a:t>
             </a:r>
           </a:p>
         </p:txBody>

--- a/phase-2/effects/slides/effects.pptx
+++ b/phase-2/effects/slides/effects.pptx
@@ -32,6 +32,9 @@
     <p:sldId id="277" r:id="rId29"/>
     <p:sldId id="278" r:id="rId30"/>
     <p:sldId id="279" r:id="rId31"/>
+    <p:sldId id="280" r:id="rId32"/>
+    <p:sldId id="281" r:id="rId33"/>
+    <p:sldId id="282" r:id="rId34"/>
   </p:sldIdLst>
   <p:sldSz cx="24384000" cy="13716000"/>
   <p:notesSz cx="6858000" cy="9144000"/>
@@ -3876,7 +3879,7 @@
       </p:grpSpPr>
       <p:sp>
         <p:nvSpPr>
-          <p:cNvPr id="151" name="Sakib Rasul | Updated February 1, 2024 | Created June 15, 2023"/>
+          <p:cNvPr id="151" name="Sakib Rasul | Updated February 1, 2024. Created June 15, 2023."/>
           <p:cNvSpPr txBox="1"/>
           <p:nvPr>
             <p:ph type="body" idx="21"/>
@@ -3898,7 +3901,7 @@
           <a:p>
             <a:pPr/>
             <a:r>
-              <a:t>Sakib Rasul | Updated February 1, 2024 | Created June 15, 2023</a:t>
+              <a:t>Sakib Rasul | Updated February 1, 2024. Created June 15, 2023.</a:t>
             </a:r>
           </a:p>
         </p:txBody>
@@ -3979,7 +3982,7 @@
       </p:grpSpPr>
       <p:sp>
         <p:nvSpPr>
-          <p:cNvPr id="179" name="Side Effects in React"/>
+          <p:cNvPr id="179" name="An Pure Component"/>
           <p:cNvSpPr txBox="1"/>
           <p:nvPr>
             <p:ph type="title"/>
@@ -3996,14 +3999,14 @@
           <a:p>
             <a:pPr/>
             <a:r>
-              <a:t>Side Effects in React</a:t>
+              <a:t>An Pure Component</a:t>
             </a:r>
           </a:p>
         </p:txBody>
       </p:sp>
       <p:sp>
         <p:nvSpPr>
-          <p:cNvPr id="180" name="In React, a side effect happens outside of rendering.…"/>
+          <p:cNvPr id="180" name="const Venue = ({ capacity, setCapacity }) =&gt;…"/>
           <p:cNvSpPr txBox="1"/>
           <p:nvPr>
             <p:ph type="body" idx="1"/>
@@ -4022,59 +4025,571 @@
           <a:bodyPr/>
           <a:lstStyle/>
           <a:p>
-            <a:pPr marL="698500" indent="-698500">
-              <a:buSzPct val="123000"/>
-              <a:buChar char="•"/>
-            </a:pPr>
-            <a:r>
-              <a:t>In React, a </a:t>
-            </a:r>
-            <a:r>
-              <a:rPr b="1"/>
-              <a:t>side effect</a:t>
-            </a:r>
-            <a:r>
-              <a:t> happens </a:t>
-            </a:r>
-            <a:r>
-              <a:rPr u="sng"/>
-              <a:t>out</a:t>
-            </a:r>
-            <a:r>
-              <a:rPr i="1" u="sng"/>
-              <a:t>side</a:t>
-            </a:r>
-            <a:r>
-              <a:rPr u="sng"/>
-              <a:t> of rendering</a:t>
-            </a:r>
-            <a:r>
-              <a:t>.</a:t>
-            </a:r>
-          </a:p>
-          <a:p>
-            <a:pPr marL="698500" indent="-698500">
-              <a:buSzPct val="123000"/>
-              <a:buChar char="•"/>
-            </a:pPr>
-            <a:r>
-              <a:t>Since side effects don’t run during a render, </a:t>
-            </a:r>
-            <a:r>
-              <a:rPr u="sng"/>
-              <a:t>they can be impure</a:t>
-            </a:r>
-            <a:r>
-              <a:t>.</a:t>
-            </a:r>
-          </a:p>
-          <a:p>
-            <a:pPr marL="698500" indent="-698500">
-              <a:buSzPct val="123000"/>
-              <a:buChar char="•"/>
-            </a:pPr>
-            <a:r>
-              <a:t>Can you think of an impure side effect? 🤔</a:t>
+            <a:pPr defTabSz="751205">
+              <a:spcBef>
+                <a:spcPts val="1600"/>
+              </a:spcBef>
+              <a:defRPr spc="-50" sz="5005">
+                <a:latin typeface="Courier New"/>
+                <a:ea typeface="Courier New"/>
+                <a:cs typeface="Courier New"/>
+                <a:sym typeface="Courier New"/>
+              </a:defRPr>
+            </a:pPr>
+            <a:r>
+              <a:t>const </a:t>
+            </a:r>
+            <a:r>
+              <a:rPr>
+                <a:solidFill>
+                  <a:schemeClr val="accent5">
+                    <a:hueOff val="-82419"/>
+                    <a:satOff val="-9513"/>
+                    <a:lumOff val="-16343"/>
+                  </a:schemeClr>
+                </a:solidFill>
+              </a:rPr>
+              <a:t>Venue </a:t>
+            </a:r>
+            <a:r>
+              <a:t>= ({ </a:t>
+            </a:r>
+            <a:r>
+              <a:rPr>
+                <a:solidFill>
+                  <a:schemeClr val="accent1">
+                    <a:lumOff val="-13575"/>
+                  </a:schemeClr>
+                </a:solidFill>
+              </a:rPr>
+              <a:t>capacity, </a:t>
+            </a:r>
+            <a:r>
+              <a:rPr>
+                <a:solidFill>
+                  <a:schemeClr val="accent4">
+                    <a:hueOff val="-1247790"/>
+                    <a:lumOff val="-12326"/>
+                  </a:schemeClr>
+                </a:solidFill>
+              </a:rPr>
+              <a:t>setCapacity</a:t>
+            </a:r>
+            <a:r>
+              <a:t> }) =&gt;</a:t>
+            </a:r>
+          </a:p>
+          <a:p>
+            <a:pPr lvl="1" indent="416052" defTabSz="751205">
+              <a:spcBef>
+                <a:spcPts val="1600"/>
+              </a:spcBef>
+              <a:defRPr spc="-50" sz="5005">
+                <a:latin typeface="Courier New"/>
+                <a:ea typeface="Courier New"/>
+                <a:cs typeface="Courier New"/>
+                <a:sym typeface="Courier New"/>
+              </a:defRPr>
+            </a:pPr>
+            <a:r>
+              <a:rPr>
+                <a:solidFill>
+                  <a:schemeClr val="accent3">
+                    <a:hueOff val="362282"/>
+                    <a:satOff val="31803"/>
+                    <a:lumOff val="-18242"/>
+                  </a:schemeClr>
+                </a:solidFill>
+              </a:rPr>
+              <a:t>&lt;h1 </a:t>
+            </a:r>
+            <a:r>
+              <a:rPr>
+                <a:solidFill>
+                  <a:schemeClr val="accent2">
+                    <a:hueOff val="-202083"/>
+                    <a:satOff val="17755"/>
+                    <a:lumOff val="-16089"/>
+                  </a:schemeClr>
+                </a:solidFill>
+              </a:rPr>
+              <a:t>onClick</a:t>
+            </a:r>
+            <a:r>
+              <a:t>=</a:t>
+            </a:r>
+            <a:r>
+              <a:rPr>
+                <a:solidFill>
+                  <a:schemeClr val="accent4">
+                    <a:hueOff val="-476017"/>
+                    <a:lumOff val="-10042"/>
+                  </a:schemeClr>
+                </a:solidFill>
+              </a:rPr>
+              <a:t>{</a:t>
+            </a:r>
+            <a:r>
+              <a:t>() =&gt;</a:t>
+            </a:r>
+            <a:r>
+              <a:rPr>
+                <a:solidFill>
+                  <a:schemeClr val="accent1">
+                    <a:lumOff val="-13575"/>
+                  </a:schemeClr>
+                </a:solidFill>
+              </a:rPr>
+              <a:t> </a:t>
+            </a:r>
+            <a:r>
+              <a:rPr>
+                <a:solidFill>
+                  <a:schemeClr val="accent4">
+                    <a:hueOff val="-1247790"/>
+                    <a:lumOff val="-12326"/>
+                  </a:schemeClr>
+                </a:solidFill>
+              </a:rPr>
+              <a:t>setCapacity</a:t>
+            </a:r>
+            <a:r>
+              <a:t>(</a:t>
+            </a:r>
+            <a:r>
+              <a:rPr>
+                <a:solidFill>
+                  <a:schemeClr val="accent1">
+                    <a:lumOff val="-13575"/>
+                  </a:schemeClr>
+                </a:solidFill>
+              </a:rPr>
+              <a:t>capacity</a:t>
+            </a:r>
+            <a:r>
+              <a:t> + 100)</a:t>
+            </a:r>
+            <a:r>
+              <a:rPr>
+                <a:solidFill>
+                  <a:schemeClr val="accent4">
+                    <a:hueOff val="-476017"/>
+                    <a:lumOff val="-10042"/>
+                  </a:schemeClr>
+                </a:solidFill>
+              </a:rPr>
+              <a:t>}</a:t>
+            </a:r>
+            <a:r>
+              <a:rPr>
+                <a:solidFill>
+                  <a:schemeClr val="accent3">
+                    <a:hueOff val="362282"/>
+                    <a:satOff val="31803"/>
+                    <a:lumOff val="-18242"/>
+                  </a:schemeClr>
+                </a:solidFill>
+              </a:rPr>
+              <a:t>&gt;</a:t>
+            </a:r>
+            <a:endParaRPr>
+              <a:solidFill>
+                <a:schemeClr val="accent3">
+                  <a:hueOff val="362282"/>
+                  <a:satOff val="31803"/>
+                  <a:lumOff val="-18242"/>
+                </a:schemeClr>
+              </a:solidFill>
+            </a:endParaRPr>
+          </a:p>
+          <a:p>
+            <a:pPr lvl="2" indent="832104" defTabSz="751205">
+              <a:spcBef>
+                <a:spcPts val="1600"/>
+              </a:spcBef>
+              <a:defRPr spc="-50" sz="5005">
+                <a:latin typeface="Courier New"/>
+                <a:ea typeface="Courier New"/>
+                <a:cs typeface="Courier New"/>
+                <a:sym typeface="Courier New"/>
+              </a:defRPr>
+            </a:pPr>
+            <a:r>
+              <a:rPr>
+                <a:solidFill>
+                  <a:schemeClr val="accent3">
+                    <a:hueOff val="362282"/>
+                    <a:satOff val="31803"/>
+                    <a:lumOff val="-18242"/>
+                  </a:schemeClr>
+                </a:solidFill>
+              </a:rPr>
+              <a:t>This venue holds </a:t>
+            </a:r>
+            <a:r>
+              <a:rPr>
+                <a:solidFill>
+                  <a:schemeClr val="accent4">
+                    <a:hueOff val="-476017"/>
+                    <a:lumOff val="-10042"/>
+                  </a:schemeClr>
+                </a:solidFill>
+              </a:rPr>
+              <a:t>{</a:t>
+            </a:r>
+            <a:r>
+              <a:rPr>
+                <a:solidFill>
+                  <a:schemeClr val="accent1">
+                    <a:lumOff val="-13575"/>
+                  </a:schemeClr>
+                </a:solidFill>
+              </a:rPr>
+              <a:t>capacity</a:t>
+            </a:r>
+            <a:r>
+              <a:rPr>
+                <a:solidFill>
+                  <a:schemeClr val="accent4">
+                    <a:hueOff val="-476017"/>
+                    <a:lumOff val="-10042"/>
+                  </a:schemeClr>
+                </a:solidFill>
+              </a:rPr>
+              <a:t>}</a:t>
+            </a:r>
+            <a:r>
+              <a:rPr>
+                <a:solidFill>
+                  <a:schemeClr val="accent3">
+                    <a:hueOff val="362282"/>
+                    <a:satOff val="31803"/>
+                    <a:lumOff val="-18242"/>
+                  </a:schemeClr>
+                </a:solidFill>
+              </a:rPr>
+              <a:t> people.</a:t>
+            </a:r>
+            <a:endParaRPr>
+              <a:solidFill>
+                <a:schemeClr val="accent3">
+                  <a:hueOff val="362282"/>
+                  <a:satOff val="31803"/>
+                  <a:lumOff val="-18242"/>
+                </a:schemeClr>
+              </a:solidFill>
+            </a:endParaRPr>
+          </a:p>
+          <a:p>
+            <a:pPr lvl="1" indent="416052" defTabSz="751205">
+              <a:spcBef>
+                <a:spcPts val="1600"/>
+              </a:spcBef>
+              <a:defRPr spc="-50" sz="5005">
+                <a:latin typeface="Courier New"/>
+                <a:ea typeface="Courier New"/>
+                <a:cs typeface="Courier New"/>
+                <a:sym typeface="Courier New"/>
+              </a:defRPr>
+            </a:pPr>
+            <a:r>
+              <a:rPr>
+                <a:solidFill>
+                  <a:schemeClr val="accent3">
+                    <a:hueOff val="362282"/>
+                    <a:satOff val="31803"/>
+                    <a:lumOff val="-18242"/>
+                  </a:schemeClr>
+                </a:solidFill>
+              </a:rPr>
+              <a:t>&lt;/h1&gt;</a:t>
+            </a:r>
+            <a:endParaRPr b="1">
+              <a:solidFill>
+                <a:schemeClr val="accent3"/>
+              </a:solidFill>
+            </a:endParaRPr>
+          </a:p>
+          <a:p>
+            <a:pPr lvl="1" indent="416052" defTabSz="751205">
+              <a:spcBef>
+                <a:spcPts val="1600"/>
+              </a:spcBef>
+              <a:defRPr spc="-50" sz="5005">
+                <a:latin typeface="Courier New"/>
+                <a:ea typeface="Courier New"/>
+                <a:cs typeface="Courier New"/>
+                <a:sym typeface="Courier New"/>
+              </a:defRPr>
+            </a:pPr>
+          </a:p>
+          <a:p>
+            <a:pPr defTabSz="751205">
+              <a:spcBef>
+                <a:spcPts val="1600"/>
+              </a:spcBef>
+              <a:defRPr spc="-50" sz="5005">
+                <a:latin typeface="Courier New"/>
+                <a:ea typeface="Courier New"/>
+                <a:cs typeface="Courier New"/>
+                <a:sym typeface="Courier New"/>
+              </a:defRPr>
+            </a:pPr>
+            <a:r>
+              <a:t>const </a:t>
+            </a:r>
+            <a:r>
+              <a:rPr>
+                <a:solidFill>
+                  <a:schemeClr val="accent5">
+                    <a:hueOff val="-82419"/>
+                    <a:satOff val="-9513"/>
+                    <a:lumOff val="-16343"/>
+                  </a:schemeClr>
+                </a:solidFill>
+              </a:rPr>
+              <a:t>Venues </a:t>
+            </a:r>
+            <a:r>
+              <a:t>= () =&gt; {</a:t>
+            </a:r>
+          </a:p>
+          <a:p>
+            <a:pPr lvl="1" indent="416052" defTabSz="751205">
+              <a:spcBef>
+                <a:spcPts val="1600"/>
+              </a:spcBef>
+              <a:defRPr spc="-50" sz="5005">
+                <a:latin typeface="Courier New"/>
+                <a:ea typeface="Courier New"/>
+                <a:cs typeface="Courier New"/>
+                <a:sym typeface="Courier New"/>
+              </a:defRPr>
+            </a:pPr>
+            <a:r>
+              <a:t>const [ </a:t>
+            </a:r>
+            <a:r>
+              <a:rPr>
+                <a:solidFill>
+                  <a:schemeClr val="accent1">
+                    <a:lumOff val="-13575"/>
+                  </a:schemeClr>
+                </a:solidFill>
+              </a:rPr>
+              <a:t>capacity</a:t>
+            </a:r>
+            <a:r>
+              <a:t>,</a:t>
+            </a:r>
+            <a:r>
+              <a:rPr>
+                <a:solidFill>
+                  <a:schemeClr val="accent1">
+                    <a:lumOff val="-13575"/>
+                  </a:schemeClr>
+                </a:solidFill>
+              </a:rPr>
+              <a:t> </a:t>
+            </a:r>
+            <a:r>
+              <a:rPr>
+                <a:solidFill>
+                  <a:schemeClr val="accent4">
+                    <a:hueOff val="-1247790"/>
+                    <a:lumOff val="-12326"/>
+                  </a:schemeClr>
+                </a:solidFill>
+              </a:rPr>
+              <a:t>setCapacity</a:t>
+            </a:r>
+            <a:r>
+              <a:rPr>
+                <a:solidFill>
+                  <a:schemeClr val="accent1">
+                    <a:lumOff val="-13575"/>
+                  </a:schemeClr>
+                </a:solidFill>
+              </a:rPr>
+              <a:t> </a:t>
+            </a:r>
+            <a:r>
+              <a:t>] = </a:t>
+            </a:r>
+            <a:r>
+              <a:rPr>
+                <a:solidFill>
+                  <a:schemeClr val="accent1">
+                    <a:lumOff val="-13575"/>
+                  </a:schemeClr>
+                </a:solidFill>
+              </a:rPr>
+              <a:t>use</a:t>
+            </a:r>
+            <a:r>
+              <a:rPr>
+                <a:solidFill>
+                  <a:schemeClr val="accent4">
+                    <a:hueOff val="-1247790"/>
+                    <a:lumOff val="-12326"/>
+                  </a:schemeClr>
+                </a:solidFill>
+              </a:rPr>
+              <a:t>State</a:t>
+            </a:r>
+            <a:r>
+              <a:t>(0);</a:t>
+            </a:r>
+          </a:p>
+          <a:p>
+            <a:pPr lvl="1" indent="416052" defTabSz="751205">
+              <a:spcBef>
+                <a:spcPts val="1600"/>
+              </a:spcBef>
+              <a:defRPr spc="-50" sz="5005">
+                <a:latin typeface="Courier New"/>
+                <a:ea typeface="Courier New"/>
+                <a:cs typeface="Courier New"/>
+                <a:sym typeface="Courier New"/>
+              </a:defRPr>
+            </a:pPr>
+            <a:r>
+              <a:t>return </a:t>
+            </a:r>
+            <a:r>
+              <a:rPr>
+                <a:solidFill>
+                  <a:schemeClr val="accent5">
+                    <a:hueOff val="-82419"/>
+                    <a:satOff val="-9513"/>
+                    <a:lumOff val="-16343"/>
+                  </a:schemeClr>
+                </a:solidFill>
+              </a:rPr>
+              <a:t>&lt;Venue </a:t>
+            </a:r>
+            <a:r>
+              <a:rPr>
+                <a:solidFill>
+                  <a:schemeClr val="accent2">
+                    <a:hueOff val="-202083"/>
+                    <a:satOff val="17755"/>
+                    <a:lumOff val="-16089"/>
+                  </a:schemeClr>
+                </a:solidFill>
+              </a:rPr>
+              <a:t>capacity</a:t>
+            </a:r>
+            <a:r>
+              <a:t>=</a:t>
+            </a:r>
+            <a:r>
+              <a:rPr>
+                <a:solidFill>
+                  <a:schemeClr val="accent4">
+                    <a:hueOff val="-476017"/>
+                    <a:lumOff val="-10042"/>
+                  </a:schemeClr>
+                </a:solidFill>
+              </a:rPr>
+              <a:t>{</a:t>
+            </a:r>
+            <a:r>
+              <a:rPr>
+                <a:solidFill>
+                  <a:schemeClr val="accent1">
+                    <a:lumOff val="-13575"/>
+                  </a:schemeClr>
+                </a:solidFill>
+              </a:rPr>
+              <a:t>capacity</a:t>
+            </a:r>
+            <a:r>
+              <a:rPr>
+                <a:solidFill>
+                  <a:schemeClr val="accent4">
+                    <a:hueOff val="-476017"/>
+                    <a:lumOff val="-10042"/>
+                  </a:schemeClr>
+                </a:solidFill>
+              </a:rPr>
+              <a:t>} </a:t>
+            </a:r>
+            <a:r>
+              <a:rPr>
+                <a:solidFill>
+                  <a:schemeClr val="accent2">
+                    <a:hueOff val="-202083"/>
+                    <a:satOff val="17755"/>
+                    <a:lumOff val="-16089"/>
+                  </a:schemeClr>
+                </a:solidFill>
+              </a:rPr>
+              <a:t>setCapacity</a:t>
+            </a:r>
+            <a:r>
+              <a:t>=</a:t>
+            </a:r>
+            <a:r>
+              <a:rPr>
+                <a:solidFill>
+                  <a:schemeClr val="accent4">
+                    <a:hueOff val="-476017"/>
+                    <a:lumOff val="-10042"/>
+                  </a:schemeClr>
+                </a:solidFill>
+              </a:rPr>
+              <a:t>{</a:t>
+            </a:r>
+            <a:r>
+              <a:rPr>
+                <a:solidFill>
+                  <a:schemeClr val="accent4">
+                    <a:hueOff val="-1247790"/>
+                    <a:lumOff val="-12326"/>
+                  </a:schemeClr>
+                </a:solidFill>
+              </a:rPr>
+              <a:t>setCapacity</a:t>
+            </a:r>
+            <a:r>
+              <a:rPr>
+                <a:solidFill>
+                  <a:schemeClr val="accent4">
+                    <a:hueOff val="-476017"/>
+                    <a:lumOff val="-10042"/>
+                  </a:schemeClr>
+                </a:solidFill>
+              </a:rPr>
+              <a:t>}</a:t>
+            </a:r>
+            <a:r>
+              <a:rPr>
+                <a:solidFill>
+                  <a:schemeClr val="accent5">
+                    <a:hueOff val="-82419"/>
+                    <a:satOff val="-9513"/>
+                    <a:lumOff val="-16343"/>
+                  </a:schemeClr>
+                </a:solidFill>
+              </a:rPr>
+              <a:t> /&gt;</a:t>
+            </a:r>
+          </a:p>
+          <a:p>
+            <a:pPr defTabSz="751205">
+              <a:spcBef>
+                <a:spcPts val="1600"/>
+              </a:spcBef>
+              <a:defRPr spc="-50" sz="5005">
+                <a:latin typeface="Courier New"/>
+                <a:ea typeface="Courier New"/>
+                <a:cs typeface="Courier New"/>
+                <a:sym typeface="Courier New"/>
+              </a:defRPr>
+            </a:pPr>
+            <a:r>
+              <a:t>}</a:t>
             </a:r>
           </a:p>
         </p:txBody>
@@ -4107,7 +4622,7 @@
       </p:grpSpPr>
       <p:sp>
         <p:nvSpPr>
-          <p:cNvPr id="182" name="Side Effects in React"/>
+          <p:cNvPr id="182" name="An Pure Component (modifying state)"/>
           <p:cNvSpPr txBox="1"/>
           <p:nvPr>
             <p:ph type="title"/>
@@ -4124,14 +4639,14 @@
           <a:p>
             <a:pPr/>
             <a:r>
-              <a:t>Side Effects in React</a:t>
+              <a:t>An Pure Component (modifying state)</a:t>
             </a:r>
           </a:p>
         </p:txBody>
       </p:sp>
       <p:sp>
         <p:nvSpPr>
-          <p:cNvPr id="183" name="In React, a side effect happens outside of rendering.…"/>
+          <p:cNvPr id="183" name="const Venue = ({ capacity, setCapacity }) =&gt;…"/>
           <p:cNvSpPr txBox="1"/>
           <p:nvPr>
             <p:ph type="body" idx="1"/>
@@ -4150,100 +4665,631 @@
           <a:bodyPr/>
           <a:lstStyle/>
           <a:p>
-            <a:pPr marL="698500" indent="-698500">
-              <a:buSzPct val="123000"/>
-              <a:buChar char="•"/>
-            </a:pPr>
-            <a:r>
-              <a:t>In React, a </a:t>
-            </a:r>
-            <a:r>
-              <a:rPr b="1"/>
-              <a:t>side effect</a:t>
-            </a:r>
-            <a:r>
-              <a:t> happens </a:t>
-            </a:r>
-            <a:r>
-              <a:rPr u="sng"/>
-              <a:t>out</a:t>
-            </a:r>
-            <a:r>
-              <a:rPr i="1" u="sng"/>
-              <a:t>side</a:t>
-            </a:r>
-            <a:r>
-              <a:rPr u="sng"/>
-              <a:t> of rendering</a:t>
-            </a:r>
-            <a:r>
-              <a:t>.</a:t>
-            </a:r>
-          </a:p>
-          <a:p>
-            <a:pPr marL="698500" indent="-698500">
-              <a:buSzPct val="123000"/>
-              <a:buChar char="•"/>
-            </a:pPr>
-            <a:r>
-              <a:t>Since side effects don’t run during a render, </a:t>
-            </a:r>
-            <a:r>
-              <a:rPr u="sng"/>
-              <a:t>they can be impure</a:t>
-            </a:r>
-            <a:r>
-              <a:t>.</a:t>
-            </a:r>
-          </a:p>
-          <a:p>
-            <a:pPr marL="698500" indent="-698500">
-              <a:buSzPct val="123000"/>
-              <a:buChar char="•"/>
-            </a:pPr>
-            <a:r>
-              <a:t>Can you think of an impure side effect?</a:t>
-            </a:r>
-          </a:p>
-          <a:p>
-            <a:pPr lvl="1" marL="1308100" indent="-698500">
-              <a:buSzPct val="123000"/>
-              <a:buChar char="•"/>
-            </a:pPr>
-            <a:r>
-              <a:t>The most common side effect in React is </a:t>
-            </a:r>
-            <a:r>
-              <a:rPr u="sng"/>
-              <a:t>setting state</a:t>
-            </a:r>
-            <a:r>
-              <a:t>.</a:t>
-            </a:r>
-          </a:p>
-          <a:p>
-            <a:pPr lvl="1" marL="1308100" indent="-698500">
-              <a:buSzPct val="123000"/>
-              <a:buChar char="•"/>
-            </a:pPr>
-            <a:r>
-              <a:t>The most common place to write side effects is </a:t>
-            </a:r>
-            <a:r>
-              <a:rPr u="sng"/>
-              <a:t>in event handlers</a:t>
-            </a:r>
-            <a:r>
-              <a:t>.</a:t>
-            </a:r>
-          </a:p>
-          <a:p>
-            <a:pPr lvl="1" marL="1308100" indent="-698500">
-              <a:buSzPct val="123000"/>
-              <a:buChar char="•"/>
-            </a:pPr>
-            <a:r>
-              <a:t>…but not all side effects are triggered by events 🤔</a:t>
+            <a:pPr defTabSz="685165">
+              <a:spcBef>
+                <a:spcPts val="1400"/>
+              </a:spcBef>
+              <a:defRPr spc="-45" sz="4565">
+                <a:latin typeface="Courier New"/>
+                <a:ea typeface="Courier New"/>
+                <a:cs typeface="Courier New"/>
+                <a:sym typeface="Courier New"/>
+              </a:defRPr>
+            </a:pPr>
+            <a:r>
+              <a:t>const </a:t>
+            </a:r>
+            <a:r>
+              <a:rPr>
+                <a:solidFill>
+                  <a:schemeClr val="accent5">
+                    <a:hueOff val="-82419"/>
+                    <a:satOff val="-9513"/>
+                    <a:lumOff val="-16343"/>
+                  </a:schemeClr>
+                </a:solidFill>
+              </a:rPr>
+              <a:t>Venue </a:t>
+            </a:r>
+            <a:r>
+              <a:t>= ({ </a:t>
+            </a:r>
+            <a:r>
+              <a:rPr>
+                <a:solidFill>
+                  <a:schemeClr val="accent1">
+                    <a:lumOff val="-13575"/>
+                  </a:schemeClr>
+                </a:solidFill>
+              </a:rPr>
+              <a:t>capacity, </a:t>
+            </a:r>
+            <a:r>
+              <a:rPr>
+                <a:solidFill>
+                  <a:schemeClr val="accent4">
+                    <a:hueOff val="-1247790"/>
+                    <a:lumOff val="-12326"/>
+                  </a:schemeClr>
+                </a:solidFill>
+              </a:rPr>
+              <a:t>setCapacity</a:t>
+            </a:r>
+            <a:r>
+              <a:t> }) =&gt;</a:t>
+            </a:r>
+          </a:p>
+          <a:p>
+            <a:pPr lvl="1" indent="379475" defTabSz="685165">
+              <a:spcBef>
+                <a:spcPts val="1400"/>
+              </a:spcBef>
+              <a:defRPr spc="-45" sz="4565">
+                <a:latin typeface="Courier New"/>
+                <a:ea typeface="Courier New"/>
+                <a:cs typeface="Courier New"/>
+                <a:sym typeface="Courier New"/>
+              </a:defRPr>
+            </a:pPr>
+            <a:r>
+              <a:t>{/* </a:t>
+            </a:r>
+            <a:r>
+              <a:rPr>
+                <a:solidFill>
+                  <a:schemeClr val="accent5">
+                    <a:hueOff val="-82419"/>
+                    <a:satOff val="-9513"/>
+                    <a:lumOff val="-16343"/>
+                  </a:schemeClr>
+                </a:solidFill>
+              </a:rPr>
+              <a:t>&lt;Venue&gt;</a:t>
+            </a:r>
+            <a:r>
+              <a:t> modifies its </a:t>
+            </a:r>
+            <a:r>
+              <a:rPr>
+                <a:solidFill>
+                  <a:schemeClr val="accent2">
+                    <a:hueOff val="-202083"/>
+                    <a:satOff val="17755"/>
+                    <a:lumOff val="-16089"/>
+                  </a:schemeClr>
+                </a:solidFill>
+              </a:rPr>
+              <a:t>prop</a:t>
+            </a:r>
+            <a:r>
+              <a:t> indirectly with </a:t>
+            </a:r>
+            <a:r>
+              <a:rPr>
+                <a:solidFill>
+                  <a:schemeClr val="accent4">
+                    <a:hueOff val="-1247790"/>
+                    <a:lumOff val="-12326"/>
+                  </a:schemeClr>
+                </a:solidFill>
+              </a:rPr>
+              <a:t>setCapacity</a:t>
+            </a:r>
+            <a:r>
+              <a:t> */}</a:t>
+            </a:r>
+          </a:p>
+          <a:p>
+            <a:pPr lvl="1" indent="379475" defTabSz="685165">
+              <a:spcBef>
+                <a:spcPts val="1400"/>
+              </a:spcBef>
+              <a:defRPr spc="-45" sz="4565">
+                <a:latin typeface="Courier New"/>
+                <a:ea typeface="Courier New"/>
+                <a:cs typeface="Courier New"/>
+                <a:sym typeface="Courier New"/>
+              </a:defRPr>
+            </a:pPr>
+            <a:r>
+              <a:rPr>
+                <a:solidFill>
+                  <a:schemeClr val="accent3">
+                    <a:hueOff val="362282"/>
+                    <a:satOff val="31803"/>
+                    <a:lumOff val="-18242"/>
+                  </a:schemeClr>
+                </a:solidFill>
+              </a:rPr>
+              <a:t>&lt;h1 </a:t>
+            </a:r>
+            <a:r>
+              <a:rPr>
+                <a:solidFill>
+                  <a:schemeClr val="accent2">
+                    <a:hueOff val="-202083"/>
+                    <a:satOff val="17755"/>
+                    <a:lumOff val="-16089"/>
+                  </a:schemeClr>
+                </a:solidFill>
+              </a:rPr>
+              <a:t>onClick</a:t>
+            </a:r>
+            <a:r>
+              <a:t>=</a:t>
+            </a:r>
+            <a:r>
+              <a:rPr>
+                <a:solidFill>
+                  <a:schemeClr val="accent4">
+                    <a:hueOff val="-476017"/>
+                    <a:lumOff val="-10042"/>
+                  </a:schemeClr>
+                </a:solidFill>
+              </a:rPr>
+              <a:t>{</a:t>
+            </a:r>
+            <a:r>
+              <a:t>() =&gt;</a:t>
+            </a:r>
+            <a:r>
+              <a:rPr>
+                <a:solidFill>
+                  <a:schemeClr val="accent1">
+                    <a:lumOff val="-13575"/>
+                  </a:schemeClr>
+                </a:solidFill>
+              </a:rPr>
+              <a:t> </a:t>
+            </a:r>
+            <a:r>
+              <a:rPr>
+                <a:solidFill>
+                  <a:schemeClr val="accent4">
+                    <a:hueOff val="-1247790"/>
+                    <a:lumOff val="-12326"/>
+                  </a:schemeClr>
+                </a:solidFill>
+              </a:rPr>
+              <a:t>setCapacity</a:t>
+            </a:r>
+            <a:r>
+              <a:t>(</a:t>
+            </a:r>
+            <a:r>
+              <a:rPr>
+                <a:solidFill>
+                  <a:schemeClr val="accent1">
+                    <a:lumOff val="-13575"/>
+                  </a:schemeClr>
+                </a:solidFill>
+              </a:rPr>
+              <a:t>capacity</a:t>
+            </a:r>
+            <a:r>
+              <a:t> + 100)</a:t>
+            </a:r>
+            <a:r>
+              <a:rPr>
+                <a:solidFill>
+                  <a:schemeClr val="accent4">
+                    <a:hueOff val="-476017"/>
+                    <a:lumOff val="-10042"/>
+                  </a:schemeClr>
+                </a:solidFill>
+              </a:rPr>
+              <a:t>}</a:t>
+            </a:r>
+            <a:r>
+              <a:rPr>
+                <a:solidFill>
+                  <a:schemeClr val="accent3">
+                    <a:hueOff val="362282"/>
+                    <a:satOff val="31803"/>
+                    <a:lumOff val="-18242"/>
+                  </a:schemeClr>
+                </a:solidFill>
+              </a:rPr>
+              <a:t>&gt;</a:t>
+            </a:r>
+            <a:endParaRPr>
+              <a:solidFill>
+                <a:schemeClr val="accent3">
+                  <a:hueOff val="362282"/>
+                  <a:satOff val="31803"/>
+                  <a:lumOff val="-18242"/>
+                </a:schemeClr>
+              </a:solidFill>
+            </a:endParaRPr>
+          </a:p>
+          <a:p>
+            <a:pPr lvl="2" indent="758951" defTabSz="685165">
+              <a:spcBef>
+                <a:spcPts val="1400"/>
+              </a:spcBef>
+              <a:defRPr spc="-45" sz="4565">
+                <a:latin typeface="Courier New"/>
+                <a:ea typeface="Courier New"/>
+                <a:cs typeface="Courier New"/>
+                <a:sym typeface="Courier New"/>
+              </a:defRPr>
+            </a:pPr>
+            <a:r>
+              <a:rPr>
+                <a:solidFill>
+                  <a:schemeClr val="accent3">
+                    <a:hueOff val="362282"/>
+                    <a:satOff val="31803"/>
+                    <a:lumOff val="-18242"/>
+                  </a:schemeClr>
+                </a:solidFill>
+              </a:rPr>
+              <a:t>This venue holds </a:t>
+            </a:r>
+            <a:r>
+              <a:rPr>
+                <a:solidFill>
+                  <a:schemeClr val="accent4">
+                    <a:hueOff val="-476017"/>
+                    <a:lumOff val="-10042"/>
+                  </a:schemeClr>
+                </a:solidFill>
+              </a:rPr>
+              <a:t>{</a:t>
+            </a:r>
+            <a:r>
+              <a:rPr>
+                <a:solidFill>
+                  <a:schemeClr val="accent1">
+                    <a:lumOff val="-13575"/>
+                  </a:schemeClr>
+                </a:solidFill>
+              </a:rPr>
+              <a:t>capacity</a:t>
+            </a:r>
+            <a:r>
+              <a:rPr>
+                <a:solidFill>
+                  <a:schemeClr val="accent4">
+                    <a:hueOff val="-476017"/>
+                    <a:lumOff val="-10042"/>
+                  </a:schemeClr>
+                </a:solidFill>
+              </a:rPr>
+              <a:t>}</a:t>
+            </a:r>
+            <a:r>
+              <a:rPr>
+                <a:solidFill>
+                  <a:schemeClr val="accent3">
+                    <a:hueOff val="362282"/>
+                    <a:satOff val="31803"/>
+                    <a:lumOff val="-18242"/>
+                  </a:schemeClr>
+                </a:solidFill>
+              </a:rPr>
+              <a:t> people.</a:t>
+            </a:r>
+            <a:endParaRPr>
+              <a:solidFill>
+                <a:schemeClr val="accent3">
+                  <a:hueOff val="362282"/>
+                  <a:satOff val="31803"/>
+                  <a:lumOff val="-18242"/>
+                </a:schemeClr>
+              </a:solidFill>
+            </a:endParaRPr>
+          </a:p>
+          <a:p>
+            <a:pPr lvl="1" indent="379475" defTabSz="685165">
+              <a:spcBef>
+                <a:spcPts val="1400"/>
+              </a:spcBef>
+              <a:defRPr spc="-45" sz="4565">
+                <a:latin typeface="Courier New"/>
+                <a:ea typeface="Courier New"/>
+                <a:cs typeface="Courier New"/>
+                <a:sym typeface="Courier New"/>
+              </a:defRPr>
+            </a:pPr>
+            <a:r>
+              <a:rPr>
+                <a:solidFill>
+                  <a:schemeClr val="accent3">
+                    <a:hueOff val="362282"/>
+                    <a:satOff val="31803"/>
+                    <a:lumOff val="-18242"/>
+                  </a:schemeClr>
+                </a:solidFill>
+              </a:rPr>
+              <a:t>&lt;/h1&gt;</a:t>
+            </a:r>
+            <a:endParaRPr b="1">
+              <a:solidFill>
+                <a:schemeClr val="accent3"/>
+              </a:solidFill>
+            </a:endParaRPr>
+          </a:p>
+          <a:p>
+            <a:pPr lvl="1" indent="379475" defTabSz="685165">
+              <a:spcBef>
+                <a:spcPts val="1400"/>
+              </a:spcBef>
+              <a:defRPr spc="-45" sz="4565">
+                <a:latin typeface="Courier New"/>
+                <a:ea typeface="Courier New"/>
+                <a:cs typeface="Courier New"/>
+                <a:sym typeface="Courier New"/>
+              </a:defRPr>
+            </a:pPr>
+          </a:p>
+          <a:p>
+            <a:pPr defTabSz="685165">
+              <a:spcBef>
+                <a:spcPts val="1400"/>
+              </a:spcBef>
+              <a:defRPr spc="-45" sz="4565">
+                <a:latin typeface="Courier New"/>
+                <a:ea typeface="Courier New"/>
+                <a:cs typeface="Courier New"/>
+                <a:sym typeface="Courier New"/>
+              </a:defRPr>
+            </a:pPr>
+            <a:r>
+              <a:t>const </a:t>
+            </a:r>
+            <a:r>
+              <a:rPr>
+                <a:solidFill>
+                  <a:schemeClr val="accent5">
+                    <a:hueOff val="-82419"/>
+                    <a:satOff val="-9513"/>
+                    <a:lumOff val="-16343"/>
+                  </a:schemeClr>
+                </a:solidFill>
+              </a:rPr>
+              <a:t>Venues </a:t>
+            </a:r>
+            <a:r>
+              <a:t>= () =&gt; {</a:t>
+            </a:r>
+          </a:p>
+          <a:p>
+            <a:pPr lvl="1" indent="379475" defTabSz="685165">
+              <a:spcBef>
+                <a:spcPts val="1400"/>
+              </a:spcBef>
+              <a:defRPr spc="-45" sz="4565">
+                <a:latin typeface="Courier New"/>
+                <a:ea typeface="Courier New"/>
+                <a:cs typeface="Courier New"/>
+                <a:sym typeface="Courier New"/>
+              </a:defRPr>
+            </a:pPr>
+            <a:r>
+              <a:t>const [ </a:t>
+            </a:r>
+            <a:r>
+              <a:rPr>
+                <a:solidFill>
+                  <a:schemeClr val="accent1">
+                    <a:lumOff val="-13575"/>
+                  </a:schemeClr>
+                </a:solidFill>
+              </a:rPr>
+              <a:t>capacity</a:t>
+            </a:r>
+            <a:r>
+              <a:t>,</a:t>
+            </a:r>
+            <a:r>
+              <a:rPr>
+                <a:solidFill>
+                  <a:schemeClr val="accent1">
+                    <a:lumOff val="-13575"/>
+                  </a:schemeClr>
+                </a:solidFill>
+              </a:rPr>
+              <a:t> </a:t>
+            </a:r>
+            <a:r>
+              <a:rPr>
+                <a:solidFill>
+                  <a:schemeClr val="accent4">
+                    <a:hueOff val="-1247790"/>
+                    <a:lumOff val="-12326"/>
+                  </a:schemeClr>
+                </a:solidFill>
+              </a:rPr>
+              <a:t>setCapacity</a:t>
+            </a:r>
+            <a:r>
+              <a:rPr>
+                <a:solidFill>
+                  <a:schemeClr val="accent1">
+                    <a:lumOff val="-13575"/>
+                  </a:schemeClr>
+                </a:solidFill>
+              </a:rPr>
+              <a:t> </a:t>
+            </a:r>
+            <a:r>
+              <a:t>] = </a:t>
+            </a:r>
+            <a:r>
+              <a:rPr>
+                <a:solidFill>
+                  <a:schemeClr val="accent1">
+                    <a:lumOff val="-13575"/>
+                  </a:schemeClr>
+                </a:solidFill>
+              </a:rPr>
+              <a:t>use</a:t>
+            </a:r>
+            <a:r>
+              <a:rPr>
+                <a:solidFill>
+                  <a:schemeClr val="accent4">
+                    <a:hueOff val="-1247790"/>
+                    <a:lumOff val="-12326"/>
+                  </a:schemeClr>
+                </a:solidFill>
+              </a:rPr>
+              <a:t>State</a:t>
+            </a:r>
+            <a:r>
+              <a:t>(0);</a:t>
+            </a:r>
+          </a:p>
+          <a:p>
+            <a:pPr lvl="1" indent="379475" defTabSz="685165">
+              <a:spcBef>
+                <a:spcPts val="1400"/>
+              </a:spcBef>
+              <a:defRPr spc="-45" sz="4565">
+                <a:latin typeface="Courier New"/>
+                <a:ea typeface="Courier New"/>
+                <a:cs typeface="Courier New"/>
+                <a:sym typeface="Courier New"/>
+              </a:defRPr>
+            </a:pPr>
+            <a:r>
+              <a:t>return </a:t>
+            </a:r>
+            <a:r>
+              <a:rPr>
+                <a:solidFill>
+                  <a:schemeClr val="accent5">
+                    <a:hueOff val="-82419"/>
+                    <a:satOff val="-9513"/>
+                    <a:lumOff val="-16343"/>
+                  </a:schemeClr>
+                </a:solidFill>
+              </a:rPr>
+              <a:t>&lt;Venue </a:t>
+            </a:r>
+            <a:r>
+              <a:rPr>
+                <a:solidFill>
+                  <a:schemeClr val="accent2">
+                    <a:hueOff val="-202083"/>
+                    <a:satOff val="17755"/>
+                    <a:lumOff val="-16089"/>
+                  </a:schemeClr>
+                </a:solidFill>
+              </a:rPr>
+              <a:t>capacity</a:t>
+            </a:r>
+            <a:r>
+              <a:t>=</a:t>
+            </a:r>
+            <a:r>
+              <a:rPr>
+                <a:solidFill>
+                  <a:schemeClr val="accent4">
+                    <a:hueOff val="-476017"/>
+                    <a:lumOff val="-10042"/>
+                  </a:schemeClr>
+                </a:solidFill>
+              </a:rPr>
+              <a:t>{</a:t>
+            </a:r>
+            <a:r>
+              <a:rPr>
+                <a:solidFill>
+                  <a:schemeClr val="accent1">
+                    <a:lumOff val="-13575"/>
+                  </a:schemeClr>
+                </a:solidFill>
+              </a:rPr>
+              <a:t>capacity</a:t>
+            </a:r>
+            <a:r>
+              <a:rPr>
+                <a:solidFill>
+                  <a:schemeClr val="accent4">
+                    <a:hueOff val="-476017"/>
+                    <a:lumOff val="-10042"/>
+                  </a:schemeClr>
+                </a:solidFill>
+              </a:rPr>
+              <a:t>} </a:t>
+            </a:r>
+            <a:r>
+              <a:rPr>
+                <a:solidFill>
+                  <a:schemeClr val="accent2">
+                    <a:hueOff val="-202083"/>
+                    <a:satOff val="17755"/>
+                    <a:lumOff val="-16089"/>
+                  </a:schemeClr>
+                </a:solidFill>
+              </a:rPr>
+              <a:t>setCapacity</a:t>
+            </a:r>
+            <a:r>
+              <a:t>=</a:t>
+            </a:r>
+            <a:r>
+              <a:rPr>
+                <a:solidFill>
+                  <a:schemeClr val="accent4">
+                    <a:hueOff val="-476017"/>
+                    <a:lumOff val="-10042"/>
+                  </a:schemeClr>
+                </a:solidFill>
+              </a:rPr>
+              <a:t>{</a:t>
+            </a:r>
+            <a:r>
+              <a:rPr>
+                <a:solidFill>
+                  <a:schemeClr val="accent4">
+                    <a:hueOff val="-1247790"/>
+                    <a:lumOff val="-12326"/>
+                  </a:schemeClr>
+                </a:solidFill>
+              </a:rPr>
+              <a:t>setCapacity</a:t>
+            </a:r>
+            <a:r>
+              <a:rPr>
+                <a:solidFill>
+                  <a:schemeClr val="accent4">
+                    <a:hueOff val="-476017"/>
+                    <a:lumOff val="-10042"/>
+                  </a:schemeClr>
+                </a:solidFill>
+              </a:rPr>
+              <a:t>}</a:t>
+            </a:r>
+            <a:r>
+              <a:rPr>
+                <a:solidFill>
+                  <a:schemeClr val="accent5">
+                    <a:hueOff val="-82419"/>
+                    <a:satOff val="-9513"/>
+                    <a:lumOff val="-16343"/>
+                  </a:schemeClr>
+                </a:solidFill>
+              </a:rPr>
+              <a:t> /&gt;</a:t>
+            </a:r>
+          </a:p>
+          <a:p>
+            <a:pPr defTabSz="685165">
+              <a:spcBef>
+                <a:spcPts val="1400"/>
+              </a:spcBef>
+              <a:defRPr spc="-45" sz="4565">
+                <a:latin typeface="Courier New"/>
+                <a:ea typeface="Courier New"/>
+                <a:cs typeface="Courier New"/>
+                <a:sym typeface="Courier New"/>
+              </a:defRPr>
+            </a:pPr>
+            <a:r>
+              <a:t>}</a:t>
             </a:r>
           </a:p>
         </p:txBody>
@@ -4276,7 +5322,7 @@
       </p:grpSpPr>
       <p:sp>
         <p:nvSpPr>
-          <p:cNvPr id="185" name="(Side) Effects in React"/>
+          <p:cNvPr id="185" name="A Pure Component"/>
           <p:cNvSpPr txBox="1"/>
           <p:nvPr>
             <p:ph type="title"/>
@@ -4293,14 +5339,14 @@
           <a:p>
             <a:pPr/>
             <a:r>
-              <a:t>(Side) Effects in React</a:t>
+              <a:t>A Pure Component</a:t>
             </a:r>
           </a:p>
         </p:txBody>
       </p:sp>
       <p:sp>
         <p:nvSpPr>
-          <p:cNvPr id="186" name="A small minority of side effects are triggered by rendering itself.…"/>
+          <p:cNvPr id="186" name="function Venue({ capacity }) {…"/>
           <p:cNvSpPr txBox="1"/>
           <p:nvPr>
             <p:ph type="body" idx="1"/>
@@ -4319,51 +5365,372 @@
           <a:bodyPr/>
           <a:lstStyle/>
           <a:p>
-            <a:pPr marL="698500" indent="-698500">
-              <a:buSzPct val="123000"/>
-              <a:buChar char="•"/>
-            </a:pPr>
-            <a:r>
-              <a:t>A </a:t>
-            </a:r>
-            <a:r>
-              <a:rPr u="sng"/>
-              <a:t>small minority</a:t>
-            </a:r>
-            <a:r>
-              <a:t> of side effects are </a:t>
-            </a:r>
-            <a:r>
-              <a:rPr u="sng"/>
-              <a:t>triggered by rendering itself</a:t>
-            </a:r>
-            <a:r>
-              <a:t>.</a:t>
-            </a:r>
-          </a:p>
-          <a:p>
-            <a:pPr marL="698500" indent="-698500">
-              <a:buSzPct val="123000"/>
-              <a:buChar char="•"/>
-            </a:pPr>
-            <a:r>
-              <a:t>In React, these side effects are known as </a:t>
-            </a:r>
-            <a:r>
-              <a:rPr b="1"/>
-              <a:t>effects</a:t>
-            </a:r>
-            <a:r>
-              <a:t>.</a:t>
-            </a:r>
-          </a:p>
-          <a:p>
-            <a:pPr marL="698500" indent="-698500">
-              <a:buSzPct val="123000"/>
-              <a:buChar char="•"/>
-            </a:pPr>
-            <a:r>
-              <a:t>Can you think of an effect you might want to write in React? 🤔</a:t>
+            <a:pPr defTabSz="726440">
+              <a:spcBef>
+                <a:spcPts val="1500"/>
+              </a:spcBef>
+              <a:defRPr spc="-48" sz="4840">
+                <a:latin typeface="Courier New"/>
+                <a:ea typeface="Courier New"/>
+                <a:cs typeface="Courier New"/>
+                <a:sym typeface="Courier New"/>
+              </a:defRPr>
+            </a:pPr>
+            <a:r>
+              <a:t>function </a:t>
+            </a:r>
+            <a:r>
+              <a:rPr>
+                <a:solidFill>
+                  <a:schemeClr val="accent5">
+                    <a:hueOff val="-82419"/>
+                    <a:satOff val="-9513"/>
+                    <a:lumOff val="-16343"/>
+                  </a:schemeClr>
+                </a:solidFill>
+              </a:rPr>
+              <a:t>Venue</a:t>
+            </a:r>
+            <a:r>
+              <a:t>({ </a:t>
+            </a:r>
+            <a:r>
+              <a:rPr>
+                <a:solidFill>
+                  <a:schemeClr val="accent2">
+                    <a:hueOff val="-202083"/>
+                    <a:satOff val="17755"/>
+                    <a:lumOff val="-16089"/>
+                  </a:schemeClr>
+                </a:solidFill>
+              </a:rPr>
+              <a:t>capacity</a:t>
+            </a:r>
+            <a:r>
+              <a:t> }) {</a:t>
+            </a:r>
+          </a:p>
+          <a:p>
+            <a:pPr lvl="1" indent="402336" defTabSz="726440">
+              <a:spcBef>
+                <a:spcPts val="1500"/>
+              </a:spcBef>
+              <a:defRPr spc="-48" sz="4840">
+                <a:latin typeface="Courier New"/>
+                <a:ea typeface="Courier New"/>
+                <a:cs typeface="Courier New"/>
+                <a:sym typeface="Courier New"/>
+              </a:defRPr>
+            </a:pPr>
+            <a:r>
+              <a:t>return </a:t>
+            </a:r>
+            <a:r>
+              <a:rPr>
+                <a:solidFill>
+                  <a:schemeClr val="accent3">
+                    <a:hueOff val="362282"/>
+                    <a:satOff val="31803"/>
+                    <a:lumOff val="-18242"/>
+                  </a:schemeClr>
+                </a:solidFill>
+              </a:rPr>
+              <a:t>&lt;h1&gt;This venue holds </a:t>
+            </a:r>
+            <a:r>
+              <a:rPr>
+                <a:solidFill>
+                  <a:schemeClr val="accent4">
+                    <a:hueOff val="-476017"/>
+                    <a:lumOff val="-10042"/>
+                  </a:schemeClr>
+                </a:solidFill>
+              </a:rPr>
+              <a:t>{</a:t>
+            </a:r>
+            <a:r>
+              <a:rPr>
+                <a:solidFill>
+                  <a:schemeClr val="accent2">
+                    <a:hueOff val="-202083"/>
+                    <a:satOff val="17755"/>
+                    <a:lumOff val="-16089"/>
+                  </a:schemeClr>
+                </a:solidFill>
+              </a:rPr>
+              <a:t>capacity</a:t>
+            </a:r>
+            <a:r>
+              <a:rPr>
+                <a:solidFill>
+                  <a:schemeClr val="accent4">
+                    <a:hueOff val="-476017"/>
+                    <a:lumOff val="-10042"/>
+                  </a:schemeClr>
+                </a:solidFill>
+              </a:rPr>
+              <a:t>}</a:t>
+            </a:r>
+            <a:r>
+              <a:rPr>
+                <a:solidFill>
+                  <a:schemeClr val="accent3">
+                    <a:hueOff val="362282"/>
+                    <a:satOff val="31803"/>
+                    <a:lumOff val="-18242"/>
+                  </a:schemeClr>
+                </a:solidFill>
+              </a:rPr>
+              <a:t> people.&lt;/h1&gt;</a:t>
+            </a:r>
+            <a:endParaRPr>
+              <a:solidFill>
+                <a:schemeClr val="accent3">
+                  <a:hueOff val="362282"/>
+                  <a:satOff val="31803"/>
+                  <a:lumOff val="-18242"/>
+                </a:schemeClr>
+              </a:solidFill>
+            </a:endParaRPr>
+          </a:p>
+          <a:p>
+            <a:pPr defTabSz="726440">
+              <a:spcBef>
+                <a:spcPts val="1500"/>
+              </a:spcBef>
+              <a:defRPr spc="-48" sz="4840">
+                <a:latin typeface="Courier New"/>
+                <a:ea typeface="Courier New"/>
+                <a:cs typeface="Courier New"/>
+                <a:sym typeface="Courier New"/>
+              </a:defRPr>
+            </a:pPr>
+            <a:r>
+              <a:t>} </a:t>
+            </a:r>
+          </a:p>
+          <a:p>
+            <a:pPr defTabSz="726440">
+              <a:spcBef>
+                <a:spcPts val="1500"/>
+              </a:spcBef>
+              <a:defRPr spc="-48" sz="4840">
+                <a:latin typeface="Courier New"/>
+                <a:ea typeface="Courier New"/>
+                <a:cs typeface="Courier New"/>
+                <a:sym typeface="Courier New"/>
+              </a:defRPr>
+            </a:pPr>
+          </a:p>
+          <a:p>
+            <a:pPr defTabSz="726440">
+              <a:spcBef>
+                <a:spcPts val="1500"/>
+              </a:spcBef>
+              <a:defRPr spc="-48" sz="4840">
+                <a:latin typeface="Courier New"/>
+                <a:ea typeface="Courier New"/>
+                <a:cs typeface="Courier New"/>
+                <a:sym typeface="Courier New"/>
+              </a:defRPr>
+            </a:pPr>
+            <a:r>
+              <a:t>function </a:t>
+            </a:r>
+            <a:r>
+              <a:rPr>
+                <a:solidFill>
+                  <a:schemeClr val="accent5">
+                    <a:hueOff val="-82419"/>
+                    <a:satOff val="-9513"/>
+                    <a:lumOff val="-16343"/>
+                  </a:schemeClr>
+                </a:solidFill>
+              </a:rPr>
+              <a:t>Venues</a:t>
+            </a:r>
+            <a:r>
+              <a:t>() {</a:t>
+            </a:r>
+          </a:p>
+          <a:p>
+            <a:pPr lvl="1" indent="402336" defTabSz="726440">
+              <a:spcBef>
+                <a:spcPts val="1500"/>
+              </a:spcBef>
+              <a:defRPr spc="-48" sz="4840">
+                <a:latin typeface="Courier New"/>
+                <a:ea typeface="Courier New"/>
+                <a:cs typeface="Courier New"/>
+                <a:sym typeface="Courier New"/>
+              </a:defRPr>
+            </a:pPr>
+            <a:r>
+              <a:t>return (</a:t>
+            </a:r>
+          </a:p>
+          <a:p>
+            <a:pPr lvl="2" indent="804672" defTabSz="726440">
+              <a:spcBef>
+                <a:spcPts val="1500"/>
+              </a:spcBef>
+              <a:defRPr spc="-48" sz="4840">
+                <a:solidFill>
+                  <a:schemeClr val="accent5">
+                    <a:hueOff val="-82419"/>
+                    <a:satOff val="-9513"/>
+                    <a:lumOff val="-16343"/>
+                  </a:schemeClr>
+                </a:solidFill>
+                <a:latin typeface="Courier New"/>
+                <a:ea typeface="Courier New"/>
+                <a:cs typeface="Courier New"/>
+                <a:sym typeface="Courier New"/>
+              </a:defRPr>
+            </a:pPr>
+            <a:r>
+              <a:t>&lt;Venue </a:t>
+            </a:r>
+            <a:r>
+              <a:rPr>
+                <a:solidFill>
+                  <a:schemeClr val="accent2">
+                    <a:hueOff val="-202083"/>
+                    <a:satOff val="17755"/>
+                    <a:lumOff val="-16089"/>
+                  </a:schemeClr>
+                </a:solidFill>
+              </a:rPr>
+              <a:t>capacity</a:t>
+            </a:r>
+            <a:r>
+              <a:t>=</a:t>
+            </a:r>
+            <a:r>
+              <a:rPr>
+                <a:solidFill>
+                  <a:schemeClr val="accent4">
+                    <a:hueOff val="-476017"/>
+                    <a:lumOff val="-10042"/>
+                  </a:schemeClr>
+                </a:solidFill>
+              </a:rPr>
+              <a:t>{</a:t>
+            </a:r>
+            <a:r>
+              <a:t>100</a:t>
+            </a:r>
+            <a:r>
+              <a:rPr>
+                <a:solidFill>
+                  <a:schemeClr val="accent4">
+                    <a:hueOff val="-476017"/>
+                    <a:lumOff val="-10042"/>
+                  </a:schemeClr>
+                </a:solidFill>
+              </a:rPr>
+              <a:t>}</a:t>
+            </a:r>
+            <a:r>
+              <a:t> /&gt;</a:t>
+            </a:r>
+          </a:p>
+          <a:p>
+            <a:pPr lvl="2" indent="804672" defTabSz="726440">
+              <a:spcBef>
+                <a:spcPts val="1500"/>
+              </a:spcBef>
+              <a:defRPr spc="-48" sz="4840">
+                <a:solidFill>
+                  <a:schemeClr val="accent5">
+                    <a:hueOff val="-82419"/>
+                    <a:satOff val="-9513"/>
+                    <a:lumOff val="-16343"/>
+                  </a:schemeClr>
+                </a:solidFill>
+                <a:latin typeface="Courier New"/>
+                <a:ea typeface="Courier New"/>
+                <a:cs typeface="Courier New"/>
+                <a:sym typeface="Courier New"/>
+              </a:defRPr>
+            </a:pPr>
+            <a:r>
+              <a:t>&lt;Venue </a:t>
+            </a:r>
+            <a:r>
+              <a:rPr>
+                <a:solidFill>
+                  <a:schemeClr val="accent2">
+                    <a:hueOff val="-202083"/>
+                    <a:satOff val="17755"/>
+                    <a:lumOff val="-16089"/>
+                  </a:schemeClr>
+                </a:solidFill>
+              </a:rPr>
+              <a:t>capacity</a:t>
+            </a:r>
+            <a:r>
+              <a:t>=</a:t>
+            </a:r>
+            <a:r>
+              <a:rPr>
+                <a:solidFill>
+                  <a:schemeClr val="accent4">
+                    <a:hueOff val="-476017"/>
+                    <a:lumOff val="-10042"/>
+                  </a:schemeClr>
+                </a:solidFill>
+              </a:rPr>
+              <a:t>{</a:t>
+            </a:r>
+            <a:r>
+              <a:t>200</a:t>
+            </a:r>
+            <a:r>
+              <a:rPr>
+                <a:solidFill>
+                  <a:schemeClr val="accent4">
+                    <a:hueOff val="-476017"/>
+                    <a:lumOff val="-10042"/>
+                  </a:schemeClr>
+                </a:solidFill>
+              </a:rPr>
+              <a:t>}</a:t>
+            </a:r>
+            <a:r>
+              <a:t> /&gt;</a:t>
+            </a:r>
+          </a:p>
+          <a:p>
+            <a:pPr lvl="1" indent="402336" defTabSz="726440">
+              <a:spcBef>
+                <a:spcPts val="1500"/>
+              </a:spcBef>
+              <a:defRPr spc="-48" sz="4840">
+                <a:latin typeface="Courier New"/>
+                <a:ea typeface="Courier New"/>
+                <a:cs typeface="Courier New"/>
+                <a:sym typeface="Courier New"/>
+              </a:defRPr>
+            </a:pPr>
+            <a:r>
+              <a:t>)</a:t>
+            </a:r>
+          </a:p>
+          <a:p>
+            <a:pPr defTabSz="726440">
+              <a:spcBef>
+                <a:spcPts val="1500"/>
+              </a:spcBef>
+              <a:defRPr spc="-48" sz="4840">
+                <a:latin typeface="Courier New"/>
+                <a:ea typeface="Courier New"/>
+                <a:cs typeface="Courier New"/>
+                <a:sym typeface="Courier New"/>
+              </a:defRPr>
+            </a:pPr>
+            <a:r>
+              <a:t>}</a:t>
             </a:r>
           </a:p>
         </p:txBody>
@@ -4396,7 +5763,7 @@
       </p:grpSpPr>
       <p:sp>
         <p:nvSpPr>
-          <p:cNvPr id="188" name="(Side) Effects in React"/>
+          <p:cNvPr id="188" name="A Pure Component (modifying nothing!)"/>
           <p:cNvSpPr txBox="1"/>
           <p:nvPr>
             <p:ph type="title"/>
@@ -4413,14 +5780,14 @@
           <a:p>
             <a:pPr/>
             <a:r>
-              <a:t>(Side) Effects in React</a:t>
+              <a:t>A Pure Component (modifying nothing!)</a:t>
             </a:r>
           </a:p>
         </p:txBody>
       </p:sp>
       <p:sp>
         <p:nvSpPr>
-          <p:cNvPr id="189" name="A small minority of side effects are triggered by rendering itself.…"/>
+          <p:cNvPr id="189" name="function Venue({ capacity }) {…"/>
           <p:cNvSpPr txBox="1"/>
           <p:nvPr>
             <p:ph type="body" idx="1"/>
@@ -4439,114 +5806,398 @@
           <a:bodyPr/>
           <a:lstStyle/>
           <a:p>
-            <a:pPr marL="698500" indent="-698500">
-              <a:buSzPct val="123000"/>
-              <a:buChar char="•"/>
-            </a:pPr>
-            <a:r>
-              <a:t>A </a:t>
-            </a:r>
-            <a:r>
-              <a:rPr u="sng"/>
-              <a:t>small minority</a:t>
-            </a:r>
-            <a:r>
-              <a:t> of side effects are </a:t>
-            </a:r>
-            <a:r>
-              <a:rPr u="sng"/>
-              <a:t>triggered by rendering itself</a:t>
-            </a:r>
-            <a:r>
-              <a:t>.</a:t>
-            </a:r>
-          </a:p>
-          <a:p>
-            <a:pPr marL="698500" indent="-698500">
-              <a:buSzPct val="123000"/>
-              <a:buChar char="•"/>
-            </a:pPr>
-            <a:r>
-              <a:t>In React, these side effects are known as </a:t>
-            </a:r>
-            <a:r>
-              <a:rPr b="1"/>
-              <a:t>effects</a:t>
-            </a:r>
-            <a:r>
-              <a:t>.</a:t>
-            </a:r>
-          </a:p>
-          <a:p>
-            <a:pPr marL="698500" indent="-698500">
-              <a:buSzPct val="123000"/>
-              <a:buChar char="•"/>
-            </a:pPr>
-            <a:r>
-              <a:t>Can you think of an effect you might want to write in React? 🤔</a:t>
-            </a:r>
-          </a:p>
-          <a:p>
-            <a:pPr lvl="1" marL="1308100" indent="-698500">
-              <a:buSzPct val="123000"/>
-              <a:buChar char="•"/>
-            </a:pPr>
-            <a:r>
-              <a:t>The most common effect in React is </a:t>
-            </a:r>
-            <a:r>
-              <a:rPr u="sng"/>
-              <a:t>a </a:t>
-            </a:r>
-            <a:r>
-              <a:rPr u="sng">
+            <a:pPr defTabSz="685165">
+              <a:spcBef>
+                <a:spcPts val="1400"/>
+              </a:spcBef>
+              <a:defRPr spc="-45" sz="4565">
                 <a:latin typeface="Courier New"/>
                 <a:ea typeface="Courier New"/>
                 <a:cs typeface="Courier New"/>
                 <a:sym typeface="Courier New"/>
-              </a:rPr>
-              <a:t>GET</a:t>
-            </a:r>
-            <a:r>
-              <a:rPr u="sng"/>
-              <a:t> request</a:t>
-            </a:r>
-            <a:r>
-              <a:t>.</a:t>
-            </a:r>
-          </a:p>
-          <a:p>
-            <a:pPr lvl="1" marL="1308100" indent="-698500">
-              <a:buSzPct val="123000"/>
-              <a:buChar char="•"/>
-            </a:pPr>
-            <a:r>
-              <a:t>We usually want to fetch data after a component’s first render.</a:t>
-            </a:r>
-          </a:p>
-          <a:p>
-            <a:pPr lvl="1" marL="1308100" indent="-698500">
-              <a:buSzPct val="123000"/>
-              <a:buChar char="•"/>
-            </a:pPr>
-            <a:r>
-              <a:t>i.e., We want the component’s </a:t>
-            </a:r>
-            <a:r>
-              <a:rPr u="sng"/>
-              <a:t>first render to trigger a </a:t>
-            </a:r>
-            <a:r>
-              <a:rPr u="sng">
+              </a:defRPr>
+            </a:pPr>
+            <a:r>
+              <a:t>function </a:t>
+            </a:r>
+            <a:r>
+              <a:rPr>
+                <a:solidFill>
+                  <a:schemeClr val="accent5">
+                    <a:hueOff val="-82419"/>
+                    <a:satOff val="-9513"/>
+                    <a:lumOff val="-16343"/>
+                  </a:schemeClr>
+                </a:solidFill>
+              </a:rPr>
+              <a:t>Venue</a:t>
+            </a:r>
+            <a:r>
+              <a:t>({ </a:t>
+            </a:r>
+            <a:r>
+              <a:rPr>
+                <a:solidFill>
+                  <a:schemeClr val="accent2">
+                    <a:hueOff val="-202083"/>
+                    <a:satOff val="17755"/>
+                    <a:lumOff val="-16089"/>
+                  </a:schemeClr>
+                </a:solidFill>
+              </a:rPr>
+              <a:t>capacity</a:t>
+            </a:r>
+            <a:r>
+              <a:t> }) {</a:t>
+            </a:r>
+          </a:p>
+          <a:p>
+            <a:pPr lvl="1" indent="379475" defTabSz="685165">
+              <a:spcBef>
+                <a:spcPts val="1400"/>
+              </a:spcBef>
+              <a:defRPr spc="-45" sz="4565">
                 <a:latin typeface="Courier New"/>
                 <a:ea typeface="Courier New"/>
                 <a:cs typeface="Courier New"/>
                 <a:sym typeface="Courier New"/>
-              </a:rPr>
-              <a:t>fetch()</a:t>
-            </a:r>
-            <a:r>
-              <a:t>.</a:t>
+              </a:defRPr>
+            </a:pPr>
+            <a:r>
+              <a:t>return </a:t>
+            </a:r>
+            <a:r>
+              <a:rPr>
+                <a:solidFill>
+                  <a:schemeClr val="accent3">
+                    <a:hueOff val="362282"/>
+                    <a:satOff val="31803"/>
+                    <a:lumOff val="-18242"/>
+                  </a:schemeClr>
+                </a:solidFill>
+              </a:rPr>
+              <a:t>&lt;h1&gt;This venue holds </a:t>
+            </a:r>
+            <a:r>
+              <a:rPr>
+                <a:solidFill>
+                  <a:schemeClr val="accent4">
+                    <a:hueOff val="-476017"/>
+                    <a:lumOff val="-10042"/>
+                  </a:schemeClr>
+                </a:solidFill>
+              </a:rPr>
+              <a:t>{</a:t>
+            </a:r>
+            <a:r>
+              <a:rPr>
+                <a:solidFill>
+                  <a:schemeClr val="accent2">
+                    <a:hueOff val="-202083"/>
+                    <a:satOff val="17755"/>
+                    <a:lumOff val="-16089"/>
+                  </a:schemeClr>
+                </a:solidFill>
+              </a:rPr>
+              <a:t>capacity</a:t>
+            </a:r>
+            <a:r>
+              <a:rPr>
+                <a:solidFill>
+                  <a:schemeClr val="accent4">
+                    <a:hueOff val="-476017"/>
+                    <a:lumOff val="-10042"/>
+                  </a:schemeClr>
+                </a:solidFill>
+              </a:rPr>
+              <a:t>}</a:t>
+            </a:r>
+            <a:r>
+              <a:rPr>
+                <a:solidFill>
+                  <a:schemeClr val="accent3">
+                    <a:hueOff val="362282"/>
+                    <a:satOff val="31803"/>
+                    <a:lumOff val="-18242"/>
+                  </a:schemeClr>
+                </a:solidFill>
+              </a:rPr>
+              <a:t> people.&lt;/h1&gt;</a:t>
+            </a:r>
+            <a:endParaRPr>
+              <a:solidFill>
+                <a:schemeClr val="accent3">
+                  <a:hueOff val="362282"/>
+                  <a:satOff val="31803"/>
+                  <a:lumOff val="-18242"/>
+                </a:schemeClr>
+              </a:solidFill>
+            </a:endParaRPr>
+          </a:p>
+          <a:p>
+            <a:pPr defTabSz="685165">
+              <a:spcBef>
+                <a:spcPts val="1400"/>
+              </a:spcBef>
+              <a:defRPr spc="-45" sz="4565">
+                <a:latin typeface="Courier New"/>
+                <a:ea typeface="Courier New"/>
+                <a:cs typeface="Courier New"/>
+                <a:sym typeface="Courier New"/>
+              </a:defRPr>
+            </a:pPr>
+            <a:r>
+              <a:t>} </a:t>
+            </a:r>
+          </a:p>
+          <a:p>
+            <a:pPr defTabSz="685165">
+              <a:spcBef>
+                <a:spcPts val="1400"/>
+              </a:spcBef>
+              <a:defRPr spc="-45" sz="4565">
+                <a:latin typeface="Courier New"/>
+                <a:ea typeface="Courier New"/>
+                <a:cs typeface="Courier New"/>
+                <a:sym typeface="Courier New"/>
+              </a:defRPr>
+            </a:pPr>
+          </a:p>
+          <a:p>
+            <a:pPr defTabSz="685165">
+              <a:spcBef>
+                <a:spcPts val="1400"/>
+              </a:spcBef>
+              <a:defRPr spc="-45" sz="4565">
+                <a:latin typeface="Courier New"/>
+                <a:ea typeface="Courier New"/>
+                <a:cs typeface="Courier New"/>
+                <a:sym typeface="Courier New"/>
+              </a:defRPr>
+            </a:pPr>
+            <a:r>
+              <a:t>function </a:t>
+            </a:r>
+            <a:r>
+              <a:rPr>
+                <a:solidFill>
+                  <a:schemeClr val="accent5">
+                    <a:hueOff val="-82419"/>
+                    <a:satOff val="-9513"/>
+                    <a:lumOff val="-16343"/>
+                  </a:schemeClr>
+                </a:solidFill>
+              </a:rPr>
+              <a:t>Venues</a:t>
+            </a:r>
+            <a:r>
+              <a:t>() {</a:t>
+            </a:r>
+          </a:p>
+          <a:p>
+            <a:pPr lvl="1" indent="379475" defTabSz="685165">
+              <a:spcBef>
+                <a:spcPts val="1400"/>
+              </a:spcBef>
+              <a:defRPr spc="-45" sz="4565">
+                <a:latin typeface="Courier New"/>
+                <a:ea typeface="Courier New"/>
+                <a:cs typeface="Courier New"/>
+                <a:sym typeface="Courier New"/>
+              </a:defRPr>
+            </a:pPr>
+            <a:r>
+              <a:t>return (</a:t>
+            </a:r>
+          </a:p>
+          <a:p>
+            <a:pPr lvl="2" indent="758951" defTabSz="685165">
+              <a:spcBef>
+                <a:spcPts val="1400"/>
+              </a:spcBef>
+              <a:defRPr spc="-45" sz="4565">
+                <a:solidFill>
+                  <a:schemeClr val="accent5">
+                    <a:hueOff val="-82419"/>
+                    <a:satOff val="-9513"/>
+                    <a:lumOff val="-16343"/>
+                  </a:schemeClr>
+                </a:solidFill>
+                <a:latin typeface="Courier New"/>
+                <a:ea typeface="Courier New"/>
+                <a:cs typeface="Courier New"/>
+                <a:sym typeface="Courier New"/>
+              </a:defRPr>
+            </a:pPr>
+            <a:r>
+              <a:t>&lt;Venue </a:t>
+            </a:r>
+            <a:r>
+              <a:rPr>
+                <a:solidFill>
+                  <a:schemeClr val="accent2">
+                    <a:hueOff val="-202083"/>
+                    <a:satOff val="17755"/>
+                    <a:lumOff val="-16089"/>
+                  </a:schemeClr>
+                </a:solidFill>
+              </a:rPr>
+              <a:t>capacity</a:t>
+            </a:r>
+            <a:r>
+              <a:t>=</a:t>
+            </a:r>
+            <a:r>
+              <a:rPr>
+                <a:solidFill>
+                  <a:schemeClr val="accent4">
+                    <a:hueOff val="-476017"/>
+                    <a:lumOff val="-10042"/>
+                  </a:schemeClr>
+                </a:solidFill>
+              </a:rPr>
+              <a:t>{</a:t>
+            </a:r>
+            <a:r>
+              <a:t>100</a:t>
+            </a:r>
+            <a:r>
+              <a:rPr>
+                <a:solidFill>
+                  <a:schemeClr val="accent4">
+                    <a:hueOff val="-476017"/>
+                    <a:lumOff val="-10042"/>
+                  </a:schemeClr>
+                </a:solidFill>
+              </a:rPr>
+              <a:t>}</a:t>
+            </a:r>
+            <a:r>
+              <a:t> /&gt;</a:t>
+            </a:r>
+            <a:r>
+              <a:rPr>
+                <a:solidFill>
+                  <a:srgbClr val="000000"/>
+                </a:solidFill>
+              </a:rPr>
+              <a:t> {/* This venue holds 100 people. */}</a:t>
+            </a:r>
+            <a:endParaRPr>
+              <a:solidFill>
+                <a:srgbClr val="000000"/>
+              </a:solidFill>
+            </a:endParaRPr>
+          </a:p>
+          <a:p>
+            <a:pPr lvl="2" indent="758951" defTabSz="685165">
+              <a:spcBef>
+                <a:spcPts val="1400"/>
+              </a:spcBef>
+              <a:defRPr spc="-45" sz="4565">
+                <a:solidFill>
+                  <a:schemeClr val="accent5">
+                    <a:hueOff val="-82419"/>
+                    <a:satOff val="-9513"/>
+                    <a:lumOff val="-16343"/>
+                  </a:schemeClr>
+                </a:solidFill>
+                <a:latin typeface="Courier New"/>
+                <a:ea typeface="Courier New"/>
+                <a:cs typeface="Courier New"/>
+                <a:sym typeface="Courier New"/>
+              </a:defRPr>
+            </a:pPr>
+            <a:r>
+              <a:t>&lt;Venue </a:t>
+            </a:r>
+            <a:r>
+              <a:rPr>
+                <a:solidFill>
+                  <a:schemeClr val="accent2">
+                    <a:hueOff val="-202083"/>
+                    <a:satOff val="17755"/>
+                    <a:lumOff val="-16089"/>
+                  </a:schemeClr>
+                </a:solidFill>
+              </a:rPr>
+              <a:t>capacity</a:t>
+            </a:r>
+            <a:r>
+              <a:t>=</a:t>
+            </a:r>
+            <a:r>
+              <a:rPr>
+                <a:solidFill>
+                  <a:schemeClr val="accent4">
+                    <a:hueOff val="-476017"/>
+                    <a:lumOff val="-10042"/>
+                  </a:schemeClr>
+                </a:solidFill>
+              </a:rPr>
+              <a:t>{</a:t>
+            </a:r>
+            <a:r>
+              <a:t>200</a:t>
+            </a:r>
+            <a:r>
+              <a:rPr>
+                <a:solidFill>
+                  <a:schemeClr val="accent4">
+                    <a:hueOff val="-476017"/>
+                    <a:lumOff val="-10042"/>
+                  </a:schemeClr>
+                </a:solidFill>
+              </a:rPr>
+              <a:t>}</a:t>
+            </a:r>
+            <a:r>
+              <a:t> /&gt;</a:t>
+            </a:r>
+            <a:r>
+              <a:rPr>
+                <a:solidFill>
+                  <a:srgbClr val="000000"/>
+                </a:solidFill>
+              </a:rPr>
+              <a:t> {/* This venue holds 200 people. */}</a:t>
+            </a:r>
+            <a:endParaRPr>
+              <a:solidFill>
+                <a:srgbClr val="000000"/>
+              </a:solidFill>
+            </a:endParaRPr>
+          </a:p>
+          <a:p>
+            <a:pPr lvl="1" indent="379475" defTabSz="685165">
+              <a:spcBef>
+                <a:spcPts val="1400"/>
+              </a:spcBef>
+              <a:defRPr spc="-45" sz="4565">
+                <a:latin typeface="Courier New"/>
+                <a:ea typeface="Courier New"/>
+                <a:cs typeface="Courier New"/>
+                <a:sym typeface="Courier New"/>
+              </a:defRPr>
+            </a:pPr>
+            <a:r>
+              <a:t>)</a:t>
+            </a:r>
+          </a:p>
+          <a:p>
+            <a:pPr defTabSz="685165">
+              <a:spcBef>
+                <a:spcPts val="1400"/>
+              </a:spcBef>
+              <a:defRPr spc="-45" sz="4565">
+                <a:latin typeface="Courier New"/>
+                <a:ea typeface="Courier New"/>
+                <a:cs typeface="Courier New"/>
+                <a:sym typeface="Courier New"/>
+              </a:defRPr>
+            </a:pPr>
+            <a:r>
+              <a:t>}</a:t>
             </a:r>
           </a:p>
         </p:txBody>
@@ -4579,7 +6230,7 @@
       </p:grpSpPr>
       <p:sp>
         <p:nvSpPr>
-          <p:cNvPr id="191" name="Writing an Effect in React"/>
+          <p:cNvPr id="191" name="Side Effects in React"/>
           <p:cNvSpPr txBox="1"/>
           <p:nvPr>
             <p:ph type="title"/>
@@ -4596,23 +6247,23 @@
           <a:p>
             <a:pPr/>
             <a:r>
-              <a:t>Writing an Effect in React</a:t>
+              <a:t>Side Effects in React</a:t>
             </a:r>
           </a:p>
         </p:txBody>
       </p:sp>
       <p:sp>
         <p:nvSpPr>
-          <p:cNvPr id="192" name="To write an effect, follow these steps:…"/>
+          <p:cNvPr id="192" name="In React, a side effect happens outside of rendering.…"/>
           <p:cNvSpPr txBox="1"/>
           <p:nvPr>
-            <p:ph type="body" idx="1"/>
+            <p:ph type="body" sz="half" idx="1"/>
           </p:nvPr>
         </p:nvSpPr>
         <p:spPr>
           <a:xfrm>
             <a:off x="1206500" y="3513134"/>
-            <a:ext cx="21971000" cy="9016782"/>
+            <a:ext cx="21971000" cy="4574721"/>
           </a:xfrm>
           <a:prstGeom prst="rect">
             <a:avLst/>
@@ -4627,53 +6278,525 @@
               <a:buChar char="•"/>
             </a:pPr>
             <a:r>
-              <a:t>To write an effect, follow these steps:</a:t>
-            </a:r>
-          </a:p>
-          <a:p>
-            <a:pPr lvl="1" marL="1907645" indent="-1018645">
-              <a:buSzPct val="100000"/>
-              <a:buAutoNum type="arabicPeriod" startAt="1"/>
-            </a:pPr>
-            <a:r>
-              <a:rPr>
-                <a:latin typeface="Courier New"/>
-                <a:ea typeface="Courier New"/>
-                <a:cs typeface="Courier New"/>
-                <a:sym typeface="Courier New"/>
-              </a:rPr>
-              <a:t>import { useEffect } from ‘react’</a:t>
+              <a:t>In React, a </a:t>
+            </a:r>
+            <a:r>
+              <a:rPr b="1"/>
+              <a:t>side effect</a:t>
+            </a:r>
+            <a:r>
+              <a:t> happens </a:t>
+            </a:r>
+            <a:r>
+              <a:rPr u="sng"/>
+              <a:t>out</a:t>
+            </a:r>
+            <a:r>
+              <a:rPr i="1" u="sng"/>
+              <a:t>side</a:t>
+            </a:r>
+            <a:r>
+              <a:rPr u="sng"/>
+              <a:t> of rendering</a:t>
             </a:r>
             <a:r>
               <a:t>.</a:t>
             </a:r>
           </a:p>
           <a:p>
-            <a:pPr lvl="1" marL="1907645" indent="-1018645">
-              <a:buSzPct val="100000"/>
-              <a:buAutoNum type="arabicPeriod" startAt="1"/>
-            </a:pPr>
-            <a:r>
-              <a:t>Invoke </a:t>
-            </a:r>
-            <a:r>
-              <a:rPr>
-                <a:latin typeface="Courier New"/>
-                <a:ea typeface="Courier New"/>
-                <a:cs typeface="Courier New"/>
-                <a:sym typeface="Courier New"/>
-              </a:rPr>
-              <a:t>useEffect()</a:t>
-            </a:r>
-            <a:r>
-              <a:t> with either </a:t>
+            <a:pPr marL="698500" indent="-698500">
+              <a:buSzPct val="123000"/>
+              <a:buChar char="•"/>
+            </a:pPr>
+            <a:r>
+              <a:t>Since side effects don’t run during a render, </a:t>
             </a:r>
             <a:r>
               <a:rPr u="sng"/>
-              <a:t>one or two parameters</a:t>
+              <a:t>they can be impure</a:t>
             </a:r>
             <a:r>
               <a:t>.</a:t>
+            </a:r>
+          </a:p>
+          <a:p>
+            <a:pPr marL="698500" indent="-698500">
+              <a:buSzPct val="123000"/>
+              <a:buChar char="•"/>
+            </a:pPr>
+            <a:r>
+              <a:t>The most common side effect in React is </a:t>
+            </a:r>
+            <a:r>
+              <a:rPr u="sng"/>
+              <a:t>setting state</a:t>
+            </a:r>
+            <a:r>
+              <a:t>.</a:t>
+            </a:r>
+          </a:p>
+          <a:p>
+            <a:pPr marL="698500" indent="-698500">
+              <a:buSzPct val="123000"/>
+              <a:buChar char="•"/>
+            </a:pPr>
+            <a:r>
+              <a:t>The most common place to write side effects is </a:t>
+            </a:r>
+            <a:r>
+              <a:rPr u="sng"/>
+              <a:t>in event handlers</a:t>
+            </a:r>
+            <a:r>
+              <a:t>.</a:t>
+            </a:r>
+          </a:p>
+        </p:txBody>
+      </p:sp>
+      <p:sp>
+        <p:nvSpPr>
+          <p:cNvPr id="193" name="[Component] Button…"/>
+          <p:cNvSpPr/>
+          <p:nvPr/>
+        </p:nvSpPr>
+        <p:spPr>
+          <a:xfrm>
+            <a:off x="1386790" y="8923715"/>
+            <a:ext cx="4472343" cy="3072769"/>
+          </a:xfrm>
+          <a:prstGeom prst="roundRect">
+            <a:avLst>
+              <a:gd name="adj" fmla="val 15269"/>
+            </a:avLst>
+          </a:prstGeom>
+          <a:solidFill>
+            <a:schemeClr val="accent4">
+              <a:hueOff val="-476017"/>
+              <a:lumOff val="-10042"/>
+            </a:schemeClr>
+          </a:solidFill>
+          <a:ln w="12700">
+            <a:miter lim="400000"/>
+          </a:ln>
+          <a:extLst>
+            <a:ext uri="{C572A759-6A51-4108-AA02-DFA0A04FC94B}">
+              <ma14:wrappingTextBoxFlag xmlns:ma14="http://schemas.microsoft.com/office/mac/drawingml/2011/main" val="1"/>
+            </a:ext>
+          </a:extLst>
+        </p:spPr>
+        <p:txBody>
+          <a:bodyPr lIns="50800" tIns="50800" rIns="50800" bIns="50800" anchor="ctr"/>
+          <a:lstStyle/>
+          <a:p>
+            <a:pPr defTabSz="825500">
+              <a:defRPr sz="3200">
+                <a:solidFill>
+                  <a:srgbClr val="000000"/>
+                </a:solidFill>
+                <a:latin typeface="Helvetica Neue Medium"/>
+                <a:ea typeface="Helvetica Neue Medium"/>
+                <a:cs typeface="Helvetica Neue Medium"/>
+                <a:sym typeface="Helvetica Neue Medium"/>
+              </a:defRPr>
+            </a:pPr>
+            <a:r>
+              <a:t>[Component] Button</a:t>
+            </a:r>
+          </a:p>
+          <a:p>
+            <a:pPr defTabSz="825500">
+              <a:defRPr sz="3200">
+                <a:solidFill>
+                  <a:srgbClr val="000000"/>
+                </a:solidFill>
+                <a:latin typeface="Helvetica Neue Medium"/>
+                <a:ea typeface="Helvetica Neue Medium"/>
+                <a:cs typeface="Helvetica Neue Medium"/>
+                <a:sym typeface="Helvetica Neue Medium"/>
+              </a:defRPr>
+            </a:pPr>
+            <a:r>
+              <a:t>[State] clicked: 0</a:t>
+            </a:r>
+          </a:p>
+        </p:txBody>
+      </p:sp>
+      <p:sp>
+        <p:nvSpPr>
+          <p:cNvPr id="194" name="[Component] Button…"/>
+          <p:cNvSpPr/>
+          <p:nvPr/>
+        </p:nvSpPr>
+        <p:spPr>
+          <a:xfrm>
+            <a:off x="17472457" y="8954804"/>
+            <a:ext cx="4472343" cy="3072769"/>
+          </a:xfrm>
+          <a:prstGeom prst="roundRect">
+            <a:avLst>
+              <a:gd name="adj" fmla="val 15269"/>
+            </a:avLst>
+          </a:prstGeom>
+          <a:solidFill>
+            <a:schemeClr val="accent4">
+              <a:hueOff val="-476017"/>
+              <a:lumOff val="-10042"/>
+            </a:schemeClr>
+          </a:solidFill>
+          <a:ln w="12700">
+            <a:miter lim="400000"/>
+          </a:ln>
+          <a:extLst>
+            <a:ext uri="{C572A759-6A51-4108-AA02-DFA0A04FC94B}">
+              <ma14:wrappingTextBoxFlag xmlns:ma14="http://schemas.microsoft.com/office/mac/drawingml/2011/main" val="1"/>
+            </a:ext>
+          </a:extLst>
+        </p:spPr>
+        <p:txBody>
+          <a:bodyPr lIns="50800" tIns="50800" rIns="50800" bIns="50800" anchor="ctr"/>
+          <a:lstStyle/>
+          <a:p>
+            <a:pPr defTabSz="825500">
+              <a:defRPr sz="3200">
+                <a:solidFill>
+                  <a:srgbClr val="000000"/>
+                </a:solidFill>
+                <a:latin typeface="Helvetica Neue Medium"/>
+                <a:ea typeface="Helvetica Neue Medium"/>
+                <a:cs typeface="Helvetica Neue Medium"/>
+                <a:sym typeface="Helvetica Neue Medium"/>
+              </a:defRPr>
+            </a:pPr>
+            <a:r>
+              <a:t>[Component] Button</a:t>
+            </a:r>
+          </a:p>
+          <a:p>
+            <a:pPr defTabSz="825500">
+              <a:defRPr sz="3200">
+                <a:solidFill>
+                  <a:srgbClr val="000000"/>
+                </a:solidFill>
+                <a:latin typeface="Helvetica Neue Medium"/>
+                <a:ea typeface="Helvetica Neue Medium"/>
+                <a:cs typeface="Helvetica Neue Medium"/>
+                <a:sym typeface="Helvetica Neue Medium"/>
+              </a:defRPr>
+            </a:pPr>
+            <a:r>
+              <a:t>[State] clicked: 1</a:t>
+            </a:r>
+          </a:p>
+        </p:txBody>
+      </p:sp>
+      <p:cxnSp>
+        <p:nvCxnSpPr>
+          <p:cNvPr id="195" name="Connection Line"/>
+          <p:cNvCxnSpPr>
+            <a:stCxn id="193" idx="0"/>
+            <a:endCxn id="196" idx="0"/>
+          </p:cNvCxnSpPr>
+          <p:nvPr/>
+        </p:nvCxnSpPr>
+        <p:spPr>
+          <a:xfrm>
+            <a:off x="3622961" y="10460099"/>
+            <a:ext cx="8512332" cy="939956"/>
+          </a:xfrm>
+          <a:prstGeom prst="straightConnector1">
+            <a:avLst/>
+          </a:prstGeom>
+          <a:ln w="76200" cap="rnd">
+            <a:solidFill>
+              <a:srgbClr val="000000"/>
+            </a:solidFill>
+            <a:miter lim="400000"/>
+            <a:tailEnd type="triangle"/>
+          </a:ln>
+        </p:spPr>
+      </p:cxnSp>
+      <p:sp>
+        <p:nvSpPr>
+          <p:cNvPr id="196" name="handleClick()"/>
+          <p:cNvSpPr/>
+          <p:nvPr/>
+        </p:nvSpPr>
+        <p:spPr>
+          <a:xfrm>
+            <a:off x="10534666" y="10765054"/>
+            <a:ext cx="3201253" cy="1270001"/>
+          </a:xfrm>
+          <a:prstGeom prst="rect">
+            <a:avLst/>
+          </a:prstGeom>
+          <a:solidFill>
+            <a:srgbClr val="000000"/>
+          </a:solidFill>
+          <a:ln w="12700">
+            <a:miter lim="400000"/>
+          </a:ln>
+          <a:extLst>
+            <a:ext uri="{C572A759-6A51-4108-AA02-DFA0A04FC94B}">
+              <ma14:wrappingTextBoxFlag xmlns:ma14="http://schemas.microsoft.com/office/mac/drawingml/2011/main" val="1"/>
+            </a:ext>
+          </a:extLst>
+        </p:spPr>
+        <p:txBody>
+          <a:bodyPr lIns="50800" tIns="50800" rIns="50800" bIns="50800" anchor="ctr"/>
+          <a:lstStyle>
+            <a:lvl1pPr defTabSz="825500">
+              <a:defRPr sz="3200">
+                <a:solidFill>
+                  <a:srgbClr val="FFFFFF"/>
+                </a:solidFill>
+                <a:latin typeface="Helvetica Neue Medium"/>
+                <a:ea typeface="Helvetica Neue Medium"/>
+                <a:cs typeface="Helvetica Neue Medium"/>
+                <a:sym typeface="Helvetica Neue Medium"/>
+              </a:defRPr>
+            </a:lvl1pPr>
+          </a:lstStyle>
+          <a:p>
+            <a:pPr/>
+            <a:r>
+              <a:t>handleClick()</a:t>
+            </a:r>
+          </a:p>
+        </p:txBody>
+      </p:sp>
+      <p:cxnSp>
+        <p:nvCxnSpPr>
+          <p:cNvPr id="197" name="Connection Line"/>
+          <p:cNvCxnSpPr>
+            <a:stCxn id="196" idx="0"/>
+            <a:endCxn id="194" idx="0"/>
+          </p:cNvCxnSpPr>
+          <p:nvPr/>
+        </p:nvCxnSpPr>
+        <p:spPr>
+          <a:xfrm flipV="1">
+            <a:off x="12135292" y="10491188"/>
+            <a:ext cx="7573337" cy="908867"/>
+          </a:xfrm>
+          <a:prstGeom prst="straightConnector1">
+            <a:avLst/>
+          </a:prstGeom>
+          <a:ln w="76200" cap="rnd">
+            <a:solidFill>
+              <a:srgbClr val="000000"/>
+            </a:solidFill>
+            <a:miter lim="400000"/>
+            <a:tailEnd type="triangle"/>
+          </a:ln>
+        </p:spPr>
+      </p:cxnSp>
+      <p:sp>
+        <p:nvSpPr>
+          <p:cNvPr id="198" name="RENDERLAND"/>
+          <p:cNvSpPr txBox="1"/>
+          <p:nvPr/>
+        </p:nvSpPr>
+        <p:spPr>
+          <a:xfrm>
+            <a:off x="1176970" y="7923892"/>
+            <a:ext cx="4891982" cy="1066801"/>
+          </a:xfrm>
+          <a:prstGeom prst="rect">
+            <a:avLst/>
+          </a:prstGeom>
+          <a:ln w="12700">
+            <a:miter lim="400000"/>
+          </a:ln>
+          <a:extLst>
+            <a:ext uri="{C572A759-6A51-4108-AA02-DFA0A04FC94B}">
+              <ma14:wrappingTextBoxFlag xmlns:ma14="http://schemas.microsoft.com/office/mac/drawingml/2011/main" val="1"/>
+            </a:ext>
+          </a:extLst>
+        </p:spPr>
+        <p:txBody>
+          <a:bodyPr wrap="none" lIns="50800" tIns="50800" rIns="50800" bIns="50800" anchor="ctr">
+            <a:spAutoFit/>
+          </a:bodyPr>
+          <a:lstStyle>
+            <a:lvl1pPr algn="l">
+              <a:lnSpc>
+                <a:spcPct val="90000"/>
+              </a:lnSpc>
+              <a:spcBef>
+                <a:spcPts val="4500"/>
+              </a:spcBef>
+              <a:defRPr sz="4800">
+                <a:solidFill>
+                  <a:srgbClr val="000000"/>
+                </a:solidFill>
+                <a:latin typeface="Apple Chancery"/>
+                <a:ea typeface="Apple Chancery"/>
+                <a:cs typeface="Apple Chancery"/>
+                <a:sym typeface="Apple Chancery"/>
+              </a:defRPr>
+            </a:lvl1pPr>
+          </a:lstStyle>
+          <a:p>
+            <a:pPr/>
+            <a:r>
+              <a:t>RENDERLAND</a:t>
+            </a:r>
+          </a:p>
+        </p:txBody>
+      </p:sp>
+      <p:sp>
+        <p:nvSpPr>
+          <p:cNvPr id="199" name="RENDERLAND"/>
+          <p:cNvSpPr txBox="1"/>
+          <p:nvPr/>
+        </p:nvSpPr>
+        <p:spPr>
+          <a:xfrm>
+            <a:off x="17262637" y="7923892"/>
+            <a:ext cx="4891981" cy="1066801"/>
+          </a:xfrm>
+          <a:prstGeom prst="rect">
+            <a:avLst/>
+          </a:prstGeom>
+          <a:ln w="12700">
+            <a:miter lim="400000"/>
+          </a:ln>
+          <a:extLst>
+            <a:ext uri="{C572A759-6A51-4108-AA02-DFA0A04FC94B}">
+              <ma14:wrappingTextBoxFlag xmlns:ma14="http://schemas.microsoft.com/office/mac/drawingml/2011/main" val="1"/>
+            </a:ext>
+          </a:extLst>
+        </p:spPr>
+        <p:txBody>
+          <a:bodyPr wrap="none" lIns="50800" tIns="50800" rIns="50800" bIns="50800" anchor="ctr">
+            <a:spAutoFit/>
+          </a:bodyPr>
+          <a:lstStyle>
+            <a:lvl1pPr algn="l">
+              <a:lnSpc>
+                <a:spcPct val="90000"/>
+              </a:lnSpc>
+              <a:spcBef>
+                <a:spcPts val="4500"/>
+              </a:spcBef>
+              <a:defRPr sz="4800">
+                <a:solidFill>
+                  <a:srgbClr val="000000"/>
+                </a:solidFill>
+                <a:latin typeface="Apple Chancery"/>
+                <a:ea typeface="Apple Chancery"/>
+                <a:cs typeface="Apple Chancery"/>
+                <a:sym typeface="Apple Chancery"/>
+              </a:defRPr>
+            </a:lvl1pPr>
+          </a:lstStyle>
+          <a:p>
+            <a:pPr/>
+            <a:r>
+              <a:t>RENDERLAND</a:t>
+            </a:r>
+          </a:p>
+        </p:txBody>
+      </p:sp>
+      <p:sp>
+        <p:nvSpPr>
+          <p:cNvPr id="200" name="EFFECTLAND"/>
+          <p:cNvSpPr txBox="1"/>
+          <p:nvPr/>
+        </p:nvSpPr>
+        <p:spPr>
+          <a:xfrm>
+            <a:off x="10283175" y="8644608"/>
+            <a:ext cx="3704236" cy="711201"/>
+          </a:xfrm>
+          <a:prstGeom prst="rect">
+            <a:avLst/>
+          </a:prstGeom>
+          <a:ln w="12700">
+            <a:miter lim="400000"/>
+          </a:ln>
+          <a:extLst>
+            <a:ext uri="{C572A759-6A51-4108-AA02-DFA0A04FC94B}">
+              <ma14:wrappingTextBoxFlag xmlns:ma14="http://schemas.microsoft.com/office/mac/drawingml/2011/main" val="1"/>
+            </a:ext>
+          </a:extLst>
+        </p:spPr>
+        <p:txBody>
+          <a:bodyPr wrap="none" lIns="50800" tIns="50800" rIns="50800" bIns="50800" anchor="ctr">
+            <a:spAutoFit/>
+          </a:bodyPr>
+          <a:lstStyle>
+            <a:lvl1pPr algn="l">
+              <a:lnSpc>
+                <a:spcPct val="90000"/>
+              </a:lnSpc>
+              <a:spcBef>
+                <a:spcPts val="4500"/>
+              </a:spcBef>
+              <a:defRPr sz="4800">
+                <a:solidFill>
+                  <a:srgbClr val="000000"/>
+                </a:solidFill>
+                <a:latin typeface="Herculanum"/>
+                <a:ea typeface="Herculanum"/>
+                <a:cs typeface="Herculanum"/>
+                <a:sym typeface="Herculanum"/>
+              </a:defRPr>
+            </a:lvl1pPr>
+          </a:lstStyle>
+          <a:p>
+            <a:pPr/>
+            <a:r>
+              <a:t>EFFECTLAND</a:t>
+            </a:r>
+          </a:p>
+        </p:txBody>
+      </p:sp>
+      <p:sp>
+        <p:nvSpPr>
+          <p:cNvPr id="201" name="…but not all side effects are triggered by events 🤔"/>
+          <p:cNvSpPr txBox="1"/>
+          <p:nvPr/>
+        </p:nvSpPr>
+        <p:spPr>
+          <a:xfrm>
+            <a:off x="1149792" y="12331093"/>
+            <a:ext cx="21971001" cy="1270001"/>
+          </a:xfrm>
+          <a:prstGeom prst="rect">
+            <a:avLst/>
+          </a:prstGeom>
+          <a:ln w="12700">
+            <a:miter lim="400000"/>
+          </a:ln>
+          <a:extLst>
+            <a:ext uri="{C572A759-6A51-4108-AA02-DFA0A04FC94B}">
+              <ma14:wrappingTextBoxFlag xmlns:ma14="http://schemas.microsoft.com/office/mac/drawingml/2011/main" val="1"/>
+            </a:ext>
+          </a:extLst>
+        </p:spPr>
+        <p:txBody>
+          <a:bodyPr lIns="50800" tIns="50800" rIns="50800" bIns="50800">
+            <a:normAutofit fontScale="100000" lnSpcReduction="0"/>
+          </a:bodyPr>
+          <a:lstStyle>
+            <a:lvl1pPr marL="698500" indent="-698500" algn="l" defTabSz="825500">
+              <a:spcBef>
+                <a:spcPts val="1800"/>
+              </a:spcBef>
+              <a:buSzPct val="123000"/>
+              <a:buChar char="•"/>
+              <a:defRPr spc="-55" sz="5500">
+                <a:solidFill>
+                  <a:srgbClr val="000000"/>
+                </a:solidFill>
+              </a:defRPr>
+            </a:lvl1pPr>
+          </a:lstStyle>
+          <a:p>
+            <a:pPr/>
+            <a:r>
+              <a:t>…but not all side effects are triggered by events 🤔</a:t>
             </a:r>
           </a:p>
         </p:txBody>
@@ -4706,7 +6829,7 @@
       </p:grpSpPr>
       <p:sp>
         <p:nvSpPr>
-          <p:cNvPr id="194" name="Writing an Effect in React"/>
+          <p:cNvPr id="203" name="(Side) Effects in React"/>
           <p:cNvSpPr txBox="1"/>
           <p:nvPr>
             <p:ph type="title"/>
@@ -4723,14 +6846,14 @@
           <a:p>
             <a:pPr/>
             <a:r>
-              <a:t>Writing an Effect in React</a:t>
+              <a:t>(Side) Effects in React</a:t>
             </a:r>
           </a:p>
         </p:txBody>
       </p:sp>
       <p:sp>
         <p:nvSpPr>
-          <p:cNvPr id="195" name="To write an effect, follow these steps:…"/>
+          <p:cNvPr id="204" name="A small minority of side effects are triggered by rendering itself.…"/>
           <p:cNvSpPr txBox="1"/>
           <p:nvPr>
             <p:ph type="body" idx="1"/>
@@ -4754,85 +6877,55 @@
               <a:buChar char="•"/>
             </a:pPr>
             <a:r>
-              <a:t>To write an effect, follow these steps:</a:t>
-            </a:r>
-          </a:p>
-          <a:p>
-            <a:pPr lvl="1" marL="1907645" indent="-1018645">
-              <a:buSzPct val="100000"/>
-              <a:buAutoNum type="arabicPeriod" startAt="1"/>
-            </a:pPr>
-            <a:r>
-              <a:rPr>
-                <a:latin typeface="Courier New"/>
-                <a:ea typeface="Courier New"/>
-                <a:cs typeface="Courier New"/>
-                <a:sym typeface="Courier New"/>
-              </a:rPr>
-              <a:t>import { useEffect } from ‘react’</a:t>
+              <a:t>A </a:t>
+            </a:r>
+            <a:r>
+              <a:rPr u="sng"/>
+              <a:t>small minority</a:t>
+            </a:r>
+            <a:r>
+              <a:t> of side effects are </a:t>
+            </a:r>
+            <a:r>
+              <a:rPr u="sng"/>
+              <a:t>triggered by rendering itself</a:t>
             </a:r>
             <a:r>
               <a:t>.</a:t>
             </a:r>
           </a:p>
           <a:p>
-            <a:pPr lvl="1" marL="1907645" indent="-1018645">
-              <a:buSzPct val="100000"/>
-              <a:buAutoNum type="arabicPeriod" startAt="1"/>
-            </a:pPr>
-            <a:r>
-              <a:t>Invoke </a:t>
-            </a:r>
-            <a:r>
-              <a:rPr>
-                <a:latin typeface="Courier New"/>
-                <a:ea typeface="Courier New"/>
-                <a:cs typeface="Courier New"/>
-                <a:sym typeface="Courier New"/>
-              </a:rPr>
-              <a:t>useEffect()</a:t>
-            </a:r>
-            <a:r>
-              <a:t> with either </a:t>
-            </a:r>
-            <a:r>
-              <a:rPr u="sng"/>
-              <a:t>one or two parameters</a:t>
+            <a:pPr marL="698500" indent="-698500">
+              <a:buSzPct val="123000"/>
+              <a:buChar char="•"/>
+            </a:pPr>
+            <a:r>
+              <a:t>In React, these side effects are known simply as </a:t>
+            </a:r>
+            <a:r>
+              <a:rPr b="1"/>
+              <a:t>effects</a:t>
             </a:r>
             <a:r>
               <a:t>.</a:t>
             </a:r>
           </a:p>
           <a:p>
-            <a:pPr lvl="2" marL="2796645" indent="-1018645">
-              <a:buSzPct val="100000"/>
-              <a:buAutoNum type="alphaUcPeriod" startAt="1"/>
-            </a:pPr>
-            <a:r>
-              <a:t>The first parameter should be </a:t>
-            </a:r>
-            <a:r>
-              <a:rPr u="sng"/>
-              <a:t>a function that runs effects</a:t>
-            </a:r>
-            <a:r>
-              <a:t>.</a:t>
-            </a:r>
-          </a:p>
-          <a:p>
-            <a:pPr lvl="2" marL="2796645" indent="-1018645">
-              <a:buSzPct val="100000"/>
-              <a:buAutoNum type="alphaUcPeriod" startAt="1"/>
-            </a:pPr>
-            <a:r>
-              <a:t>The second parameter, if any, should be </a:t>
-            </a:r>
-            <a:r>
-              <a:rPr u="sng"/>
-              <a:t>an array that lists the effect’s dependencies</a:t>
-            </a:r>
-            <a:r>
-              <a:t>.</a:t>
+            <a:pPr marL="698500" indent="-698500">
+              <a:buSzPct val="123000"/>
+              <a:buChar char="•"/>
+            </a:pPr>
+            <a:r>
+              <a:t>i.e., a change in state triggered by a render is a most common effect.</a:t>
+            </a:r>
+          </a:p>
+          <a:p>
+            <a:pPr marL="698500" indent="-698500">
+              <a:buSzPct val="123000"/>
+              <a:buChar char="•"/>
+            </a:pPr>
+            <a:r>
+              <a:t>When might we want a render to trigger a change in state? 🤔</a:t>
             </a:r>
           </a:p>
         </p:txBody>
@@ -4865,7 +6958,7 @@
       </p:grpSpPr>
       <p:sp>
         <p:nvSpPr>
-          <p:cNvPr id="197" name="Writing an Effect in React"/>
+          <p:cNvPr id="206" name="(Side) Effects in React"/>
           <p:cNvSpPr txBox="1"/>
           <p:nvPr>
             <p:ph type="title"/>
@@ -4882,14 +6975,14 @@
           <a:p>
             <a:pPr/>
             <a:r>
-              <a:t>Writing an Effect in React</a:t>
+              <a:t>(Side) Effects in React</a:t>
             </a:r>
           </a:p>
         </p:txBody>
       </p:sp>
       <p:sp>
         <p:nvSpPr>
-          <p:cNvPr id="198" name="import { useEffect } from ‘react’;…"/>
+          <p:cNvPr id="207" name="A small minority of side effects are triggered by rendering itself.…"/>
           <p:cNvSpPr txBox="1"/>
           <p:nvPr>
             <p:ph type="body" idx="1"/>
@@ -4908,233 +7001,484 @@
           <a:bodyPr/>
           <a:lstStyle/>
           <a:p>
-            <a:pPr defTabSz="726440">
-              <a:spcBef>
-                <a:spcPts val="1500"/>
-              </a:spcBef>
-              <a:defRPr spc="-48" sz="4840">
+            <a:pPr marL="698500" indent="-698500">
+              <a:buSzPct val="123000"/>
+              <a:buChar char="•"/>
+            </a:pPr>
+            <a:r>
+              <a:t>A </a:t>
+            </a:r>
+            <a:r>
+              <a:rPr u="sng"/>
+              <a:t>small minority</a:t>
+            </a:r>
+            <a:r>
+              <a:t> of side effects are </a:t>
+            </a:r>
+            <a:r>
+              <a:rPr u="sng"/>
+              <a:t>triggered by rendering itself</a:t>
+            </a:r>
+            <a:r>
+              <a:t>.</a:t>
+            </a:r>
+          </a:p>
+          <a:p>
+            <a:pPr marL="698500" indent="-698500">
+              <a:buSzPct val="123000"/>
+              <a:buChar char="•"/>
+            </a:pPr>
+            <a:r>
+              <a:t>In React, these side effects are known simply as </a:t>
+            </a:r>
+            <a:r>
+              <a:rPr b="1"/>
+              <a:t>effects</a:t>
+            </a:r>
+            <a:r>
+              <a:t>.</a:t>
+            </a:r>
+          </a:p>
+          <a:p>
+            <a:pPr marL="698500" indent="-698500">
+              <a:buSzPct val="123000"/>
+              <a:buChar char="•"/>
+            </a:pPr>
+            <a:r>
+              <a:t>i.e., a change in state triggered by a render is a most common effect.</a:t>
+            </a:r>
+          </a:p>
+          <a:p>
+            <a:pPr marL="698500" indent="-698500">
+              <a:buSzPct val="123000"/>
+              <a:buChar char="•"/>
+            </a:pPr>
+            <a:r>
+              <a:t>When might we want a render to trigger a change in state? 🤔</a:t>
+            </a:r>
+          </a:p>
+          <a:p>
+            <a:pPr lvl="1" marL="1308100" indent="-698500">
+              <a:buSzPct val="123000"/>
+              <a:buChar char="•"/>
+            </a:pPr>
+            <a:r>
+              <a:t>A </a:t>
+            </a:r>
+            <a:r>
+              <a:rPr u="sng">
                 <a:latin typeface="Courier New"/>
                 <a:ea typeface="Courier New"/>
                 <a:cs typeface="Courier New"/>
                 <a:sym typeface="Courier New"/>
-              </a:defRPr>
-            </a:pPr>
-            <a:r>
-              <a:t>import { </a:t>
-            </a:r>
-            <a:r>
-              <a:rPr>
-                <a:solidFill>
-                  <a:schemeClr val="accent2">
-                    <a:hueOff val="-202083"/>
-                    <a:satOff val="17755"/>
-                    <a:lumOff val="-16089"/>
-                  </a:schemeClr>
-                </a:solidFill>
-              </a:rPr>
-              <a:t>useEffect</a:t>
-            </a:r>
-            <a:r>
-              <a:t> } from ‘react’;</a:t>
-            </a:r>
-          </a:p>
-          <a:p>
-            <a:pPr defTabSz="726440">
-              <a:spcBef>
-                <a:spcPts val="1500"/>
-              </a:spcBef>
-              <a:defRPr spc="-48" sz="4840">
-                <a:latin typeface="Courier New"/>
-                <a:ea typeface="Courier New"/>
-                <a:cs typeface="Courier New"/>
-                <a:sym typeface="Courier New"/>
-              </a:defRPr>
-            </a:pPr>
-          </a:p>
-          <a:p>
-            <a:pPr defTabSz="726440">
-              <a:spcBef>
-                <a:spcPts val="1500"/>
-              </a:spcBef>
-              <a:defRPr spc="-48" sz="4840">
-                <a:latin typeface="Courier New"/>
-                <a:ea typeface="Courier New"/>
-                <a:cs typeface="Courier New"/>
-                <a:sym typeface="Courier New"/>
-              </a:defRPr>
-            </a:pPr>
-            <a:r>
-              <a:t>export default function </a:t>
-            </a:r>
-            <a:r>
-              <a:rPr>
-                <a:solidFill>
-                  <a:schemeClr val="accent3">
-                    <a:hueOff val="362282"/>
-                    <a:satOff val="31803"/>
-                    <a:lumOff val="-18242"/>
-                  </a:schemeClr>
-                </a:solidFill>
-              </a:rPr>
-              <a:t>Component</a:t>
-            </a:r>
-            <a:r>
-              <a:t>() {</a:t>
-            </a:r>
-          </a:p>
-          <a:p>
-            <a:pPr defTabSz="726440">
-              <a:spcBef>
-                <a:spcPts val="1500"/>
-              </a:spcBef>
-              <a:defRPr spc="-48" sz="4840">
-                <a:latin typeface="Courier New"/>
-                <a:ea typeface="Courier New"/>
-                <a:cs typeface="Courier New"/>
-                <a:sym typeface="Courier New"/>
-              </a:defRPr>
-            </a:pPr>
-          </a:p>
-          <a:p>
-            <a:pPr lvl="1" indent="402336" defTabSz="726440">
-              <a:spcBef>
-                <a:spcPts val="1500"/>
-              </a:spcBef>
-              <a:defRPr spc="-48" sz="4840">
-                <a:latin typeface="Courier New"/>
-                <a:ea typeface="Courier New"/>
-                <a:cs typeface="Courier New"/>
-                <a:sym typeface="Courier New"/>
-              </a:defRPr>
-            </a:pPr>
-            <a:r>
-              <a:rPr>
-                <a:solidFill>
-                  <a:schemeClr val="accent2">
-                    <a:hueOff val="-202083"/>
-                    <a:satOff val="17755"/>
-                    <a:lumOff val="-16089"/>
-                  </a:schemeClr>
-                </a:solidFill>
-              </a:rPr>
-              <a:t>useEffect</a:t>
-            </a:r>
-            <a:r>
-              <a:t>(() =&gt; {</a:t>
-            </a:r>
-          </a:p>
-          <a:p>
-            <a:pPr lvl="2" indent="804672" defTabSz="726440">
-              <a:spcBef>
-                <a:spcPts val="1500"/>
-              </a:spcBef>
-              <a:defRPr spc="-48" sz="4840">
-                <a:solidFill>
-                  <a:schemeClr val="accent2">
-                    <a:hueOff val="-202083"/>
-                    <a:satOff val="17755"/>
-                    <a:lumOff val="-16089"/>
-                  </a:schemeClr>
-                </a:solidFill>
-                <a:latin typeface="Courier New"/>
-                <a:ea typeface="Courier New"/>
-                <a:cs typeface="Courier New"/>
-                <a:sym typeface="Courier New"/>
-              </a:defRPr>
-            </a:pPr>
-            <a:r>
-              <a:t>/* Write your effect(s) here */</a:t>
-            </a:r>
-          </a:p>
-          <a:p>
-            <a:pPr lvl="1" indent="402336" defTabSz="726440">
-              <a:spcBef>
-                <a:spcPts val="1500"/>
-              </a:spcBef>
-              <a:defRPr spc="-48" sz="4840">
-                <a:latin typeface="Courier New"/>
-                <a:ea typeface="Courier New"/>
-                <a:cs typeface="Courier New"/>
-                <a:sym typeface="Courier New"/>
-              </a:defRPr>
-            </a:pPr>
-            <a:r>
-              <a:t>}), </a:t>
-            </a:r>
-            <a:r>
-              <a:rPr>
-                <a:solidFill>
-                  <a:schemeClr val="accent2">
-                    <a:hueOff val="-202083"/>
-                    <a:satOff val="17755"/>
-                    <a:lumOff val="-16089"/>
-                  </a:schemeClr>
-                </a:solidFill>
-              </a:rPr>
-              <a:t>dependencies</a:t>
-            </a:r>
-            <a:r>
-              <a:t>);</a:t>
-            </a:r>
-          </a:p>
-          <a:p>
-            <a:pPr lvl="1" indent="402336" defTabSz="726440">
-              <a:spcBef>
-                <a:spcPts val="1500"/>
-              </a:spcBef>
-              <a:defRPr spc="-48" sz="4840">
-                <a:latin typeface="Courier New"/>
-                <a:ea typeface="Courier New"/>
-                <a:cs typeface="Courier New"/>
-                <a:sym typeface="Courier New"/>
-              </a:defRPr>
-            </a:pPr>
-          </a:p>
-          <a:p>
-            <a:pPr lvl="1" indent="402336" defTabSz="726440">
-              <a:spcBef>
-                <a:spcPts val="1500"/>
-              </a:spcBef>
-              <a:defRPr spc="-48" sz="4840">
-                <a:latin typeface="Courier New"/>
-                <a:ea typeface="Courier New"/>
-                <a:cs typeface="Courier New"/>
-                <a:sym typeface="Courier New"/>
-              </a:defRPr>
-            </a:pPr>
-            <a:r>
-              <a:t>return </a:t>
-            </a:r>
-            <a:r>
-              <a:rPr>
-                <a:solidFill>
-                  <a:schemeClr val="accent3">
-                    <a:hueOff val="362282"/>
-                    <a:satOff val="31803"/>
-                    <a:lumOff val="-18242"/>
-                  </a:schemeClr>
-                </a:solidFill>
-              </a:rPr>
-              <a:t>&lt;&gt;&lt;/&gt;</a:t>
-            </a:r>
-            <a:r>
-              <a:t>;</a:t>
-            </a:r>
-          </a:p>
-          <a:p>
-            <a:pPr defTabSz="726440">
-              <a:spcBef>
-                <a:spcPts val="1500"/>
-              </a:spcBef>
-              <a:defRPr spc="-48" sz="4840">
-                <a:latin typeface="Courier New"/>
-                <a:ea typeface="Courier New"/>
-                <a:cs typeface="Courier New"/>
-                <a:sym typeface="Courier New"/>
-              </a:defRPr>
-            </a:pPr>
-            <a:r>
-              <a:t>}</a:t>
+              </a:rPr>
+              <a:t>GET</a:t>
+            </a:r>
+            <a:r>
+              <a:rPr u="sng"/>
+              <a:t> request</a:t>
+            </a:r>
+            <a:r>
+              <a:t> triggered by a component’s first render!</a:t>
+            </a:r>
+          </a:p>
+        </p:txBody>
+      </p:sp>
+      <p:sp>
+        <p:nvSpPr>
+          <p:cNvPr id="208" name="[Component] Library…"/>
+          <p:cNvSpPr/>
+          <p:nvPr/>
+        </p:nvSpPr>
+        <p:spPr>
+          <a:xfrm>
+            <a:off x="1443497" y="10086211"/>
+            <a:ext cx="4472343" cy="3072769"/>
+          </a:xfrm>
+          <a:prstGeom prst="roundRect">
+            <a:avLst>
+              <a:gd name="adj" fmla="val 15269"/>
+            </a:avLst>
+          </a:prstGeom>
+          <a:solidFill>
+            <a:schemeClr val="accent4">
+              <a:hueOff val="-476017"/>
+              <a:lumOff val="-10042"/>
+            </a:schemeClr>
+          </a:solidFill>
+          <a:ln w="12700">
+            <a:miter lim="400000"/>
+          </a:ln>
+          <a:extLst>
+            <a:ext uri="{C572A759-6A51-4108-AA02-DFA0A04FC94B}">
+              <ma14:wrappingTextBoxFlag xmlns:ma14="http://schemas.microsoft.com/office/mac/drawingml/2011/main" val="1"/>
+            </a:ext>
+          </a:extLst>
+        </p:spPr>
+        <p:txBody>
+          <a:bodyPr lIns="50800" tIns="50800" rIns="50800" bIns="50800" anchor="ctr"/>
+          <a:lstStyle/>
+          <a:p>
+            <a:pPr defTabSz="825500">
+              <a:defRPr sz="3200">
+                <a:solidFill>
+                  <a:srgbClr val="000000"/>
+                </a:solidFill>
+                <a:latin typeface="Helvetica Neue Medium"/>
+                <a:ea typeface="Helvetica Neue Medium"/>
+                <a:cs typeface="Helvetica Neue Medium"/>
+                <a:sym typeface="Helvetica Neue Medium"/>
+              </a:defRPr>
+            </a:pPr>
+            <a:r>
+              <a:t>[Component] Library</a:t>
+            </a:r>
+          </a:p>
+          <a:p>
+            <a:pPr defTabSz="825500">
+              <a:defRPr sz="3200">
+                <a:solidFill>
+                  <a:srgbClr val="000000"/>
+                </a:solidFill>
+                <a:latin typeface="Helvetica Neue Medium"/>
+                <a:ea typeface="Helvetica Neue Medium"/>
+                <a:cs typeface="Helvetica Neue Medium"/>
+                <a:sym typeface="Helvetica Neue Medium"/>
+              </a:defRPr>
+            </a:pPr>
+            <a:r>
+              <a:t>[State] books: [ ]</a:t>
+            </a:r>
+          </a:p>
+        </p:txBody>
+      </p:sp>
+      <p:sp>
+        <p:nvSpPr>
+          <p:cNvPr id="209" name="[Component] Library…"/>
+          <p:cNvSpPr/>
+          <p:nvPr/>
+        </p:nvSpPr>
+        <p:spPr>
+          <a:xfrm>
+            <a:off x="17529163" y="10117299"/>
+            <a:ext cx="4472343" cy="3072770"/>
+          </a:xfrm>
+          <a:prstGeom prst="roundRect">
+            <a:avLst>
+              <a:gd name="adj" fmla="val 15269"/>
+            </a:avLst>
+          </a:prstGeom>
+          <a:solidFill>
+            <a:schemeClr val="accent4">
+              <a:hueOff val="-476017"/>
+              <a:lumOff val="-10042"/>
+            </a:schemeClr>
+          </a:solidFill>
+          <a:ln w="12700">
+            <a:miter lim="400000"/>
+          </a:ln>
+          <a:extLst>
+            <a:ext uri="{C572A759-6A51-4108-AA02-DFA0A04FC94B}">
+              <ma14:wrappingTextBoxFlag xmlns:ma14="http://schemas.microsoft.com/office/mac/drawingml/2011/main" val="1"/>
+            </a:ext>
+          </a:extLst>
+        </p:spPr>
+        <p:txBody>
+          <a:bodyPr lIns="50800" tIns="50800" rIns="50800" bIns="50800" anchor="ctr"/>
+          <a:lstStyle/>
+          <a:p>
+            <a:pPr defTabSz="825500">
+              <a:defRPr sz="3200">
+                <a:solidFill>
+                  <a:srgbClr val="000000"/>
+                </a:solidFill>
+                <a:latin typeface="Helvetica Neue Medium"/>
+                <a:ea typeface="Helvetica Neue Medium"/>
+                <a:cs typeface="Helvetica Neue Medium"/>
+                <a:sym typeface="Helvetica Neue Medium"/>
+              </a:defRPr>
+            </a:pPr>
+            <a:r>
+              <a:t>[Component] Library</a:t>
+            </a:r>
+          </a:p>
+          <a:p>
+            <a:pPr defTabSz="825500">
+              <a:defRPr sz="3200">
+                <a:solidFill>
+                  <a:srgbClr val="000000"/>
+                </a:solidFill>
+                <a:latin typeface="Helvetica Neue Medium"/>
+                <a:ea typeface="Helvetica Neue Medium"/>
+                <a:cs typeface="Helvetica Neue Medium"/>
+                <a:sym typeface="Helvetica Neue Medium"/>
+              </a:defRPr>
+            </a:pPr>
+            <a:r>
+              <a:t>[State] books: 📚</a:t>
+            </a:r>
+          </a:p>
+        </p:txBody>
+      </p:sp>
+      <p:cxnSp>
+        <p:nvCxnSpPr>
+          <p:cNvPr id="210" name="Connection Line"/>
+          <p:cNvCxnSpPr>
+            <a:stCxn id="208" idx="0"/>
+            <a:endCxn id="211" idx="0"/>
+          </p:cNvCxnSpPr>
+          <p:nvPr/>
+        </p:nvCxnSpPr>
+        <p:spPr>
+          <a:xfrm>
+            <a:off x="3679668" y="11622595"/>
+            <a:ext cx="8512333" cy="939957"/>
+          </a:xfrm>
+          <a:prstGeom prst="straightConnector1">
+            <a:avLst/>
+          </a:prstGeom>
+          <a:ln w="76200" cap="rnd">
+            <a:solidFill>
+              <a:srgbClr val="000000"/>
+            </a:solidFill>
+            <a:miter lim="400000"/>
+            <a:tailEnd type="triangle"/>
+          </a:ln>
+        </p:spPr>
+      </p:cxnSp>
+      <p:sp>
+        <p:nvSpPr>
+          <p:cNvPr id="211" name="fetch(“…”)"/>
+          <p:cNvSpPr/>
+          <p:nvPr/>
+        </p:nvSpPr>
+        <p:spPr>
+          <a:xfrm>
+            <a:off x="10656664" y="11927551"/>
+            <a:ext cx="3070672" cy="1270001"/>
+          </a:xfrm>
+          <a:prstGeom prst="rect">
+            <a:avLst/>
+          </a:prstGeom>
+          <a:solidFill>
+            <a:srgbClr val="000000"/>
+          </a:solidFill>
+          <a:ln w="12700">
+            <a:miter lim="400000"/>
+          </a:ln>
+          <a:extLst>
+            <a:ext uri="{C572A759-6A51-4108-AA02-DFA0A04FC94B}">
+              <ma14:wrappingTextBoxFlag xmlns:ma14="http://schemas.microsoft.com/office/mac/drawingml/2011/main" val="1"/>
+            </a:ext>
+          </a:extLst>
+        </p:spPr>
+        <p:txBody>
+          <a:bodyPr lIns="50800" tIns="50800" rIns="50800" bIns="50800" anchor="ctr"/>
+          <a:lstStyle>
+            <a:lvl1pPr defTabSz="825500">
+              <a:defRPr sz="3200">
+                <a:solidFill>
+                  <a:srgbClr val="FFFFFF"/>
+                </a:solidFill>
+                <a:latin typeface="Helvetica Neue Medium"/>
+                <a:ea typeface="Helvetica Neue Medium"/>
+                <a:cs typeface="Helvetica Neue Medium"/>
+                <a:sym typeface="Helvetica Neue Medium"/>
+              </a:defRPr>
+            </a:lvl1pPr>
+          </a:lstStyle>
+          <a:p>
+            <a:pPr/>
+            <a:r>
+              <a:t>fetch(“…”)</a:t>
+            </a:r>
+          </a:p>
+        </p:txBody>
+      </p:sp>
+      <p:cxnSp>
+        <p:nvCxnSpPr>
+          <p:cNvPr id="212" name="Connection Line"/>
+          <p:cNvCxnSpPr>
+            <a:stCxn id="211" idx="0"/>
+            <a:endCxn id="209" idx="0"/>
+          </p:cNvCxnSpPr>
+          <p:nvPr/>
+        </p:nvCxnSpPr>
+        <p:spPr>
+          <a:xfrm flipV="1">
+            <a:off x="12192000" y="11653684"/>
+            <a:ext cx="7573335" cy="908868"/>
+          </a:xfrm>
+          <a:prstGeom prst="straightConnector1">
+            <a:avLst/>
+          </a:prstGeom>
+          <a:ln w="76200" cap="rnd">
+            <a:solidFill>
+              <a:srgbClr val="000000"/>
+            </a:solidFill>
+            <a:miter lim="400000"/>
+            <a:tailEnd type="triangle"/>
+          </a:ln>
+        </p:spPr>
+      </p:cxnSp>
+      <p:sp>
+        <p:nvSpPr>
+          <p:cNvPr id="213" name="RENDERLAND"/>
+          <p:cNvSpPr txBox="1"/>
+          <p:nvPr/>
+        </p:nvSpPr>
+        <p:spPr>
+          <a:xfrm>
+            <a:off x="1233678" y="9086388"/>
+            <a:ext cx="4891981" cy="1066801"/>
+          </a:xfrm>
+          <a:prstGeom prst="rect">
+            <a:avLst/>
+          </a:prstGeom>
+          <a:ln w="12700">
+            <a:miter lim="400000"/>
+          </a:ln>
+          <a:extLst>
+            <a:ext uri="{C572A759-6A51-4108-AA02-DFA0A04FC94B}">
+              <ma14:wrappingTextBoxFlag xmlns:ma14="http://schemas.microsoft.com/office/mac/drawingml/2011/main" val="1"/>
+            </a:ext>
+          </a:extLst>
+        </p:spPr>
+        <p:txBody>
+          <a:bodyPr wrap="none" lIns="50800" tIns="50800" rIns="50800" bIns="50800" anchor="ctr">
+            <a:spAutoFit/>
+          </a:bodyPr>
+          <a:lstStyle>
+            <a:lvl1pPr algn="l">
+              <a:lnSpc>
+                <a:spcPct val="90000"/>
+              </a:lnSpc>
+              <a:spcBef>
+                <a:spcPts val="4500"/>
+              </a:spcBef>
+              <a:defRPr sz="4800">
+                <a:solidFill>
+                  <a:srgbClr val="000000"/>
+                </a:solidFill>
+                <a:latin typeface="Apple Chancery"/>
+                <a:ea typeface="Apple Chancery"/>
+                <a:cs typeface="Apple Chancery"/>
+                <a:sym typeface="Apple Chancery"/>
+              </a:defRPr>
+            </a:lvl1pPr>
+          </a:lstStyle>
+          <a:p>
+            <a:pPr/>
+            <a:r>
+              <a:t>RENDERLAND</a:t>
+            </a:r>
+          </a:p>
+        </p:txBody>
+      </p:sp>
+      <p:sp>
+        <p:nvSpPr>
+          <p:cNvPr id="214" name="RENDERLAND"/>
+          <p:cNvSpPr txBox="1"/>
+          <p:nvPr/>
+        </p:nvSpPr>
+        <p:spPr>
+          <a:xfrm>
+            <a:off x="17319344" y="9086388"/>
+            <a:ext cx="4891982" cy="1066801"/>
+          </a:xfrm>
+          <a:prstGeom prst="rect">
+            <a:avLst/>
+          </a:prstGeom>
+          <a:ln w="12700">
+            <a:miter lim="400000"/>
+          </a:ln>
+          <a:extLst>
+            <a:ext uri="{C572A759-6A51-4108-AA02-DFA0A04FC94B}">
+              <ma14:wrappingTextBoxFlag xmlns:ma14="http://schemas.microsoft.com/office/mac/drawingml/2011/main" val="1"/>
+            </a:ext>
+          </a:extLst>
+        </p:spPr>
+        <p:txBody>
+          <a:bodyPr wrap="none" lIns="50800" tIns="50800" rIns="50800" bIns="50800" anchor="ctr">
+            <a:spAutoFit/>
+          </a:bodyPr>
+          <a:lstStyle>
+            <a:lvl1pPr algn="l">
+              <a:lnSpc>
+                <a:spcPct val="90000"/>
+              </a:lnSpc>
+              <a:spcBef>
+                <a:spcPts val="4500"/>
+              </a:spcBef>
+              <a:defRPr sz="4800">
+                <a:solidFill>
+                  <a:srgbClr val="000000"/>
+                </a:solidFill>
+                <a:latin typeface="Apple Chancery"/>
+                <a:ea typeface="Apple Chancery"/>
+                <a:cs typeface="Apple Chancery"/>
+                <a:sym typeface="Apple Chancery"/>
+              </a:defRPr>
+            </a:lvl1pPr>
+          </a:lstStyle>
+          <a:p>
+            <a:pPr/>
+            <a:r>
+              <a:t>RENDERLAND</a:t>
+            </a:r>
+          </a:p>
+        </p:txBody>
+      </p:sp>
+      <p:sp>
+        <p:nvSpPr>
+          <p:cNvPr id="215" name="EFFECTLAND"/>
+          <p:cNvSpPr txBox="1"/>
+          <p:nvPr/>
+        </p:nvSpPr>
+        <p:spPr>
+          <a:xfrm>
+            <a:off x="10339882" y="9807104"/>
+            <a:ext cx="3704236" cy="711201"/>
+          </a:xfrm>
+          <a:prstGeom prst="rect">
+            <a:avLst/>
+          </a:prstGeom>
+          <a:ln w="12700">
+            <a:miter lim="400000"/>
+          </a:ln>
+          <a:extLst>
+            <a:ext uri="{C572A759-6A51-4108-AA02-DFA0A04FC94B}">
+              <ma14:wrappingTextBoxFlag xmlns:ma14="http://schemas.microsoft.com/office/mac/drawingml/2011/main" val="1"/>
+            </a:ext>
+          </a:extLst>
+        </p:spPr>
+        <p:txBody>
+          <a:bodyPr wrap="none" lIns="50800" tIns="50800" rIns="50800" bIns="50800" anchor="ctr">
+            <a:spAutoFit/>
+          </a:bodyPr>
+          <a:lstStyle>
+            <a:lvl1pPr algn="l">
+              <a:lnSpc>
+                <a:spcPct val="90000"/>
+              </a:lnSpc>
+              <a:spcBef>
+                <a:spcPts val="4500"/>
+              </a:spcBef>
+              <a:defRPr sz="4800">
+                <a:solidFill>
+                  <a:srgbClr val="000000"/>
+                </a:solidFill>
+                <a:latin typeface="Herculanum"/>
+                <a:ea typeface="Herculanum"/>
+                <a:cs typeface="Herculanum"/>
+                <a:sym typeface="Herculanum"/>
+              </a:defRPr>
+            </a:lvl1pPr>
+          </a:lstStyle>
+          <a:p>
+            <a:pPr/>
+            <a:r>
+              <a:t>EFFECTLAND</a:t>
             </a:r>
           </a:p>
         </p:txBody>
@@ -5167,7 +7511,7 @@
       </p:grpSpPr>
       <p:sp>
         <p:nvSpPr>
-          <p:cNvPr id="200" name="The Dependency Array"/>
+          <p:cNvPr id="217" name="Writing an Effect in React"/>
           <p:cNvSpPr txBox="1"/>
           <p:nvPr>
             <p:ph type="title"/>
@@ -5184,14 +7528,14 @@
           <a:p>
             <a:pPr/>
             <a:r>
-              <a:t>The Dependency Array</a:t>
+              <a:t>Writing an Effect in React</a:t>
             </a:r>
           </a:p>
         </p:txBody>
       </p:sp>
       <p:sp>
         <p:nvSpPr>
-          <p:cNvPr id="201" name="An effect’s dependencies dictate when that effect will run.…"/>
+          <p:cNvPr id="218" name="To write an effect, follow these steps:…"/>
           <p:cNvSpPr txBox="1"/>
           <p:nvPr>
             <p:ph type="body" idx="1"/>
@@ -5215,8 +7559,14 @@
               <a:buChar char="•"/>
             </a:pPr>
             <a:r>
-              <a:t>An effect’s </a:t>
-            </a:r>
+              <a:t>To write an effect, follow these steps:</a:t>
+            </a:r>
+          </a:p>
+          <a:p>
+            <a:pPr lvl="1" marL="1907645" indent="-1018645">
+              <a:buSzPct val="100000"/>
+              <a:buAutoNum type="arabicPeriod" startAt="1"/>
+            </a:pPr>
             <a:r>
               <a:rPr>
                 <a:latin typeface="Courier New"/>
@@ -5224,51 +7574,19 @@
                 <a:cs typeface="Courier New"/>
                 <a:sym typeface="Courier New"/>
               </a:rPr>
-              <a:t>dependencies</a:t>
-            </a:r>
-            <a:r>
-              <a:t> dictate </a:t>
-            </a:r>
-            <a:r>
-              <a:rPr u="sng"/>
-              <a:t>when that effect will run</a:t>
+              <a:t>import { useEffect } from ‘react’</a:t>
             </a:r>
             <a:r>
               <a:t>.</a:t>
             </a:r>
           </a:p>
           <a:p>
-            <a:pPr marL="698500" indent="-698500">
-              <a:buSzPct val="123000"/>
-              <a:buChar char="•"/>
-            </a:pPr>
-            <a:r>
-              <a:t>More specifically, the dependency array lets us choose </a:t>
-            </a:r>
-            <a:r>
-              <a:rPr u="sng"/>
-              <a:t>which of a component’s renders</a:t>
-            </a:r>
-            <a:r>
-              <a:t> will trigger the execution of an effect.</a:t>
-            </a:r>
-          </a:p>
-          <a:p>
-            <a:pPr marL="698500" indent="-698500">
-              <a:buSzPct val="123000"/>
-              <a:buChar char="•"/>
-            </a:pPr>
-            <a:r>
-              <a:t>If we omit the dependency array, our effect runs after every re-render.</a:t>
-            </a:r>
-          </a:p>
-          <a:p>
-            <a:pPr marL="698500" indent="-698500">
-              <a:buSzPct val="123000"/>
-              <a:buChar char="•"/>
-            </a:pPr>
-            <a:r>
-              <a:t>If we pass an empty array </a:t>
+            <a:pPr lvl="1" marL="1907645" indent="-1018645">
+              <a:buSzPct val="100000"/>
+              <a:buAutoNum type="arabicPeriod" startAt="1"/>
+            </a:pPr>
+            <a:r>
+              <a:t>Invoke </a:t>
             </a:r>
             <a:r>
               <a:rPr>
@@ -5277,80 +7595,17 @@
                 <a:cs typeface="Courier New"/>
                 <a:sym typeface="Courier New"/>
               </a:rPr>
-              <a:t>[]</a:t>
-            </a:r>
-            <a:r>
-              <a:t>, our effect runs only </a:t>
-            </a:r>
-            <a:r>
-              <a:rPr b="1"/>
-              <a:t>on mount</a:t>
+              <a:t>useEffect()</a:t>
+            </a:r>
+            <a:r>
+              <a:t> with either </a:t>
+            </a:r>
+            <a:r>
+              <a:rPr u="sng"/>
+              <a:t>one or two parameters</a:t>
             </a:r>
             <a:r>
               <a:t>.</a:t>
-            </a:r>
-          </a:p>
-          <a:p>
-            <a:pPr marL="698500" indent="-698500">
-              <a:buSzPct val="123000"/>
-              <a:buChar char="•"/>
-            </a:pPr>
-            <a:r>
-              <a:t>If we pass a non-empty array </a:t>
-            </a:r>
-            <a:r>
-              <a:rPr>
-                <a:latin typeface="Courier New"/>
-                <a:ea typeface="Courier New"/>
-                <a:cs typeface="Courier New"/>
-                <a:sym typeface="Courier New"/>
-              </a:rPr>
-              <a:t>[a, b]</a:t>
-            </a:r>
-            <a:r>
-              <a:t>, our effect runs </a:t>
-            </a:r>
-            <a:r>
-              <a:rPr u="sng"/>
-              <a:t>on mount and whenever </a:t>
-            </a:r>
-            <a:r>
-              <a:rPr u="sng">
-                <a:latin typeface="Courier New"/>
-                <a:ea typeface="Courier New"/>
-                <a:cs typeface="Courier New"/>
-                <a:sym typeface="Courier New"/>
-              </a:rPr>
-              <a:t>a</a:t>
-            </a:r>
-            <a:r>
-              <a:rPr u="sng"/>
-              <a:t> or </a:t>
-            </a:r>
-            <a:r>
-              <a:rPr u="sng">
-                <a:latin typeface="Courier New"/>
-                <a:ea typeface="Courier New"/>
-                <a:cs typeface="Courier New"/>
-                <a:sym typeface="Courier New"/>
-              </a:rPr>
-              <a:t>b</a:t>
-            </a:r>
-            <a:r>
-              <a:rPr u="sng"/>
-              <a:t> change</a:t>
-            </a:r>
-            <a:r>
-              <a:t>.</a:t>
-            </a:r>
-          </a:p>
-          <a:p>
-            <a:pPr marL="698500" indent="-698500">
-              <a:buSzPct val="123000"/>
-              <a:buChar char="•"/>
-            </a:pPr>
-            <a:r>
-              <a:t>Can we make any variable a dependency? 🤔</a:t>
             </a:r>
           </a:p>
         </p:txBody>
@@ -5383,7 +7638,7 @@
       </p:grpSpPr>
       <p:sp>
         <p:nvSpPr>
-          <p:cNvPr id="203" name="The Dependency Array"/>
+          <p:cNvPr id="220" name="Writing an Effect in React"/>
           <p:cNvSpPr txBox="1"/>
           <p:nvPr>
             <p:ph type="title"/>
@@ -5400,14 +7655,14 @@
           <a:p>
             <a:pPr/>
             <a:r>
-              <a:t>The Dependency Array</a:t>
+              <a:t>Writing an Effect in React</a:t>
             </a:r>
           </a:p>
         </p:txBody>
       </p:sp>
       <p:sp>
         <p:nvSpPr>
-          <p:cNvPr id="204" name="If we omit the dependency array, our effect runs after every re-render.…"/>
+          <p:cNvPr id="221" name="To write an effect, follow these steps:…"/>
           <p:cNvSpPr txBox="1"/>
           <p:nvPr>
             <p:ph type="body" idx="1"/>
@@ -5431,17 +7686,14 @@
               <a:buChar char="•"/>
             </a:pPr>
             <a:r>
-              <a:t>If we omit the dependency array, our effect runs after every re-render.</a:t>
-            </a:r>
-          </a:p>
-          <a:p>
-            <a:pPr marL="698500" indent="-698500">
-              <a:buSzPct val="123000"/>
-              <a:buChar char="•"/>
-            </a:pPr>
-            <a:r>
-              <a:t>If we pass an empty array </a:t>
-            </a:r>
+              <a:t>To write an effect, follow these steps:</a:t>
+            </a:r>
+          </a:p>
+          <a:p>
+            <a:pPr lvl="1" marL="1907645" indent="-1018645">
+              <a:buSzPct val="100000"/>
+              <a:buAutoNum type="arabicPeriod" startAt="1"/>
+            </a:pPr>
             <a:r>
               <a:rPr>
                 <a:latin typeface="Courier New"/>
@@ -5449,26 +7701,19 @@
                 <a:cs typeface="Courier New"/>
                 <a:sym typeface="Courier New"/>
               </a:rPr>
-              <a:t>[]</a:t>
-            </a:r>
-            <a:r>
-              <a:t>, our effect runs only </a:t>
-            </a:r>
-            <a:r>
-              <a:rPr b="1"/>
-              <a:t>on mount</a:t>
+              <a:t>import { useEffect } from ‘react’</a:t>
             </a:r>
             <a:r>
               <a:t>.</a:t>
             </a:r>
           </a:p>
           <a:p>
-            <a:pPr marL="698500" indent="-698500">
-              <a:buSzPct val="123000"/>
-              <a:buChar char="•"/>
-            </a:pPr>
-            <a:r>
-              <a:t>If we pass a non-empty array </a:t>
+            <a:pPr lvl="1" marL="1907645" indent="-1018645">
+              <a:buSzPct val="100000"/>
+              <a:buAutoNum type="arabicPeriod" startAt="1"/>
+            </a:pPr>
+            <a:r>
+              <a:t>Invoke </a:t>
             </a:r>
             <a:r>
               <a:rPr>
@@ -5477,88 +7722,49 @@
                 <a:cs typeface="Courier New"/>
                 <a:sym typeface="Courier New"/>
               </a:rPr>
-              <a:t>[a, b]</a:t>
-            </a:r>
-            <a:r>
-              <a:t>, our effect runs </a:t>
+              <a:t>useEffect()</a:t>
+            </a:r>
+            <a:r>
+              <a:t> with either </a:t>
             </a:r>
             <a:r>
               <a:rPr u="sng"/>
-              <a:t>on mount and whenever </a:t>
-            </a:r>
-            <a:r>
-              <a:rPr u="sng">
-                <a:latin typeface="Courier New"/>
-                <a:ea typeface="Courier New"/>
-                <a:cs typeface="Courier New"/>
-                <a:sym typeface="Courier New"/>
-              </a:rPr>
-              <a:t>a</a:t>
+              <a:t>one or two parameters</a:t>
+            </a:r>
+            <a:r>
+              <a:t>.</a:t>
+            </a:r>
+          </a:p>
+          <a:p>
+            <a:pPr lvl="2" marL="2796645" indent="-1018645">
+              <a:buSzPct val="100000"/>
+              <a:buAutoNum type="alphaUcPeriod" startAt="1"/>
+            </a:pPr>
+            <a:r>
+              <a:t>The first parameter should be </a:t>
             </a:r>
             <a:r>
               <a:rPr u="sng"/>
-              <a:t> or </a:t>
-            </a:r>
-            <a:r>
-              <a:rPr u="sng">
-                <a:latin typeface="Courier New"/>
-                <a:ea typeface="Courier New"/>
-                <a:cs typeface="Courier New"/>
-                <a:sym typeface="Courier New"/>
-              </a:rPr>
-              <a:t>b</a:t>
+              <a:t>a function that runs effects</a:t>
+            </a:r>
+            <a:r>
+              <a:t>.</a:t>
+            </a:r>
+          </a:p>
+          <a:p>
+            <a:pPr lvl="2" marL="2796645" indent="-1018645">
+              <a:buSzPct val="100000"/>
+              <a:buAutoNum type="alphaUcPeriod" startAt="1"/>
+            </a:pPr>
+            <a:r>
+              <a:t>The second parameter, if any, should be </a:t>
             </a:r>
             <a:r>
               <a:rPr u="sng"/>
-              <a:t> change</a:t>
+              <a:t>an array of the effect’s dependencies</a:t>
             </a:r>
             <a:r>
               <a:t>.</a:t>
-            </a:r>
-          </a:p>
-          <a:p>
-            <a:pPr marL="698500" indent="-698500">
-              <a:buSzPct val="123000"/>
-              <a:buChar char="•"/>
-            </a:pPr>
-            <a:r>
-              <a:t>Can we make any variable a dependency?</a:t>
-            </a:r>
-          </a:p>
-          <a:p>
-            <a:pPr lvl="1" marL="1308100" indent="-698500">
-              <a:buSzPct val="123000"/>
-              <a:buChar char="•"/>
-            </a:pPr>
-            <a:r>
-              <a:rPr u="sng"/>
-              <a:t>Only props and state</a:t>
-            </a:r>
-            <a:r>
-              <a:t> make sense as dependencies, because </a:t>
-            </a:r>
-            <a:r>
-              <a:rPr u="sng"/>
-              <a:t>only they can change between renders</a:t>
-            </a:r>
-            <a:r>
-              <a:t>.</a:t>
-            </a:r>
-          </a:p>
-          <a:p>
-            <a:pPr lvl="1" marL="1308100" indent="-698500">
-              <a:buSzPct val="123000"/>
-              <a:buChar char="•"/>
-            </a:pPr>
-            <a:r>
-              <a:t>More specifically, your dependencies should be </a:t>
-            </a:r>
-            <a:r>
-              <a:rPr u="sng"/>
-              <a:t>any and all props and/or state referenced</a:t>
-            </a:r>
-            <a:r>
-              <a:t> by your effect.</a:t>
             </a:r>
           </a:p>
         </p:txBody>
@@ -5591,7 +7797,7 @@
       </p:grpSpPr>
       <p:sp>
         <p:nvSpPr>
-          <p:cNvPr id="206" name="Fetching Data in React: An Example"/>
+          <p:cNvPr id="223" name="Writing an Effect in React"/>
           <p:cNvSpPr txBox="1"/>
           <p:nvPr>
             <p:ph type="title"/>
@@ -5608,14 +7814,14 @@
           <a:p>
             <a:pPr/>
             <a:r>
-              <a:t>Fetching Data in React: An Example</a:t>
+              <a:t>Writing an Effect in React</a:t>
             </a:r>
           </a:p>
         </p:txBody>
       </p:sp>
       <p:sp>
         <p:nvSpPr>
-          <p:cNvPr id="207" name="export default function Museum() {…"/>
+          <p:cNvPr id="224" name="import { useEffect } from ‘react’;…"/>
           <p:cNvSpPr txBox="1"/>
           <p:nvPr>
             <p:ph type="body" idx="1"/>
@@ -5634,8 +7840,11 @@
           <a:bodyPr/>
           <a:lstStyle/>
           <a:p>
-            <a:pPr>
-              <a:defRPr>
+            <a:pPr defTabSz="726440">
+              <a:spcBef>
+                <a:spcPts val="1500"/>
+              </a:spcBef>
+              <a:defRPr spc="-48" sz="4840">
                 <a:latin typeface="Courier New"/>
                 <a:ea typeface="Courier New"/>
                 <a:cs typeface="Courier New"/>
@@ -5643,36 +7852,93 @@
               </a:defRPr>
             </a:pPr>
             <a:r>
-              <a:t>export default function </a:t>
-            </a:r>
-            <a:r>
-              <a:rPr>
-                <a:solidFill>
-                  <a:schemeClr val="accent5">
-                    <a:hueOff val="-82419"/>
-                    <a:satOff val="-9513"/>
-                    <a:lumOff val="-16343"/>
-                  </a:schemeClr>
-                </a:solidFill>
-              </a:rPr>
-              <a:t>Museum</a:t>
-            </a:r>
-            <a:r>
-              <a:t>() {</a:t>
-            </a:r>
-          </a:p>
-          <a:p>
-            <a:pPr lvl="1">
-              <a:defRPr>
+              <a:t>import { </a:t>
+            </a:r>
+            <a:r>
+              <a:rPr>
+                <a:solidFill>
+                  <a:schemeClr val="accent2">
+                    <a:hueOff val="-202083"/>
+                    <a:satOff val="17755"/>
+                    <a:lumOff val="-16089"/>
+                  </a:schemeClr>
+                </a:solidFill>
+              </a:rPr>
+              <a:t>useEffect</a:t>
+            </a:r>
+            <a:r>
+              <a:t> } from ‘react’;</a:t>
+            </a:r>
+          </a:p>
+          <a:p>
+            <a:pPr defTabSz="726440">
+              <a:spcBef>
+                <a:spcPts val="1500"/>
+              </a:spcBef>
+              <a:defRPr spc="-48" sz="4840">
                 <a:latin typeface="Courier New"/>
                 <a:ea typeface="Courier New"/>
                 <a:cs typeface="Courier New"/>
                 <a:sym typeface="Courier New"/>
               </a:defRPr>
             </a:pPr>
-            <a:r>
-              <a:t>const [</a:t>
-            </a:r>
+          </a:p>
+          <a:p>
+            <a:pPr defTabSz="726440">
+              <a:spcBef>
+                <a:spcPts val="1500"/>
+              </a:spcBef>
+              <a:defRPr spc="-48" sz="4840">
+                <a:latin typeface="Courier New"/>
+                <a:ea typeface="Courier New"/>
+                <a:cs typeface="Courier New"/>
+                <a:sym typeface="Courier New"/>
+              </a:defRPr>
+            </a:pPr>
+            <a:r>
+              <a:t>export default function </a:t>
+            </a:r>
+            <a:r>
+              <a:rPr>
+                <a:solidFill>
+                  <a:schemeClr val="accent3">
+                    <a:hueOff val="362282"/>
+                    <a:satOff val="31803"/>
+                    <a:lumOff val="-18242"/>
+                  </a:schemeClr>
+                </a:solidFill>
+              </a:rPr>
+              <a:t>Component</a:t>
+            </a:r>
+            <a:r>
+              <a:t>() {</a:t>
+            </a:r>
+          </a:p>
+          <a:p>
+            <a:pPr defTabSz="726440">
+              <a:spcBef>
+                <a:spcPts val="1500"/>
+              </a:spcBef>
+              <a:defRPr spc="-48" sz="4840">
+                <a:latin typeface="Courier New"/>
+                <a:ea typeface="Courier New"/>
+                <a:cs typeface="Courier New"/>
+                <a:sym typeface="Courier New"/>
+              </a:defRPr>
+            </a:pPr>
+          </a:p>
+          <a:p>
+            <a:pPr lvl="1" indent="402336" defTabSz="726440">
+              <a:spcBef>
+                <a:spcPts val="1500"/>
+              </a:spcBef>
+              <a:defRPr spc="-48" sz="4840">
+                <a:latin typeface="Courier New"/>
+                <a:ea typeface="Courier New"/>
+                <a:cs typeface="Courier New"/>
+                <a:sym typeface="Courier New"/>
+              </a:defRPr>
+            </a:pPr>
             <a:r>
               <a:rPr>
                 <a:solidFill>
@@ -5683,13 +7949,18 @@
                   </a:schemeClr>
                 </a:solidFill>
               </a:rPr>
-              <a:t>galleries</a:t>
-            </a:r>
-            <a:r>
-              <a:t>, </a:t>
-            </a:r>
-            <a:r>
-              <a:rPr>
+              <a:t>useEffect</a:t>
+            </a:r>
+            <a:r>
+              <a:t>(() =&gt; {</a:t>
+            </a:r>
+          </a:p>
+          <a:p>
+            <a:pPr lvl="2" indent="804672" defTabSz="726440">
+              <a:spcBef>
+                <a:spcPts val="1500"/>
+              </a:spcBef>
+              <a:defRPr spc="-48" sz="4840">
                 <a:solidFill>
                   <a:schemeClr val="accent2">
                     <a:hueOff val="-202083"/>
@@ -5697,11 +7968,30 @@
                     <a:lumOff val="-16089"/>
                   </a:schemeClr>
                 </a:solidFill>
-              </a:rPr>
-              <a:t>setGalleries</a:t>
-            </a:r>
-            <a:r>
-              <a:t>] = </a:t>
+                <a:latin typeface="Courier New"/>
+                <a:ea typeface="Courier New"/>
+                <a:cs typeface="Courier New"/>
+                <a:sym typeface="Courier New"/>
+              </a:defRPr>
+            </a:pPr>
+            <a:r>
+              <a:t>/* Write your effect(s) here */</a:t>
+            </a:r>
+          </a:p>
+          <a:p>
+            <a:pPr lvl="1" indent="402336" defTabSz="726440">
+              <a:spcBef>
+                <a:spcPts val="1500"/>
+              </a:spcBef>
+              <a:defRPr spc="-48" sz="4840">
+                <a:latin typeface="Courier New"/>
+                <a:ea typeface="Courier New"/>
+                <a:cs typeface="Courier New"/>
+                <a:sym typeface="Courier New"/>
+              </a:defRPr>
+            </a:pPr>
+            <a:r>
+              <a:t>}), </a:t>
             </a:r>
             <a:r>
               <a:rPr>
@@ -5713,35 +8003,31 @@
                   </a:schemeClr>
                 </a:solidFill>
               </a:rPr>
-              <a:t>useState</a:t>
-            </a:r>
-            <a:r>
-              <a:t>([]);</a:t>
-            </a:r>
-          </a:p>
-          <a:p>
-            <a:pPr lvl="1">
-              <a:defRPr>
+              <a:t>dependencies</a:t>
+            </a:r>
+            <a:r>
+              <a:t>);</a:t>
+            </a:r>
+          </a:p>
+          <a:p>
+            <a:pPr lvl="1" indent="402336" defTabSz="726440">
+              <a:spcBef>
+                <a:spcPts val="1500"/>
+              </a:spcBef>
+              <a:defRPr spc="-48" sz="4840">
                 <a:latin typeface="Courier New"/>
                 <a:ea typeface="Courier New"/>
                 <a:cs typeface="Courier New"/>
                 <a:sym typeface="Courier New"/>
               </a:defRPr>
             </a:pPr>
-            <a:r>
-              <a:t>useEffect(</a:t>
-            </a:r>
-            <a:r>
-              <a:rPr b="1"/>
-              <a:t>/* What goes here? */</a:t>
-            </a:r>
-            <a:r>
-              <a:t>);</a:t>
-            </a:r>
-          </a:p>
-          <a:p>
-            <a:pPr lvl="1">
-              <a:defRPr>
+          </a:p>
+          <a:p>
+            <a:pPr lvl="1" indent="402336" defTabSz="726440">
+              <a:spcBef>
+                <a:spcPts val="1500"/>
+              </a:spcBef>
+              <a:defRPr spc="-48" sz="4840">
                 <a:latin typeface="Courier New"/>
                 <a:ea typeface="Courier New"/>
                 <a:cs typeface="Courier New"/>
@@ -5749,12 +8035,10 @@
               </a:defRPr>
             </a:pPr>
             <a:r>
-              <a:t>return (</a:t>
-            </a:r>
-          </a:p>
-          <a:p>
-            <a:pPr lvl="2">
-              <a:defRPr>
+              <a:t>return </a:t>
+            </a:r>
+            <a:r>
+              <a:rPr>
                 <a:solidFill>
                   <a:schemeClr val="accent3">
                     <a:hueOff val="362282"/>
@@ -5762,32 +8046,19 @@
                     <a:lumOff val="-18242"/>
                   </a:schemeClr>
                 </a:solidFill>
-                <a:latin typeface="Courier New"/>
-                <a:ea typeface="Courier New"/>
-                <a:cs typeface="Courier New"/>
-                <a:sym typeface="Courier New"/>
-              </a:defRPr>
-            </a:pPr>
-            <a:r>
-              <a:t>&lt;&gt;{galleries.map(gallery =&gt; &lt;Gallery […]/&gt;)}&lt;/&gt;</a:t>
-            </a:r>
-          </a:p>
-          <a:p>
-            <a:pPr lvl="1">
-              <a:defRPr>
-                <a:latin typeface="Courier New"/>
-                <a:ea typeface="Courier New"/>
-                <a:cs typeface="Courier New"/>
-                <a:sym typeface="Courier New"/>
-              </a:defRPr>
-            </a:pPr>
-            <a:r>
-              <a:t>)</a:t>
-            </a:r>
-          </a:p>
-          <a:p>
-            <a:pPr>
-              <a:defRPr>
+              </a:rPr>
+              <a:t>&lt;&gt;&lt;/&gt;</a:t>
+            </a:r>
+            <a:r>
+              <a:t>;</a:t>
+            </a:r>
+          </a:p>
+          <a:p>
+            <a:pPr defTabSz="726440">
+              <a:spcBef>
+                <a:spcPts val="1500"/>
+              </a:spcBef>
+              <a:defRPr spc="-48" sz="4840">
                 <a:latin typeface="Courier New"/>
                 <a:ea typeface="Courier New"/>
                 <a:cs typeface="Courier New"/>
@@ -5974,7 +8245,7 @@
       </p:grpSpPr>
       <p:sp>
         <p:nvSpPr>
-          <p:cNvPr id="209" name="Fetching Data in React: An Example"/>
+          <p:cNvPr id="226" name="The Dependency Array"/>
           <p:cNvSpPr txBox="1"/>
           <p:nvPr>
             <p:ph type="title"/>
@@ -5991,14 +8262,14 @@
           <a:p>
             <a:pPr/>
             <a:r>
-              <a:t>Fetching Data in React: An Example</a:t>
+              <a:t>The Dependency Array</a:t>
             </a:r>
           </a:p>
         </p:txBody>
       </p:sp>
       <p:sp>
         <p:nvSpPr>
-          <p:cNvPr id="210" name="export default function Museum() {…"/>
+          <p:cNvPr id="227" name="An effect’s dependencies dictate when that effect will run.…"/>
           <p:cNvSpPr txBox="1"/>
           <p:nvPr>
             <p:ph type="body" idx="1"/>
@@ -6017,271 +8288,147 @@
           <a:bodyPr/>
           <a:lstStyle/>
           <a:p>
-            <a:pPr defTabSz="792479">
-              <a:spcBef>
-                <a:spcPts val="1700"/>
-              </a:spcBef>
-              <a:defRPr spc="-52" sz="5280">
+            <a:pPr marL="698500" indent="-698500">
+              <a:buSzPct val="123000"/>
+              <a:buChar char="•"/>
+            </a:pPr>
+            <a:r>
+              <a:t>An effect’s </a:t>
+            </a:r>
+            <a:r>
+              <a:rPr>
                 <a:latin typeface="Courier New"/>
                 <a:ea typeface="Courier New"/>
                 <a:cs typeface="Courier New"/>
                 <a:sym typeface="Courier New"/>
-              </a:defRPr>
-            </a:pPr>
-            <a:r>
-              <a:t>export default function </a:t>
-            </a:r>
-            <a:r>
-              <a:rPr>
-                <a:solidFill>
-                  <a:schemeClr val="accent5">
-                    <a:hueOff val="-82419"/>
-                    <a:satOff val="-9513"/>
-                    <a:lumOff val="-16343"/>
-                  </a:schemeClr>
-                </a:solidFill>
-              </a:rPr>
-              <a:t>Museum</a:t>
-            </a:r>
-            <a:r>
-              <a:t>() {</a:t>
-            </a:r>
-          </a:p>
-          <a:p>
-            <a:pPr lvl="1" indent="438911" defTabSz="792479">
-              <a:spcBef>
-                <a:spcPts val="1700"/>
-              </a:spcBef>
-              <a:defRPr spc="-52" sz="5280">
+              </a:rPr>
+              <a:t>dependencies</a:t>
+            </a:r>
+            <a:r>
+              <a:t> dictate </a:t>
+            </a:r>
+            <a:r>
+              <a:rPr u="sng"/>
+              <a:t>when that effect will run</a:t>
+            </a:r>
+            <a:r>
+              <a:t>.</a:t>
+            </a:r>
+          </a:p>
+          <a:p>
+            <a:pPr marL="698500" indent="-698500">
+              <a:buSzPct val="123000"/>
+              <a:buChar char="•"/>
+            </a:pPr>
+            <a:r>
+              <a:t>More specifically, the dependency array lets us choose </a:t>
+            </a:r>
+            <a:r>
+              <a:rPr u="sng"/>
+              <a:t>which of a component’s renders</a:t>
+            </a:r>
+            <a:r>
+              <a:t> will trigger the execution of an effect.</a:t>
+            </a:r>
+          </a:p>
+          <a:p>
+            <a:pPr marL="698500" indent="-698500">
+              <a:buSzPct val="123000"/>
+              <a:buChar char="•"/>
+            </a:pPr>
+            <a:r>
+              <a:t>If we omit the dependency array, our effect runs after every re-render.</a:t>
+            </a:r>
+          </a:p>
+          <a:p>
+            <a:pPr marL="698500" indent="-698500">
+              <a:buSzPct val="123000"/>
+              <a:buChar char="•"/>
+            </a:pPr>
+            <a:r>
+              <a:t>If we pass an empty array </a:t>
+            </a:r>
+            <a:r>
+              <a:rPr>
                 <a:latin typeface="Courier New"/>
                 <a:ea typeface="Courier New"/>
                 <a:cs typeface="Courier New"/>
                 <a:sym typeface="Courier New"/>
-              </a:defRPr>
-            </a:pPr>
-            <a:r>
-              <a:t>const [</a:t>
-            </a:r>
-            <a:r>
-              <a:rPr>
-                <a:solidFill>
-                  <a:schemeClr val="accent2">
-                    <a:hueOff val="-202083"/>
-                    <a:satOff val="17755"/>
-                    <a:lumOff val="-16089"/>
-                  </a:schemeClr>
-                </a:solidFill>
-              </a:rPr>
-              <a:t>galleries</a:t>
-            </a:r>
-            <a:r>
-              <a:t>, </a:t>
-            </a:r>
-            <a:r>
-              <a:rPr>
-                <a:solidFill>
-                  <a:schemeClr val="accent2">
-                    <a:hueOff val="-202083"/>
-                    <a:satOff val="17755"/>
-                    <a:lumOff val="-16089"/>
-                  </a:schemeClr>
-                </a:solidFill>
-              </a:rPr>
-              <a:t>setGalleries</a:t>
-            </a:r>
-            <a:r>
-              <a:t>] = </a:t>
-            </a:r>
-            <a:r>
-              <a:rPr>
-                <a:solidFill>
-                  <a:schemeClr val="accent2">
-                    <a:hueOff val="-202083"/>
-                    <a:satOff val="17755"/>
-                    <a:lumOff val="-16089"/>
-                  </a:schemeClr>
-                </a:solidFill>
-              </a:rPr>
-              <a:t>useState</a:t>
-            </a:r>
-            <a:r>
-              <a:t>([]);</a:t>
-            </a:r>
-          </a:p>
-          <a:p>
-            <a:pPr lvl="1" indent="438911" defTabSz="792479">
-              <a:spcBef>
-                <a:spcPts val="1700"/>
-              </a:spcBef>
-              <a:defRPr spc="-52" sz="5280">
+              </a:rPr>
+              <a:t>[]</a:t>
+            </a:r>
+            <a:r>
+              <a:t>, our effect runs only </a:t>
+            </a:r>
+            <a:r>
+              <a:rPr b="1"/>
+              <a:t>on mount</a:t>
+            </a:r>
+            <a:r>
+              <a:t>.</a:t>
+            </a:r>
+          </a:p>
+          <a:p>
+            <a:pPr marL="698500" indent="-698500">
+              <a:buSzPct val="123000"/>
+              <a:buChar char="•"/>
+            </a:pPr>
+            <a:r>
+              <a:t>If we pass a non-empty array </a:t>
+            </a:r>
+            <a:r>
+              <a:rPr>
                 <a:latin typeface="Courier New"/>
                 <a:ea typeface="Courier New"/>
                 <a:cs typeface="Courier New"/>
                 <a:sym typeface="Courier New"/>
-              </a:defRPr>
-            </a:pPr>
-            <a:r>
-              <a:rPr>
-                <a:solidFill>
-                  <a:schemeClr val="accent4">
-                    <a:hueOff val="-476017"/>
-                    <a:lumOff val="-10042"/>
-                  </a:schemeClr>
-                </a:solidFill>
-              </a:rPr>
-              <a:t>useEffect</a:t>
-            </a:r>
-            <a:r>
-              <a:t>(() =&gt;</a:t>
-            </a:r>
-          </a:p>
-          <a:p>
-            <a:pPr lvl="2" indent="877823" defTabSz="792479">
-              <a:spcBef>
-                <a:spcPts val="1700"/>
-              </a:spcBef>
-              <a:defRPr spc="-52" sz="5280">
-                <a:solidFill>
-                  <a:schemeClr val="accent4">
-                    <a:hueOff val="-476017"/>
-                    <a:lumOff val="-10042"/>
-                  </a:schemeClr>
-                </a:solidFill>
+              </a:rPr>
+              <a:t>[a, b]</a:t>
+            </a:r>
+            <a:r>
+              <a:t>, our effect runs </a:t>
+            </a:r>
+            <a:r>
+              <a:rPr u="sng"/>
+              <a:t>on mount and whenever </a:t>
+            </a:r>
+            <a:r>
+              <a:rPr u="sng">
                 <a:latin typeface="Courier New"/>
                 <a:ea typeface="Courier New"/>
                 <a:cs typeface="Courier New"/>
                 <a:sym typeface="Courier New"/>
-              </a:defRPr>
-            </a:pPr>
-            <a:r>
-              <a:t>fetch(“http://museum.com/galleries”)</a:t>
-            </a:r>
-          </a:p>
-          <a:p>
-            <a:pPr lvl="3" indent="1316736" defTabSz="792479">
-              <a:spcBef>
-                <a:spcPts val="1700"/>
-              </a:spcBef>
-              <a:defRPr spc="-52" sz="5280">
-                <a:solidFill>
-                  <a:schemeClr val="accent4">
-                    <a:hueOff val="-476017"/>
-                    <a:lumOff val="-10042"/>
-                  </a:schemeClr>
-                </a:solidFill>
+              </a:rPr>
+              <a:t>a</a:t>
+            </a:r>
+            <a:r>
+              <a:rPr u="sng"/>
+              <a:t> or </a:t>
+            </a:r>
+            <a:r>
+              <a:rPr u="sng">
                 <a:latin typeface="Courier New"/>
                 <a:ea typeface="Courier New"/>
                 <a:cs typeface="Courier New"/>
                 <a:sym typeface="Courier New"/>
-              </a:defRPr>
-            </a:pPr>
-            <a:r>
-              <a:t>.then(response =&gt; response.json())</a:t>
-            </a:r>
-          </a:p>
-          <a:p>
-            <a:pPr lvl="3" indent="1316736" defTabSz="792479">
-              <a:spcBef>
-                <a:spcPts val="1700"/>
-              </a:spcBef>
-              <a:defRPr spc="-52" sz="5280">
-                <a:solidFill>
-                  <a:schemeClr val="accent4">
-                    <a:hueOff val="-476017"/>
-                    <a:lumOff val="-10042"/>
-                  </a:schemeClr>
-                </a:solidFill>
-                <a:latin typeface="Courier New"/>
-                <a:ea typeface="Courier New"/>
-                <a:cs typeface="Courier New"/>
-                <a:sym typeface="Courier New"/>
-              </a:defRPr>
-            </a:pPr>
-            <a:r>
-              <a:t>.then(data =&gt; setGalleries(data))</a:t>
-            </a:r>
-          </a:p>
-          <a:p>
-            <a:pPr lvl="1" indent="438911" defTabSz="792479">
-              <a:spcBef>
-                <a:spcPts val="1700"/>
-              </a:spcBef>
-              <a:defRPr spc="-52" sz="5280">
-                <a:latin typeface="Courier New"/>
-                <a:ea typeface="Courier New"/>
-                <a:cs typeface="Courier New"/>
-                <a:sym typeface="Courier New"/>
-              </a:defRPr>
-            </a:pPr>
-            <a:r>
-              <a:t>), </a:t>
-            </a:r>
-            <a:r>
-              <a:rPr>
-                <a:solidFill>
-                  <a:schemeClr val="accent4">
-                    <a:hueOff val="-476017"/>
-                    <a:lumOff val="-10042"/>
-                  </a:schemeClr>
-                </a:solidFill>
-              </a:rPr>
-              <a:t>[]</a:t>
-            </a:r>
-            <a:r>
-              <a:t>);</a:t>
-            </a:r>
-          </a:p>
-          <a:p>
-            <a:pPr lvl="1" indent="438911" defTabSz="792479">
-              <a:spcBef>
-                <a:spcPts val="1700"/>
-              </a:spcBef>
-              <a:defRPr spc="-52" sz="5280">
-                <a:latin typeface="Courier New"/>
-                <a:ea typeface="Courier New"/>
-                <a:cs typeface="Courier New"/>
-                <a:sym typeface="Courier New"/>
-              </a:defRPr>
-            </a:pPr>
-            <a:r>
-              <a:t>return </a:t>
-            </a:r>
-            <a:r>
-              <a:rPr>
-                <a:solidFill>
-                  <a:schemeClr val="accent3">
-                    <a:hueOff val="362282"/>
-                    <a:satOff val="31803"/>
-                    <a:lumOff val="-18242"/>
-                  </a:schemeClr>
-                </a:solidFill>
-              </a:rPr>
-              <a:t>&lt;&gt;{galleries.map(gallery =&gt; &lt;Gallery […]/&gt;)}&lt;/&gt;</a:t>
-            </a:r>
-            <a:endParaRPr>
-              <a:solidFill>
-                <a:schemeClr val="accent3">
-                  <a:hueOff val="362282"/>
-                  <a:satOff val="31803"/>
-                  <a:lumOff val="-18242"/>
-                </a:schemeClr>
-              </a:solidFill>
-            </a:endParaRPr>
-          </a:p>
-          <a:p>
-            <a:pPr defTabSz="792479">
-              <a:spcBef>
-                <a:spcPts val="1700"/>
-              </a:spcBef>
-              <a:defRPr spc="-52" sz="5280">
-                <a:latin typeface="Courier New"/>
-                <a:ea typeface="Courier New"/>
-                <a:cs typeface="Courier New"/>
-                <a:sym typeface="Courier New"/>
-              </a:defRPr>
-            </a:pPr>
-            <a:r>
-              <a:t>}</a:t>
+              </a:rPr>
+              <a:t>b</a:t>
+            </a:r>
+            <a:r>
+              <a:rPr u="sng"/>
+              <a:t> change</a:t>
+            </a:r>
+            <a:r>
+              <a:t>.</a:t>
+            </a:r>
+          </a:p>
+          <a:p>
+            <a:pPr marL="698500" indent="-698500">
+              <a:buSzPct val="123000"/>
+              <a:buChar char="•"/>
+            </a:pPr>
+            <a:r>
+              <a:t>Can we make any variable a dependency? 🤔</a:t>
             </a:r>
           </a:p>
         </p:txBody>
@@ -6314,7 +8461,797 @@
       </p:grpSpPr>
       <p:sp>
         <p:nvSpPr>
-          <p:cNvPr id="212" name="The “Effect” of an Effect’s Dependency Array"/>
+          <p:cNvPr id="229" name="The Dependency Array"/>
+          <p:cNvSpPr txBox="1"/>
+          <p:nvPr>
+            <p:ph type="title"/>
+          </p:nvPr>
+        </p:nvSpPr>
+        <p:spPr>
+          <a:prstGeom prst="rect">
+            <a:avLst/>
+          </a:prstGeom>
+        </p:spPr>
+        <p:txBody>
+          <a:bodyPr/>
+          <a:lstStyle/>
+          <a:p>
+            <a:pPr/>
+            <a:r>
+              <a:t>The Dependency Array</a:t>
+            </a:r>
+          </a:p>
+        </p:txBody>
+      </p:sp>
+      <p:sp>
+        <p:nvSpPr>
+          <p:cNvPr id="230" name="If we omit the dependency array, our effect runs after every re-render.…"/>
+          <p:cNvSpPr txBox="1"/>
+          <p:nvPr>
+            <p:ph type="body" idx="1"/>
+          </p:nvPr>
+        </p:nvSpPr>
+        <p:spPr>
+          <a:xfrm>
+            <a:off x="1206500" y="3513134"/>
+            <a:ext cx="21971000" cy="9016782"/>
+          </a:xfrm>
+          <a:prstGeom prst="rect">
+            <a:avLst/>
+          </a:prstGeom>
+        </p:spPr>
+        <p:txBody>
+          <a:bodyPr/>
+          <a:lstStyle/>
+          <a:p>
+            <a:pPr marL="698500" indent="-698500">
+              <a:buSzPct val="123000"/>
+              <a:buChar char="•"/>
+            </a:pPr>
+            <a:r>
+              <a:t>If we omit the dependency array, our effect runs after every re-render.</a:t>
+            </a:r>
+          </a:p>
+          <a:p>
+            <a:pPr marL="698500" indent="-698500">
+              <a:buSzPct val="123000"/>
+              <a:buChar char="•"/>
+            </a:pPr>
+            <a:r>
+              <a:t>If we pass an empty array </a:t>
+            </a:r>
+            <a:r>
+              <a:rPr>
+                <a:latin typeface="Courier New"/>
+                <a:ea typeface="Courier New"/>
+                <a:cs typeface="Courier New"/>
+                <a:sym typeface="Courier New"/>
+              </a:rPr>
+              <a:t>[]</a:t>
+            </a:r>
+            <a:r>
+              <a:t>, our effect runs only </a:t>
+            </a:r>
+            <a:r>
+              <a:rPr b="1"/>
+              <a:t>on mount</a:t>
+            </a:r>
+            <a:r>
+              <a:t>.</a:t>
+            </a:r>
+          </a:p>
+          <a:p>
+            <a:pPr marL="698500" indent="-698500">
+              <a:buSzPct val="123000"/>
+              <a:buChar char="•"/>
+            </a:pPr>
+            <a:r>
+              <a:t>If we pass a non-empty array </a:t>
+            </a:r>
+            <a:r>
+              <a:rPr>
+                <a:latin typeface="Courier New"/>
+                <a:ea typeface="Courier New"/>
+                <a:cs typeface="Courier New"/>
+                <a:sym typeface="Courier New"/>
+              </a:rPr>
+              <a:t>[a, b]</a:t>
+            </a:r>
+            <a:r>
+              <a:t>, our effect runs </a:t>
+            </a:r>
+            <a:r>
+              <a:rPr u="sng"/>
+              <a:t>on mount and whenever </a:t>
+            </a:r>
+            <a:r>
+              <a:rPr u="sng">
+                <a:latin typeface="Courier New"/>
+                <a:ea typeface="Courier New"/>
+                <a:cs typeface="Courier New"/>
+                <a:sym typeface="Courier New"/>
+              </a:rPr>
+              <a:t>a</a:t>
+            </a:r>
+            <a:r>
+              <a:rPr u="sng"/>
+              <a:t> or </a:t>
+            </a:r>
+            <a:r>
+              <a:rPr u="sng">
+                <a:latin typeface="Courier New"/>
+                <a:ea typeface="Courier New"/>
+                <a:cs typeface="Courier New"/>
+                <a:sym typeface="Courier New"/>
+              </a:rPr>
+              <a:t>b</a:t>
+            </a:r>
+            <a:r>
+              <a:rPr u="sng"/>
+              <a:t> change</a:t>
+            </a:r>
+            <a:r>
+              <a:t>.</a:t>
+            </a:r>
+          </a:p>
+          <a:p>
+            <a:pPr marL="698500" indent="-698500">
+              <a:buSzPct val="123000"/>
+              <a:buChar char="•"/>
+            </a:pPr>
+            <a:r>
+              <a:t>Can we make any variable a dependency?</a:t>
+            </a:r>
+          </a:p>
+          <a:p>
+            <a:pPr lvl="1" marL="1308100" indent="-698500">
+              <a:buSzPct val="123000"/>
+              <a:buChar char="•"/>
+            </a:pPr>
+            <a:r>
+              <a:rPr u="sng"/>
+              <a:t>Only props and state</a:t>
+            </a:r>
+            <a:r>
+              <a:t> make sense as dependencies, because </a:t>
+            </a:r>
+            <a:r>
+              <a:rPr u="sng"/>
+              <a:t>only they can change between renders</a:t>
+            </a:r>
+            <a:r>
+              <a:t>.</a:t>
+            </a:r>
+          </a:p>
+          <a:p>
+            <a:pPr lvl="1" marL="1308100" indent="-698500">
+              <a:buSzPct val="123000"/>
+              <a:buChar char="•"/>
+            </a:pPr>
+            <a:r>
+              <a:t>More specifically, your dependencies should be </a:t>
+            </a:r>
+            <a:r>
+              <a:rPr u="sng"/>
+              <a:t>any and all props and/or state referenced</a:t>
+            </a:r>
+            <a:r>
+              <a:t> by your effect.</a:t>
+            </a:r>
+          </a:p>
+        </p:txBody>
+      </p:sp>
+    </p:spTree>
+  </p:cSld>
+  <p:clrMapOvr>
+    <a:masterClrMapping/>
+  </p:clrMapOvr>
+  <p:transition xmlns:p14="http://schemas.microsoft.com/office/powerpoint/2010/main" spd="med" advClick="1"/>
+</p:sld>
+</file>
+
+<file path=ppt/slides/slide22.xml><?xml version="1.0" encoding="utf-8"?>
+<p:sld xmlns:a="http://schemas.openxmlformats.org/drawingml/2006/main" xmlns:r="http://schemas.openxmlformats.org/officeDocument/2006/relationships" xmlns:p="http://schemas.openxmlformats.org/presentationml/2006/main" xmlns:m="http://schemas.openxmlformats.org/officeDocument/2006/math" xmlns:a14="http://schemas.microsoft.com/office/drawing/2010/main" showMasterSp="1" showMasterPhAnim="1">
+  <p:cSld>
+    <p:spTree>
+      <p:nvGrpSpPr>
+        <p:cNvPr id="1" name=""/>
+        <p:cNvGrpSpPr/>
+        <p:nvPr/>
+      </p:nvGrpSpPr>
+      <p:grpSpPr>
+        <a:xfrm>
+          <a:off x="0" y="0"/>
+          <a:ext cx="0" cy="0"/>
+          <a:chOff x="0" y="0"/>
+          <a:chExt cx="0" cy="0"/>
+        </a:xfrm>
+      </p:grpSpPr>
+      <p:sp>
+        <p:nvSpPr>
+          <p:cNvPr id="232" name="Fetching Data in React: An Example"/>
+          <p:cNvSpPr txBox="1"/>
+          <p:nvPr>
+            <p:ph type="title"/>
+          </p:nvPr>
+        </p:nvSpPr>
+        <p:spPr>
+          <a:prstGeom prst="rect">
+            <a:avLst/>
+          </a:prstGeom>
+        </p:spPr>
+        <p:txBody>
+          <a:bodyPr/>
+          <a:lstStyle/>
+          <a:p>
+            <a:pPr/>
+            <a:r>
+              <a:t>Fetching Data in React: An Example</a:t>
+            </a:r>
+          </a:p>
+        </p:txBody>
+      </p:sp>
+      <p:sp>
+        <p:nvSpPr>
+          <p:cNvPr id="233" name="export default function Museum() {…"/>
+          <p:cNvSpPr txBox="1"/>
+          <p:nvPr>
+            <p:ph type="body" idx="1"/>
+          </p:nvPr>
+        </p:nvSpPr>
+        <p:spPr>
+          <a:xfrm>
+            <a:off x="1206500" y="3513134"/>
+            <a:ext cx="21971000" cy="9016782"/>
+          </a:xfrm>
+          <a:prstGeom prst="rect">
+            <a:avLst/>
+          </a:prstGeom>
+        </p:spPr>
+        <p:txBody>
+          <a:bodyPr/>
+          <a:lstStyle/>
+          <a:p>
+            <a:pPr>
+              <a:defRPr>
+                <a:latin typeface="Courier New"/>
+                <a:ea typeface="Courier New"/>
+                <a:cs typeface="Courier New"/>
+                <a:sym typeface="Courier New"/>
+              </a:defRPr>
+            </a:pPr>
+            <a:r>
+              <a:t>export default function </a:t>
+            </a:r>
+            <a:r>
+              <a:rPr>
+                <a:solidFill>
+                  <a:schemeClr val="accent5">
+                    <a:hueOff val="-82419"/>
+                    <a:satOff val="-9513"/>
+                    <a:lumOff val="-16343"/>
+                  </a:schemeClr>
+                </a:solidFill>
+              </a:rPr>
+              <a:t>Museum</a:t>
+            </a:r>
+            <a:r>
+              <a:t>() {</a:t>
+            </a:r>
+          </a:p>
+          <a:p>
+            <a:pPr lvl="1">
+              <a:defRPr>
+                <a:latin typeface="Courier New"/>
+                <a:ea typeface="Courier New"/>
+                <a:cs typeface="Courier New"/>
+                <a:sym typeface="Courier New"/>
+              </a:defRPr>
+            </a:pPr>
+            <a:r>
+              <a:t>const [</a:t>
+            </a:r>
+            <a:r>
+              <a:rPr>
+                <a:solidFill>
+                  <a:schemeClr val="accent2">
+                    <a:hueOff val="-202083"/>
+                    <a:satOff val="17755"/>
+                    <a:lumOff val="-16089"/>
+                  </a:schemeClr>
+                </a:solidFill>
+              </a:rPr>
+              <a:t>galleries</a:t>
+            </a:r>
+            <a:r>
+              <a:t>, </a:t>
+            </a:r>
+            <a:r>
+              <a:rPr>
+                <a:solidFill>
+                  <a:schemeClr val="accent2">
+                    <a:hueOff val="-202083"/>
+                    <a:satOff val="17755"/>
+                    <a:lumOff val="-16089"/>
+                  </a:schemeClr>
+                </a:solidFill>
+              </a:rPr>
+              <a:t>setGalleries</a:t>
+            </a:r>
+            <a:r>
+              <a:t>] = </a:t>
+            </a:r>
+            <a:r>
+              <a:rPr>
+                <a:solidFill>
+                  <a:schemeClr val="accent2">
+                    <a:hueOff val="-202083"/>
+                    <a:satOff val="17755"/>
+                    <a:lumOff val="-16089"/>
+                  </a:schemeClr>
+                </a:solidFill>
+              </a:rPr>
+              <a:t>useState</a:t>
+            </a:r>
+            <a:r>
+              <a:t>([]);</a:t>
+            </a:r>
+          </a:p>
+          <a:p>
+            <a:pPr lvl="1">
+              <a:defRPr>
+                <a:latin typeface="Courier New"/>
+                <a:ea typeface="Courier New"/>
+                <a:cs typeface="Courier New"/>
+                <a:sym typeface="Courier New"/>
+              </a:defRPr>
+            </a:pPr>
+            <a:r>
+              <a:t>useEffect(</a:t>
+            </a:r>
+            <a:r>
+              <a:rPr b="1"/>
+              <a:t>/* What goes here? */</a:t>
+            </a:r>
+            <a:r>
+              <a:t>);</a:t>
+            </a:r>
+          </a:p>
+          <a:p>
+            <a:pPr lvl="1">
+              <a:defRPr>
+                <a:latin typeface="Courier New"/>
+                <a:ea typeface="Courier New"/>
+                <a:cs typeface="Courier New"/>
+                <a:sym typeface="Courier New"/>
+              </a:defRPr>
+            </a:pPr>
+            <a:r>
+              <a:t>return (</a:t>
+            </a:r>
+          </a:p>
+          <a:p>
+            <a:pPr lvl="2">
+              <a:defRPr>
+                <a:solidFill>
+                  <a:schemeClr val="accent3">
+                    <a:hueOff val="362282"/>
+                    <a:satOff val="31803"/>
+                    <a:lumOff val="-18242"/>
+                  </a:schemeClr>
+                </a:solidFill>
+                <a:latin typeface="Courier New"/>
+                <a:ea typeface="Courier New"/>
+                <a:cs typeface="Courier New"/>
+                <a:sym typeface="Courier New"/>
+              </a:defRPr>
+            </a:pPr>
+            <a:r>
+              <a:t>&lt;&gt;{galleries.map(gallery =&gt; &lt;Gallery […]/&gt;)}&lt;/&gt;</a:t>
+            </a:r>
+          </a:p>
+          <a:p>
+            <a:pPr lvl="1">
+              <a:defRPr>
+                <a:latin typeface="Courier New"/>
+                <a:ea typeface="Courier New"/>
+                <a:cs typeface="Courier New"/>
+                <a:sym typeface="Courier New"/>
+              </a:defRPr>
+            </a:pPr>
+            <a:r>
+              <a:t>)</a:t>
+            </a:r>
+          </a:p>
+          <a:p>
+            <a:pPr>
+              <a:defRPr>
+                <a:latin typeface="Courier New"/>
+                <a:ea typeface="Courier New"/>
+                <a:cs typeface="Courier New"/>
+                <a:sym typeface="Courier New"/>
+              </a:defRPr>
+            </a:pPr>
+            <a:r>
+              <a:t>}</a:t>
+            </a:r>
+          </a:p>
+        </p:txBody>
+      </p:sp>
+    </p:spTree>
+  </p:cSld>
+  <p:clrMapOvr>
+    <a:masterClrMapping/>
+  </p:clrMapOvr>
+  <p:transition xmlns:p14="http://schemas.microsoft.com/office/powerpoint/2010/main" spd="med" advClick="1"/>
+</p:sld>
+</file>
+
+<file path=ppt/slides/slide23.xml><?xml version="1.0" encoding="utf-8"?>
+<p:sld xmlns:a="http://schemas.openxmlformats.org/drawingml/2006/main" xmlns:r="http://schemas.openxmlformats.org/officeDocument/2006/relationships" xmlns:p="http://schemas.openxmlformats.org/presentationml/2006/main" xmlns:m="http://schemas.openxmlformats.org/officeDocument/2006/math" xmlns:a14="http://schemas.microsoft.com/office/drawing/2010/main" showMasterSp="1" showMasterPhAnim="1">
+  <p:cSld>
+    <p:spTree>
+      <p:nvGrpSpPr>
+        <p:cNvPr id="1" name=""/>
+        <p:cNvGrpSpPr/>
+        <p:nvPr/>
+      </p:nvGrpSpPr>
+      <p:grpSpPr>
+        <a:xfrm>
+          <a:off x="0" y="0"/>
+          <a:ext cx="0" cy="0"/>
+          <a:chOff x="0" y="0"/>
+          <a:chExt cx="0" cy="0"/>
+        </a:xfrm>
+      </p:grpSpPr>
+      <p:sp>
+        <p:nvSpPr>
+          <p:cNvPr id="235" name="Fetching Data in React: An Example"/>
+          <p:cNvSpPr txBox="1"/>
+          <p:nvPr>
+            <p:ph type="title"/>
+          </p:nvPr>
+        </p:nvSpPr>
+        <p:spPr>
+          <a:prstGeom prst="rect">
+            <a:avLst/>
+          </a:prstGeom>
+        </p:spPr>
+        <p:txBody>
+          <a:bodyPr/>
+          <a:lstStyle/>
+          <a:p>
+            <a:pPr/>
+            <a:r>
+              <a:t>Fetching Data in React: An Example</a:t>
+            </a:r>
+          </a:p>
+        </p:txBody>
+      </p:sp>
+      <p:sp>
+        <p:nvSpPr>
+          <p:cNvPr id="236" name="export default function Museum() {…"/>
+          <p:cNvSpPr txBox="1"/>
+          <p:nvPr>
+            <p:ph type="body" idx="1"/>
+          </p:nvPr>
+        </p:nvSpPr>
+        <p:spPr>
+          <a:xfrm>
+            <a:off x="1206500" y="3513134"/>
+            <a:ext cx="21971000" cy="9016782"/>
+          </a:xfrm>
+          <a:prstGeom prst="rect">
+            <a:avLst/>
+          </a:prstGeom>
+        </p:spPr>
+        <p:txBody>
+          <a:bodyPr/>
+          <a:lstStyle/>
+          <a:p>
+            <a:pPr defTabSz="792479">
+              <a:spcBef>
+                <a:spcPts val="1700"/>
+              </a:spcBef>
+              <a:defRPr spc="-52" sz="5280">
+                <a:latin typeface="Courier New"/>
+                <a:ea typeface="Courier New"/>
+                <a:cs typeface="Courier New"/>
+                <a:sym typeface="Courier New"/>
+              </a:defRPr>
+            </a:pPr>
+            <a:r>
+              <a:t>export default function </a:t>
+            </a:r>
+            <a:r>
+              <a:rPr>
+                <a:solidFill>
+                  <a:schemeClr val="accent5">
+                    <a:hueOff val="-82419"/>
+                    <a:satOff val="-9513"/>
+                    <a:lumOff val="-16343"/>
+                  </a:schemeClr>
+                </a:solidFill>
+              </a:rPr>
+              <a:t>Museum</a:t>
+            </a:r>
+            <a:r>
+              <a:t>() {</a:t>
+            </a:r>
+          </a:p>
+          <a:p>
+            <a:pPr lvl="1" indent="438911" defTabSz="792479">
+              <a:spcBef>
+                <a:spcPts val="1700"/>
+              </a:spcBef>
+              <a:defRPr spc="-52" sz="5280">
+                <a:latin typeface="Courier New"/>
+                <a:ea typeface="Courier New"/>
+                <a:cs typeface="Courier New"/>
+                <a:sym typeface="Courier New"/>
+              </a:defRPr>
+            </a:pPr>
+            <a:r>
+              <a:t>const [</a:t>
+            </a:r>
+            <a:r>
+              <a:rPr>
+                <a:solidFill>
+                  <a:schemeClr val="accent2">
+                    <a:hueOff val="-202083"/>
+                    <a:satOff val="17755"/>
+                    <a:lumOff val="-16089"/>
+                  </a:schemeClr>
+                </a:solidFill>
+              </a:rPr>
+              <a:t>galleries</a:t>
+            </a:r>
+            <a:r>
+              <a:t>, </a:t>
+            </a:r>
+            <a:r>
+              <a:rPr>
+                <a:solidFill>
+                  <a:schemeClr val="accent2">
+                    <a:hueOff val="-202083"/>
+                    <a:satOff val="17755"/>
+                    <a:lumOff val="-16089"/>
+                  </a:schemeClr>
+                </a:solidFill>
+              </a:rPr>
+              <a:t>setGalleries</a:t>
+            </a:r>
+            <a:r>
+              <a:t>] = </a:t>
+            </a:r>
+            <a:r>
+              <a:rPr>
+                <a:solidFill>
+                  <a:schemeClr val="accent2">
+                    <a:hueOff val="-202083"/>
+                    <a:satOff val="17755"/>
+                    <a:lumOff val="-16089"/>
+                  </a:schemeClr>
+                </a:solidFill>
+              </a:rPr>
+              <a:t>useState</a:t>
+            </a:r>
+            <a:r>
+              <a:t>([]);</a:t>
+            </a:r>
+          </a:p>
+          <a:p>
+            <a:pPr lvl="1" indent="438911" defTabSz="792479">
+              <a:spcBef>
+                <a:spcPts val="1700"/>
+              </a:spcBef>
+              <a:defRPr spc="-52" sz="5280">
+                <a:latin typeface="Courier New"/>
+                <a:ea typeface="Courier New"/>
+                <a:cs typeface="Courier New"/>
+                <a:sym typeface="Courier New"/>
+              </a:defRPr>
+            </a:pPr>
+            <a:r>
+              <a:rPr>
+                <a:solidFill>
+                  <a:schemeClr val="accent3">
+                    <a:hueOff val="362282"/>
+                    <a:satOff val="31803"/>
+                    <a:lumOff val="-18242"/>
+                  </a:schemeClr>
+                </a:solidFill>
+              </a:rPr>
+              <a:t>useEffect</a:t>
+            </a:r>
+            <a:r>
+              <a:t>(() =&gt;</a:t>
+            </a:r>
+          </a:p>
+          <a:p>
+            <a:pPr lvl="2" indent="877823" defTabSz="792479">
+              <a:spcBef>
+                <a:spcPts val="1700"/>
+              </a:spcBef>
+              <a:defRPr spc="-52" sz="5280">
+                <a:solidFill>
+                  <a:schemeClr val="accent3">
+                    <a:hueOff val="362282"/>
+                    <a:satOff val="31803"/>
+                    <a:lumOff val="-18242"/>
+                  </a:schemeClr>
+                </a:solidFill>
+                <a:latin typeface="Courier New"/>
+                <a:ea typeface="Courier New"/>
+                <a:cs typeface="Courier New"/>
+                <a:sym typeface="Courier New"/>
+              </a:defRPr>
+            </a:pPr>
+            <a:r>
+              <a:t>fetch(“http://museum.com/galleries”)</a:t>
+            </a:r>
+          </a:p>
+          <a:p>
+            <a:pPr lvl="3" indent="1316736" defTabSz="792479">
+              <a:spcBef>
+                <a:spcPts val="1700"/>
+              </a:spcBef>
+              <a:defRPr spc="-52" sz="5280">
+                <a:solidFill>
+                  <a:schemeClr val="accent3">
+                    <a:hueOff val="362282"/>
+                    <a:satOff val="31803"/>
+                    <a:lumOff val="-18242"/>
+                  </a:schemeClr>
+                </a:solidFill>
+                <a:latin typeface="Courier New"/>
+                <a:ea typeface="Courier New"/>
+                <a:cs typeface="Courier New"/>
+                <a:sym typeface="Courier New"/>
+              </a:defRPr>
+            </a:pPr>
+            <a:r>
+              <a:t>.then(response =&gt; response.json())</a:t>
+            </a:r>
+          </a:p>
+          <a:p>
+            <a:pPr lvl="3" indent="1316736" defTabSz="792479">
+              <a:spcBef>
+                <a:spcPts val="1700"/>
+              </a:spcBef>
+              <a:defRPr spc="-52" sz="5280">
+                <a:solidFill>
+                  <a:schemeClr val="accent3">
+                    <a:hueOff val="362282"/>
+                    <a:satOff val="31803"/>
+                    <a:lumOff val="-18242"/>
+                  </a:schemeClr>
+                </a:solidFill>
+                <a:latin typeface="Courier New"/>
+                <a:ea typeface="Courier New"/>
+                <a:cs typeface="Courier New"/>
+                <a:sym typeface="Courier New"/>
+              </a:defRPr>
+            </a:pPr>
+            <a:r>
+              <a:t>.then(data =&gt; setGalleries(data))</a:t>
+            </a:r>
+          </a:p>
+          <a:p>
+            <a:pPr lvl="1" indent="438911" defTabSz="792479">
+              <a:spcBef>
+                <a:spcPts val="1700"/>
+              </a:spcBef>
+              <a:defRPr spc="-52" sz="5280">
+                <a:latin typeface="Courier New"/>
+                <a:ea typeface="Courier New"/>
+                <a:cs typeface="Courier New"/>
+                <a:sym typeface="Courier New"/>
+              </a:defRPr>
+            </a:pPr>
+            <a:r>
+              <a:t>), </a:t>
+            </a:r>
+            <a:r>
+              <a:rPr>
+                <a:solidFill>
+                  <a:schemeClr val="accent3">
+                    <a:hueOff val="362282"/>
+                    <a:satOff val="31803"/>
+                    <a:lumOff val="-18242"/>
+                  </a:schemeClr>
+                </a:solidFill>
+              </a:rPr>
+              <a:t>[]</a:t>
+            </a:r>
+            <a:r>
+              <a:t>);</a:t>
+            </a:r>
+          </a:p>
+          <a:p>
+            <a:pPr lvl="1" indent="438911" defTabSz="792479">
+              <a:spcBef>
+                <a:spcPts val="1700"/>
+              </a:spcBef>
+              <a:defRPr spc="-52" sz="5280">
+                <a:latin typeface="Courier New"/>
+                <a:ea typeface="Courier New"/>
+                <a:cs typeface="Courier New"/>
+                <a:sym typeface="Courier New"/>
+              </a:defRPr>
+            </a:pPr>
+            <a:r>
+              <a:t>return </a:t>
+            </a:r>
+            <a:r>
+              <a:rPr>
+                <a:solidFill>
+                  <a:schemeClr val="accent3">
+                    <a:hueOff val="362282"/>
+                    <a:satOff val="31803"/>
+                    <a:lumOff val="-18242"/>
+                  </a:schemeClr>
+                </a:solidFill>
+              </a:rPr>
+              <a:t>&lt;&gt;{galleries.map(gallery =&gt; &lt;Gallery […]/&gt;)}&lt;/&gt;</a:t>
+            </a:r>
+            <a:endParaRPr>
+              <a:solidFill>
+                <a:schemeClr val="accent3">
+                  <a:hueOff val="362282"/>
+                  <a:satOff val="31803"/>
+                  <a:lumOff val="-18242"/>
+                </a:schemeClr>
+              </a:solidFill>
+            </a:endParaRPr>
+          </a:p>
+          <a:p>
+            <a:pPr defTabSz="792479">
+              <a:spcBef>
+                <a:spcPts val="1700"/>
+              </a:spcBef>
+              <a:defRPr spc="-52" sz="5280">
+                <a:latin typeface="Courier New"/>
+                <a:ea typeface="Courier New"/>
+                <a:cs typeface="Courier New"/>
+                <a:sym typeface="Courier New"/>
+              </a:defRPr>
+            </a:pPr>
+            <a:r>
+              <a:t>}</a:t>
+            </a:r>
+          </a:p>
+        </p:txBody>
+      </p:sp>
+    </p:spTree>
+  </p:cSld>
+  <p:clrMapOvr>
+    <a:masterClrMapping/>
+  </p:clrMapOvr>
+  <p:transition xmlns:p14="http://schemas.microsoft.com/office/powerpoint/2010/main" spd="med" advClick="1"/>
+</p:sld>
+</file>
+
+<file path=ppt/slides/slide24.xml><?xml version="1.0" encoding="utf-8"?>
+<p:sld xmlns:a="http://schemas.openxmlformats.org/drawingml/2006/main" xmlns:r="http://schemas.openxmlformats.org/officeDocument/2006/relationships" xmlns:p="http://schemas.openxmlformats.org/presentationml/2006/main" xmlns:m="http://schemas.openxmlformats.org/officeDocument/2006/math" xmlns:a14="http://schemas.microsoft.com/office/drawing/2010/main" showMasterSp="1" showMasterPhAnim="1">
+  <p:cSld>
+    <p:spTree>
+      <p:nvGrpSpPr>
+        <p:cNvPr id="1" name=""/>
+        <p:cNvGrpSpPr/>
+        <p:nvPr/>
+      </p:nvGrpSpPr>
+      <p:grpSpPr>
+        <a:xfrm>
+          <a:off x="0" y="0"/>
+          <a:ext cx="0" cy="0"/>
+          <a:chOff x="0" y="0"/>
+          <a:chExt cx="0" cy="0"/>
+        </a:xfrm>
+      </p:grpSpPr>
+      <p:sp>
+        <p:nvSpPr>
+          <p:cNvPr id="238" name="The “Effect” of an Effect’s Dependency Array"/>
           <p:cNvSpPr txBox="1"/>
           <p:nvPr>
             <p:ph type="title"/>
@@ -6342,7 +9279,7 @@
       </p:sp>
       <p:graphicFrame>
         <p:nvGraphicFramePr>
-          <p:cNvPr id="213" name="Table 1"/>
+          <p:cNvPr id="239" name="Table 1"/>
           <p:cNvGraphicFramePr/>
           <p:nvPr/>
         </p:nvGraphicFramePr>
@@ -6537,7 +9474,7 @@
 </p:sld>
 </file>
 
-<file path=ppt/slides/slide22.xml><?xml version="1.0" encoding="utf-8"?>
+<file path=ppt/slides/slide25.xml><?xml version="1.0" encoding="utf-8"?>
 <p:sld xmlns:a="http://schemas.openxmlformats.org/drawingml/2006/main" xmlns:r="http://schemas.openxmlformats.org/officeDocument/2006/relationships" xmlns:p="http://schemas.openxmlformats.org/presentationml/2006/main" xmlns:m="http://schemas.openxmlformats.org/officeDocument/2006/math" xmlns:a14="http://schemas.microsoft.com/office/drawing/2010/main" showMasterSp="1" showMasterPhAnim="1">
   <p:cSld>
     <p:spTree>
@@ -6556,7 +9493,7 @@
       </p:grpSpPr>
       <p:sp>
         <p:nvSpPr>
-          <p:cNvPr id="215" name="Other Effects"/>
+          <p:cNvPr id="241" name="Other Effects"/>
           <p:cNvSpPr txBox="1"/>
           <p:nvPr>
             <p:ph type="title"/>
@@ -6580,7 +9517,7 @@
       </p:sp>
       <p:sp>
         <p:nvSpPr>
-          <p:cNvPr id="216" name="In general, effects are used to synchronize one, some, or all of a component’s renders with some external system.…"/>
+          <p:cNvPr id="242" name="In general, effects are used to synchronize one, some, or all of a component’s renders with some external system.…"/>
           <p:cNvSpPr txBox="1"/>
           <p:nvPr>
             <p:ph type="body" idx="1"/>
@@ -6652,7 +9589,7 @@
 </p:sld>
 </file>
 
-<file path=ppt/slides/slide23.xml><?xml version="1.0" encoding="utf-8"?>
+<file path=ppt/slides/slide26.xml><?xml version="1.0" encoding="utf-8"?>
 <p:sld xmlns:a="http://schemas.openxmlformats.org/drawingml/2006/main" xmlns:r="http://schemas.openxmlformats.org/officeDocument/2006/relationships" xmlns:p="http://schemas.openxmlformats.org/presentationml/2006/main" xmlns:m="http://schemas.openxmlformats.org/officeDocument/2006/math" xmlns:a14="http://schemas.microsoft.com/office/drawing/2010/main" showMasterSp="1" showMasterPhAnim="1">
   <p:cSld>
     <p:spTree>
@@ -6671,7 +9608,7 @@
       </p:grpSpPr>
       <p:sp>
         <p:nvSpPr>
-          <p:cNvPr id="218" name="and now, a demo 🧑💻"/>
+          <p:cNvPr id="244" name="and now, a demo 🧑💻"/>
           <p:cNvSpPr txBox="1"/>
           <p:nvPr>
             <p:ph type="body" sz="half" idx="1"/>
@@ -6702,7 +9639,7 @@
 </p:sld>
 </file>
 
-<file path=ppt/slides/slide24.xml><?xml version="1.0" encoding="utf-8"?>
+<file path=ppt/slides/slide27.xml><?xml version="1.0" encoding="utf-8"?>
 <p:sld xmlns:a="http://schemas.openxmlformats.org/drawingml/2006/main" xmlns:r="http://schemas.openxmlformats.org/officeDocument/2006/relationships" xmlns:p="http://schemas.openxmlformats.org/presentationml/2006/main" xmlns:m="http://schemas.openxmlformats.org/officeDocument/2006/math" xmlns:a14="http://schemas.microsoft.com/office/drawing/2010/main" showMasterSp="1" showMasterPhAnim="1">
   <p:cSld>
     <p:spTree>
@@ -6721,7 +9658,7 @@
       </p:grpSpPr>
       <p:sp>
         <p:nvSpPr>
-          <p:cNvPr id="220" name="Thanks!"/>
+          <p:cNvPr id="246" name="Thanks!"/>
           <p:cNvSpPr txBox="1"/>
           <p:nvPr>
             <p:ph type="body" idx="1"/>
@@ -6745,7 +9682,7 @@
       </p:sp>
       <p:sp>
         <p:nvSpPr>
-          <p:cNvPr id="221" name="© Sakib Rasul 2023"/>
+          <p:cNvPr id="247" name="© Sakib Rasul 2023"/>
           <p:cNvSpPr txBox="1"/>
           <p:nvPr>
             <p:ph type="body" idx="21"/>
@@ -7102,7 +10039,34 @@
               <a:t>all components are pure</a:t>
             </a:r>
             <a:r>
-              <a:t>.</a:t>
+              <a:t>, meaning that, if one:</a:t>
+            </a:r>
+          </a:p>
+          <a:p>
+            <a:pPr lvl="1" marL="1308100" indent="-698500">
+              <a:buSzPct val="123000"/>
+              <a:buChar char="•"/>
+            </a:pPr>
+            <a:r>
+              <a:t>has no props or state, should always render the same JSX.</a:t>
+            </a:r>
+          </a:p>
+          <a:p>
+            <a:pPr lvl="1" marL="1308100" indent="-698500">
+              <a:buSzPct val="123000"/>
+              <a:buChar char="•"/>
+            </a:pPr>
+            <a:r>
+              <a:t>has any props, should act as though those props are immutable.</a:t>
+            </a:r>
+          </a:p>
+          <a:p>
+            <a:pPr lvl="1" marL="1308100" indent="-698500">
+              <a:buSzPct val="123000"/>
+              <a:buChar char="•"/>
+            </a:pPr>
+            <a:r>
+              <a:t>has state, should modify that state through state setters.</a:t>
             </a:r>
           </a:p>
           <a:p>
@@ -7229,7 +10193,34 @@
               <a:t>all components are pure</a:t>
             </a:r>
             <a:r>
-              <a:t>.</a:t>
+              <a:t>, meaning that, if one:</a:t>
+            </a:r>
+          </a:p>
+          <a:p>
+            <a:pPr lvl="1" marL="1308100" indent="-698500">
+              <a:buSzPct val="123000"/>
+              <a:buChar char="•"/>
+            </a:pPr>
+            <a:r>
+              <a:t>has no props or state, should always render the same JSX.</a:t>
+            </a:r>
+          </a:p>
+          <a:p>
+            <a:pPr lvl="1" marL="1308100" indent="-698500">
+              <a:buSzPct val="123000"/>
+              <a:buChar char="•"/>
+            </a:pPr>
+            <a:r>
+              <a:t>has any props, should act as though those props are immutable.</a:t>
+            </a:r>
+          </a:p>
+          <a:p>
+            <a:pPr lvl="1" marL="1308100" indent="-698500">
+              <a:buSzPct val="123000"/>
+              <a:buChar char="•"/>
+            </a:pPr>
+            <a:r>
+              <a:t>has state, should modify that state through state setters.</a:t>
             </a:r>
           </a:p>
           <a:p>
@@ -7238,7 +10229,7 @@
               <a:buChar char="•"/>
             </a:pPr>
             <a:r>
-              <a:t>Why does React care about purity?</a:t>
+              <a:t>Why does React care about purity? 🤔</a:t>
             </a:r>
           </a:p>
           <a:p>
@@ -7294,7 +10285,7 @@
       </p:grpSpPr>
       <p:sp>
         <p:nvSpPr>
-          <p:cNvPr id="167" name="An Impure Component (Don’t do this!)"/>
+          <p:cNvPr id="167" name="An Impure Component (don’t do this!)"/>
           <p:cNvSpPr txBox="1"/>
           <p:nvPr>
             <p:ph type="title"/>
@@ -7311,7 +10302,7 @@
           <a:p>
             <a:pPr/>
             <a:r>
-              <a:t>An Impure Component (Don’t do this!)</a:t>
+              <a:t>An Impure Component (don’t do this!)</a:t>
             </a:r>
           </a:p>
         </p:txBody>
@@ -7713,7 +10704,7 @@
       </p:grpSpPr>
       <p:sp>
         <p:nvSpPr>
-          <p:cNvPr id="170" name="An Impure Component (Don’t do this!)"/>
+          <p:cNvPr id="170" name="An Impure Component (don’t do this!)"/>
           <p:cNvSpPr txBox="1"/>
           <p:nvPr>
             <p:ph type="title"/>
@@ -7730,7 +10721,7 @@
           <a:p>
             <a:pPr/>
             <a:r>
-              <a:t>An Impure Component (Don’t do this!)</a:t>
+              <a:t>An Impure Component (don’t do this!)</a:t>
             </a:r>
           </a:p>
         </p:txBody>
@@ -7756,11 +10747,11 @@
           <a:bodyPr/>
           <a:lstStyle/>
           <a:p>
-            <a:pPr defTabSz="561340">
-              <a:spcBef>
-                <a:spcPts val="1200"/>
-              </a:spcBef>
-              <a:defRPr spc="-37" sz="3740">
+            <a:pPr defTabSz="520065">
+              <a:spcBef>
+                <a:spcPts val="1100"/>
+              </a:spcBef>
+              <a:defRPr spc="-34" sz="3465">
                 <a:latin typeface="Courier New"/>
                 <a:ea typeface="Courier New"/>
                 <a:cs typeface="Courier New"/>
@@ -7785,11 +10776,11 @@
             </a:r>
           </a:p>
           <a:p>
-            <a:pPr defTabSz="561340">
-              <a:spcBef>
-                <a:spcPts val="1200"/>
-              </a:spcBef>
-              <a:defRPr spc="-37" sz="3740">
+            <a:pPr defTabSz="520065">
+              <a:spcBef>
+                <a:spcPts val="1100"/>
+              </a:spcBef>
+              <a:defRPr spc="-34" sz="3465">
                 <a:latin typeface="Courier New"/>
                 <a:ea typeface="Courier New"/>
                 <a:cs typeface="Courier New"/>
@@ -7798,11 +10789,11 @@
             </a:pPr>
           </a:p>
           <a:p>
-            <a:pPr defTabSz="561340">
-              <a:spcBef>
-                <a:spcPts val="1200"/>
-              </a:spcBef>
-              <a:defRPr spc="-37" sz="3740">
+            <a:pPr defTabSz="520065">
+              <a:spcBef>
+                <a:spcPts val="1100"/>
+              </a:spcBef>
+              <a:defRPr spc="-34" sz="3465">
                 <a:latin typeface="Courier New"/>
                 <a:ea typeface="Courier New"/>
                 <a:cs typeface="Courier New"/>
@@ -7829,11 +10820,11 @@
             </a:r>
           </a:p>
           <a:p>
-            <a:pPr lvl="1" indent="310895" defTabSz="561340">
-              <a:spcBef>
-                <a:spcPts val="1200"/>
-              </a:spcBef>
-              <a:defRPr spc="-37" sz="3740">
+            <a:pPr lvl="1" indent="288036" defTabSz="520065">
+              <a:spcBef>
+                <a:spcPts val="1100"/>
+              </a:spcBef>
+              <a:defRPr spc="-34" sz="3465">
                 <a:latin typeface="Courier New"/>
                 <a:ea typeface="Courier New"/>
                 <a:cs typeface="Courier New"/>
@@ -7841,6 +10832,24 @@
               </a:defRPr>
             </a:pPr>
             <a:r>
+              <a:t>{/* </a:t>
+            </a:r>
+            <a:r>
+              <a:rPr>
+                <a:solidFill>
+                  <a:schemeClr val="accent5">
+                    <a:hueOff val="-82419"/>
+                    <a:satOff val="-9513"/>
+                    <a:lumOff val="-16343"/>
+                  </a:schemeClr>
+                </a:solidFill>
+              </a:rPr>
+              <a:t>&lt;Venue&gt;</a:t>
+            </a:r>
+            <a:r>
+              <a:t> is trying to modify the preexisting variable </a:t>
+            </a:r>
+            <a:r>
               <a:rPr>
                 <a:solidFill>
                   <a:schemeClr val="accent1">
@@ -7851,8 +10860,21 @@
               <a:t>capacity</a:t>
             </a:r>
             <a:r>
-              <a:t> = </a:t>
-            </a:r>
+              <a:t>! */}</a:t>
+            </a:r>
+          </a:p>
+          <a:p>
+            <a:pPr lvl="1" indent="288036" defTabSz="520065">
+              <a:spcBef>
+                <a:spcPts val="1100"/>
+              </a:spcBef>
+              <a:defRPr spc="-34" sz="3465">
+                <a:latin typeface="Courier New"/>
+                <a:ea typeface="Courier New"/>
+                <a:cs typeface="Courier New"/>
+                <a:sym typeface="Courier New"/>
+              </a:defRPr>
+            </a:pPr>
             <a:r>
               <a:rPr>
                 <a:solidFill>
@@ -7864,15 +10886,28 @@
               <a:t>capacity</a:t>
             </a:r>
             <a:r>
+              <a:t> = </a:t>
+            </a:r>
+            <a:r>
+              <a:rPr>
+                <a:solidFill>
+                  <a:schemeClr val="accent1">
+                    <a:lumOff val="-13575"/>
+                  </a:schemeClr>
+                </a:solidFill>
+              </a:rPr>
+              <a:t>capacity</a:t>
+            </a:r>
+            <a:r>
               <a:t> + 100;</a:t>
             </a:r>
           </a:p>
           <a:p>
-            <a:pPr lvl="1" indent="310895" defTabSz="561340">
-              <a:spcBef>
-                <a:spcPts val="1200"/>
-              </a:spcBef>
-              <a:defRPr spc="-37" sz="3740">
+            <a:pPr lvl="1" indent="288036" defTabSz="520065">
+              <a:spcBef>
+                <a:spcPts val="1100"/>
+              </a:spcBef>
+              <a:defRPr spc="-34" sz="3465">
                 <a:latin typeface="Courier New"/>
                 <a:ea typeface="Courier New"/>
                 <a:cs typeface="Courier New"/>
@@ -7945,11 +10980,11 @@
             </a:endParaRPr>
           </a:p>
           <a:p>
-            <a:pPr defTabSz="561340">
-              <a:spcBef>
-                <a:spcPts val="1200"/>
-              </a:spcBef>
-              <a:defRPr spc="-37" sz="3740">
+            <a:pPr defTabSz="520065">
+              <a:spcBef>
+                <a:spcPts val="1100"/>
+              </a:spcBef>
+              <a:defRPr spc="-34" sz="3465">
                 <a:latin typeface="Courier New"/>
                 <a:ea typeface="Courier New"/>
                 <a:cs typeface="Courier New"/>
@@ -7961,11 +10996,11 @@
             </a:r>
           </a:p>
           <a:p>
-            <a:pPr defTabSz="561340">
-              <a:spcBef>
-                <a:spcPts val="1200"/>
-              </a:spcBef>
-              <a:defRPr spc="-37" sz="3740">
+            <a:pPr defTabSz="520065">
+              <a:spcBef>
+                <a:spcPts val="1100"/>
+              </a:spcBef>
+              <a:defRPr spc="-34" sz="3465">
                 <a:latin typeface="Courier New"/>
                 <a:ea typeface="Courier New"/>
                 <a:cs typeface="Courier New"/>
@@ -7974,11 +11009,11 @@
             </a:pPr>
           </a:p>
           <a:p>
-            <a:pPr defTabSz="561340">
-              <a:spcBef>
-                <a:spcPts val="1200"/>
-              </a:spcBef>
-              <a:defRPr spc="-37" sz="3740">
+            <a:pPr defTabSz="520065">
+              <a:spcBef>
+                <a:spcPts val="1100"/>
+              </a:spcBef>
+              <a:defRPr spc="-34" sz="3465">
                 <a:latin typeface="Courier New"/>
                 <a:ea typeface="Courier New"/>
                 <a:cs typeface="Courier New"/>
@@ -8005,11 +11040,11 @@
             </a:r>
           </a:p>
           <a:p>
-            <a:pPr lvl="1" indent="310895" defTabSz="561340">
-              <a:spcBef>
-                <a:spcPts val="1200"/>
-              </a:spcBef>
-              <a:defRPr spc="-37" sz="3740">
+            <a:pPr lvl="1" indent="288036" defTabSz="520065">
+              <a:spcBef>
+                <a:spcPts val="1100"/>
+              </a:spcBef>
+              <a:defRPr spc="-34" sz="3465">
                 <a:latin typeface="Courier New"/>
                 <a:ea typeface="Courier New"/>
                 <a:cs typeface="Courier New"/>
@@ -8017,15 +11052,15 @@
               </a:defRPr>
             </a:pPr>
             <a:r>
-              <a:t>return (</a:t>
-            </a:r>
-          </a:p>
-          <a:p>
-            <a:pPr lvl="2" indent="621791" defTabSz="561340">
-              <a:spcBef>
-                <a:spcPts val="1200"/>
-              </a:spcBef>
-              <a:defRPr spc="-37" sz="3740">
+              <a:t>return (&lt;&gt;</a:t>
+            </a:r>
+          </a:p>
+          <a:p>
+            <a:pPr lvl="2" indent="576072" defTabSz="520065">
+              <a:spcBef>
+                <a:spcPts val="1100"/>
+              </a:spcBef>
+              <a:defRPr spc="-34" sz="3465">
                 <a:latin typeface="Courier New"/>
                 <a:ea typeface="Courier New"/>
                 <a:cs typeface="Courier New"/>
@@ -8049,11 +11084,11 @@
             </a:r>
           </a:p>
           <a:p>
-            <a:pPr lvl="2" indent="621791" defTabSz="561340">
-              <a:spcBef>
-                <a:spcPts val="1200"/>
-              </a:spcBef>
-              <a:defRPr spc="-37" sz="3740">
+            <a:pPr lvl="2" indent="576072" defTabSz="520065">
+              <a:spcBef>
+                <a:spcPts val="1100"/>
+              </a:spcBef>
+              <a:defRPr spc="-34" sz="3465">
                 <a:latin typeface="Courier New"/>
                 <a:ea typeface="Courier New"/>
                 <a:cs typeface="Courier New"/>
@@ -8077,11 +11112,11 @@
             </a:r>
           </a:p>
           <a:p>
-            <a:pPr lvl="1" indent="310895" defTabSz="561340">
-              <a:spcBef>
-                <a:spcPts val="1200"/>
-              </a:spcBef>
-              <a:defRPr spc="-37" sz="3740">
+            <a:pPr lvl="1" indent="288036" defTabSz="520065">
+              <a:spcBef>
+                <a:spcPts val="1100"/>
+              </a:spcBef>
+              <a:defRPr spc="-34" sz="3465">
                 <a:latin typeface="Courier New"/>
                 <a:ea typeface="Courier New"/>
                 <a:cs typeface="Courier New"/>
@@ -8089,15 +11124,15 @@
               </a:defRPr>
             </a:pPr>
             <a:r>
-              <a:t>)</a:t>
-            </a:r>
-          </a:p>
-          <a:p>
-            <a:pPr defTabSz="561340">
-              <a:spcBef>
-                <a:spcPts val="1200"/>
-              </a:spcBef>
-              <a:defRPr spc="-37" sz="3740">
+              <a:t>&lt;/&gt;)</a:t>
+            </a:r>
+          </a:p>
+          <a:p>
+            <a:pPr defTabSz="520065">
+              <a:spcBef>
+                <a:spcPts val="1100"/>
+              </a:spcBef>
+              <a:defRPr spc="-34" sz="3465">
                 <a:latin typeface="Courier New"/>
                 <a:ea typeface="Courier New"/>
                 <a:cs typeface="Courier New"/>
@@ -8138,7 +11173,7 @@
       </p:grpSpPr>
       <p:sp>
         <p:nvSpPr>
-          <p:cNvPr id="173" name="A Pure Component"/>
+          <p:cNvPr id="173" name="An Impure Component (don’t do this either!)"/>
           <p:cNvSpPr txBox="1"/>
           <p:nvPr>
             <p:ph type="title"/>
@@ -8155,7 +11190,7 @@
           <a:p>
             <a:pPr/>
             <a:r>
-              <a:t>A Pure Component</a:t>
+              <a:t>An Impure Component (don’t do this either!)</a:t>
             </a:r>
           </a:p>
         </p:txBody>
@@ -8181,11 +11216,11 @@
           <a:bodyPr/>
           <a:lstStyle/>
           <a:p>
-            <a:pPr defTabSz="726440">
-              <a:spcBef>
-                <a:spcPts val="1500"/>
-              </a:spcBef>
-              <a:defRPr spc="-48" sz="4840">
+            <a:pPr defTabSz="619125">
+              <a:spcBef>
+                <a:spcPts val="1300"/>
+              </a:spcBef>
+              <a:defRPr spc="-41" sz="4125">
                 <a:latin typeface="Courier New"/>
                 <a:ea typeface="Courier New"/>
                 <a:cs typeface="Courier New"/>
@@ -8213,6 +11248,265 @@
             <a:r>
               <a:rPr>
                 <a:solidFill>
+                  <a:schemeClr val="accent1">
+                    <a:lumOff val="-13575"/>
+                  </a:schemeClr>
+                </a:solidFill>
+              </a:rPr>
+              <a:t>capacity</a:t>
+            </a:r>
+            <a:r>
+              <a:t> }) {</a:t>
+            </a:r>
+          </a:p>
+          <a:p>
+            <a:pPr lvl="1" indent="342900" defTabSz="619125">
+              <a:spcBef>
+                <a:spcPts val="1300"/>
+              </a:spcBef>
+              <a:defRPr spc="-41" sz="4125">
+                <a:latin typeface="Courier New"/>
+                <a:ea typeface="Courier New"/>
+                <a:cs typeface="Courier New"/>
+                <a:sym typeface="Courier New"/>
+              </a:defRPr>
+            </a:pPr>
+            <a:r>
+              <a:rPr>
+                <a:solidFill>
+                  <a:schemeClr val="accent1">
+                    <a:lumOff val="-13575"/>
+                  </a:schemeClr>
+                </a:solidFill>
+              </a:rPr>
+              <a:t>capacity</a:t>
+            </a:r>
+            <a:r>
+              <a:t> = </a:t>
+            </a:r>
+            <a:r>
+              <a:rPr>
+                <a:solidFill>
+                  <a:schemeClr val="accent1">
+                    <a:lumOff val="-13575"/>
+                  </a:schemeClr>
+                </a:solidFill>
+              </a:rPr>
+              <a:t>capacity</a:t>
+            </a:r>
+            <a:r>
+              <a:t> + 100;</a:t>
+            </a:r>
+          </a:p>
+          <a:p>
+            <a:pPr lvl="1" indent="342900" defTabSz="619125">
+              <a:spcBef>
+                <a:spcPts val="1300"/>
+              </a:spcBef>
+              <a:defRPr spc="-41" sz="4125">
+                <a:latin typeface="Courier New"/>
+                <a:ea typeface="Courier New"/>
+                <a:cs typeface="Courier New"/>
+                <a:sym typeface="Courier New"/>
+              </a:defRPr>
+            </a:pPr>
+            <a:r>
+              <a:t>return </a:t>
+            </a:r>
+            <a:r>
+              <a:rPr>
+                <a:solidFill>
+                  <a:schemeClr val="accent3">
+                    <a:hueOff val="362282"/>
+                    <a:satOff val="31803"/>
+                    <a:lumOff val="-18242"/>
+                  </a:schemeClr>
+                </a:solidFill>
+              </a:rPr>
+              <a:t>&lt;h1&gt;This venue holds </a:t>
+            </a:r>
+            <a:r>
+              <a:rPr>
+                <a:solidFill>
+                  <a:schemeClr val="accent4">
+                    <a:hueOff val="-476017"/>
+                    <a:lumOff val="-10042"/>
+                  </a:schemeClr>
+                </a:solidFill>
+              </a:rPr>
+              <a:t>{</a:t>
+            </a:r>
+            <a:r>
+              <a:rPr>
+                <a:solidFill>
+                  <a:schemeClr val="accent1">
+                    <a:lumOff val="-13575"/>
+                  </a:schemeClr>
+                </a:solidFill>
+              </a:rPr>
+              <a:t>capacity</a:t>
+            </a:r>
+            <a:r>
+              <a:rPr>
+                <a:solidFill>
+                  <a:schemeClr val="accent4">
+                    <a:hueOff val="-476017"/>
+                    <a:lumOff val="-10042"/>
+                  </a:schemeClr>
+                </a:solidFill>
+              </a:rPr>
+              <a:t>}</a:t>
+            </a:r>
+            <a:r>
+              <a:rPr>
+                <a:solidFill>
+                  <a:schemeClr val="accent3">
+                    <a:hueOff val="362282"/>
+                    <a:satOff val="31803"/>
+                    <a:lumOff val="-18242"/>
+                  </a:schemeClr>
+                </a:solidFill>
+              </a:rPr>
+              <a:t> people.&lt;/h1&gt;</a:t>
+            </a:r>
+            <a:endParaRPr b="1">
+              <a:solidFill>
+                <a:schemeClr val="accent3"/>
+              </a:solidFill>
+            </a:endParaRPr>
+          </a:p>
+          <a:p>
+            <a:pPr defTabSz="619125">
+              <a:spcBef>
+                <a:spcPts val="1300"/>
+              </a:spcBef>
+              <a:defRPr spc="-41" sz="4125">
+                <a:latin typeface="Courier New"/>
+                <a:ea typeface="Courier New"/>
+                <a:cs typeface="Courier New"/>
+                <a:sym typeface="Courier New"/>
+              </a:defRPr>
+            </a:pPr>
+            <a:r>
+              <a:t>} </a:t>
+            </a:r>
+          </a:p>
+          <a:p>
+            <a:pPr defTabSz="619125">
+              <a:spcBef>
+                <a:spcPts val="1300"/>
+              </a:spcBef>
+              <a:defRPr spc="-41" sz="4125">
+                <a:latin typeface="Courier New"/>
+                <a:ea typeface="Courier New"/>
+                <a:cs typeface="Courier New"/>
+                <a:sym typeface="Courier New"/>
+              </a:defRPr>
+            </a:pPr>
+          </a:p>
+          <a:p>
+            <a:pPr defTabSz="619125">
+              <a:spcBef>
+                <a:spcPts val="1300"/>
+              </a:spcBef>
+              <a:defRPr spc="-41" sz="4125">
+                <a:latin typeface="Courier New"/>
+                <a:ea typeface="Courier New"/>
+                <a:cs typeface="Courier New"/>
+                <a:sym typeface="Courier New"/>
+              </a:defRPr>
+            </a:pPr>
+            <a:r>
+              <a:t>function </a:t>
+            </a:r>
+            <a:r>
+              <a:rPr>
+                <a:solidFill>
+                  <a:schemeClr val="accent5">
+                    <a:hueOff val="-82419"/>
+                    <a:satOff val="-9513"/>
+                    <a:lumOff val="-16343"/>
+                  </a:schemeClr>
+                </a:solidFill>
+              </a:rPr>
+              <a:t>Venues</a:t>
+            </a:r>
+            <a:r>
+              <a:t>() {</a:t>
+            </a:r>
+          </a:p>
+          <a:p>
+            <a:pPr lvl="1" indent="342900" defTabSz="619125">
+              <a:spcBef>
+                <a:spcPts val="1300"/>
+              </a:spcBef>
+              <a:defRPr spc="-41" sz="4125">
+                <a:latin typeface="Courier New"/>
+                <a:ea typeface="Courier New"/>
+                <a:cs typeface="Courier New"/>
+                <a:sym typeface="Courier New"/>
+              </a:defRPr>
+            </a:pPr>
+            <a:r>
+              <a:t>const </a:t>
+            </a:r>
+            <a:r>
+              <a:rPr>
+                <a:solidFill>
+                  <a:schemeClr val="accent1">
+                    <a:lumOff val="-13575"/>
+                  </a:schemeClr>
+                </a:solidFill>
+              </a:rPr>
+              <a:t>capacity</a:t>
+            </a:r>
+            <a:r>
+              <a:t> = 0;</a:t>
+            </a:r>
+          </a:p>
+          <a:p>
+            <a:pPr lvl="1" indent="342900" defTabSz="619125">
+              <a:spcBef>
+                <a:spcPts val="1300"/>
+              </a:spcBef>
+              <a:defRPr spc="-41" sz="4125">
+                <a:latin typeface="Courier New"/>
+                <a:ea typeface="Courier New"/>
+                <a:cs typeface="Courier New"/>
+                <a:sym typeface="Courier New"/>
+              </a:defRPr>
+            </a:pPr>
+            <a:r>
+              <a:t>return (</a:t>
+            </a:r>
+          </a:p>
+          <a:p>
+            <a:pPr lvl="2" indent="685800" defTabSz="619125">
+              <a:spcBef>
+                <a:spcPts val="1300"/>
+              </a:spcBef>
+              <a:defRPr spc="-41" sz="4125">
+                <a:latin typeface="Courier New"/>
+                <a:ea typeface="Courier New"/>
+                <a:cs typeface="Courier New"/>
+                <a:sym typeface="Courier New"/>
+              </a:defRPr>
+            </a:pPr>
+            <a:r>
+              <a:rPr>
+                <a:solidFill>
+                  <a:schemeClr val="accent5">
+                    <a:hueOff val="-82419"/>
+                    <a:satOff val="-9513"/>
+                    <a:lumOff val="-16343"/>
+                  </a:schemeClr>
+                </a:solidFill>
+              </a:rPr>
+              <a:t>&lt;Venue </a:t>
+            </a:r>
+            <a:r>
+              <a:rPr>
+                <a:solidFill>
                   <a:schemeClr val="accent2">
                     <a:hueOff val="-202083"/>
                     <a:satOff val="17755"/>
@@ -8223,15 +11517,59 @@
               <a:t>capacity</a:t>
             </a:r>
             <a:r>
-              <a:t> }) {</a:t>
-            </a:r>
-          </a:p>
-          <a:p>
-            <a:pPr lvl="1" indent="402336" defTabSz="726440">
-              <a:spcBef>
-                <a:spcPts val="1500"/>
-              </a:spcBef>
-              <a:defRPr spc="-48" sz="4840">
+              <a:t>=</a:t>
+            </a:r>
+            <a:r>
+              <a:rPr>
+                <a:solidFill>
+                  <a:schemeClr val="accent4">
+                    <a:hueOff val="-476017"/>
+                    <a:lumOff val="-10042"/>
+                  </a:schemeClr>
+                </a:solidFill>
+              </a:rPr>
+              <a:t>{</a:t>
+            </a:r>
+            <a:r>
+              <a:rPr>
+                <a:solidFill>
+                  <a:schemeClr val="accent1">
+                    <a:lumOff val="-13575"/>
+                  </a:schemeClr>
+                </a:solidFill>
+              </a:rPr>
+              <a:t>capacity</a:t>
+            </a:r>
+            <a:r>
+              <a:rPr>
+                <a:solidFill>
+                  <a:schemeClr val="accent4">
+                    <a:hueOff val="-476017"/>
+                    <a:lumOff val="-10042"/>
+                  </a:schemeClr>
+                </a:solidFill>
+              </a:rPr>
+              <a:t>}</a:t>
+            </a:r>
+            <a:r>
+              <a:rPr>
+                <a:solidFill>
+                  <a:schemeClr val="accent5">
+                    <a:hueOff val="-82419"/>
+                    <a:satOff val="-9513"/>
+                    <a:lumOff val="-16343"/>
+                  </a:schemeClr>
+                </a:solidFill>
+              </a:rPr>
+              <a:t> /&gt;</a:t>
+            </a:r>
+          </a:p>
+          <a:p>
+            <a:pPr lvl="2" indent="685800" defTabSz="619125">
+              <a:spcBef>
+                <a:spcPts val="1300"/>
+              </a:spcBef>
+              <a:defRPr spc="-41" sz="4125">
                 <a:latin typeface="Courier New"/>
                 <a:ea typeface="Courier New"/>
                 <a:cs typeface="Courier New"/>
@@ -8239,30 +11577,16 @@
               </a:defRPr>
             </a:pPr>
             <a:r>
-              <a:t>return </a:t>
-            </a:r>
-            <a:r>
-              <a:rPr>
-                <a:solidFill>
-                  <a:schemeClr val="accent3">
-                    <a:hueOff val="362282"/>
-                    <a:satOff val="31803"/>
-                    <a:lumOff val="-18242"/>
-                  </a:schemeClr>
-                </a:solidFill>
-              </a:rPr>
-              <a:t>&lt;h1&gt;This venue holds </a:t>
-            </a:r>
-            <a:r>
-              <a:rPr>
-                <a:solidFill>
-                  <a:schemeClr val="accent4">
-                    <a:hueOff val="-476017"/>
-                    <a:lumOff val="-10042"/>
-                  </a:schemeClr>
-                </a:solidFill>
-              </a:rPr>
-              <a:t>{</a:t>
+              <a:rPr>
+                <a:solidFill>
+                  <a:schemeClr val="accent5">
+                    <a:hueOff val="-82419"/>
+                    <a:satOff val="-9513"/>
+                    <a:lumOff val="-16343"/>
+                  </a:schemeClr>
+                </a:solidFill>
+              </a:rPr>
+              <a:t>&lt;Venue </a:t>
             </a:r>
             <a:r>
               <a:rPr>
@@ -8277,6 +11601,9 @@
               <a:t>capacity</a:t>
             </a:r>
             <a:r>
+              <a:t>=</a:t>
+            </a:r>
+            <a:r>
               <a:rPr>
                 <a:solidFill>
                   <a:schemeClr val="accent4">
@@ -8285,36 +11612,48 @@
                   </a:schemeClr>
                 </a:solidFill>
               </a:rPr>
+              <a:t>{</a:t>
+            </a:r>
+            <a:r>
+              <a:rPr>
+                <a:solidFill>
+                  <a:schemeClr val="accent1">
+                    <a:lumOff val="-13575"/>
+                  </a:schemeClr>
+                </a:solidFill>
+              </a:rPr>
+              <a:t>capacity</a:t>
+            </a:r>
+            <a:r>
+              <a:rPr>
+                <a:solidFill>
+                  <a:schemeClr val="accent4">
+                    <a:hueOff val="-476017"/>
+                    <a:lumOff val="-10042"/>
+                  </a:schemeClr>
+                </a:solidFill>
+              </a:rPr>
               <a:t>}</a:t>
             </a:r>
             <a:r>
               <a:rPr>
                 <a:solidFill>
-                  <a:schemeClr val="accent3">
-                    <a:hueOff val="362282"/>
-                    <a:satOff val="31803"/>
-                    <a:lumOff val="-18242"/>
-                  </a:schemeClr>
-                </a:solidFill>
-              </a:rPr>
-              <a:t> people.&lt;/h1&gt;</a:t>
-            </a:r>
-            <a:endParaRPr>
-              <a:solidFill>
-                <a:schemeClr val="accent3">
-                  <a:hueOff val="362282"/>
-                  <a:satOff val="31803"/>
-                  <a:lumOff val="-18242"/>
-                </a:schemeClr>
-              </a:solidFill>
-            </a:endParaRPr>
-          </a:p>
-          <a:p>
-            <a:pPr defTabSz="726440">
-              <a:spcBef>
-                <a:spcPts val="1500"/>
-              </a:spcBef>
-              <a:defRPr spc="-48" sz="4840">
+                  <a:schemeClr val="accent5">
+                    <a:hueOff val="-82419"/>
+                    <a:satOff val="-9513"/>
+                    <a:lumOff val="-16343"/>
+                  </a:schemeClr>
+                </a:solidFill>
+              </a:rPr>
+              <a:t> /&gt;</a:t>
+            </a:r>
+          </a:p>
+          <a:p>
+            <a:pPr lvl="1" indent="342900" defTabSz="619125">
+              <a:spcBef>
+                <a:spcPts val="1300"/>
+              </a:spcBef>
+              <a:defRPr spc="-41" sz="4125">
                 <a:latin typeface="Courier New"/>
                 <a:ea typeface="Courier New"/>
                 <a:cs typeface="Courier New"/>
@@ -8322,137 +11661,15 @@
               </a:defRPr>
             </a:pPr>
             <a:r>
-              <a:t>} </a:t>
-            </a:r>
-          </a:p>
-          <a:p>
-            <a:pPr defTabSz="726440">
-              <a:spcBef>
-                <a:spcPts val="1500"/>
-              </a:spcBef>
-              <a:defRPr spc="-48" sz="4840">
-                <a:latin typeface="Courier New"/>
-                <a:ea typeface="Courier New"/>
-                <a:cs typeface="Courier New"/>
-                <a:sym typeface="Courier New"/>
-              </a:defRPr>
-            </a:pPr>
-          </a:p>
-          <a:p>
-            <a:pPr defTabSz="726440">
-              <a:spcBef>
-                <a:spcPts val="1500"/>
-              </a:spcBef>
-              <a:defRPr spc="-48" sz="4840">
-                <a:latin typeface="Courier New"/>
-                <a:ea typeface="Courier New"/>
-                <a:cs typeface="Courier New"/>
-                <a:sym typeface="Courier New"/>
-              </a:defRPr>
-            </a:pPr>
-            <a:r>
-              <a:t>function </a:t>
-            </a:r>
-            <a:r>
-              <a:rPr>
-                <a:solidFill>
-                  <a:schemeClr val="accent5">
-                    <a:hueOff val="-82419"/>
-                    <a:satOff val="-9513"/>
-                    <a:lumOff val="-16343"/>
-                  </a:schemeClr>
-                </a:solidFill>
-              </a:rPr>
-              <a:t>Venues</a:t>
-            </a:r>
-            <a:r>
-              <a:t>() {</a:t>
-            </a:r>
-          </a:p>
-          <a:p>
-            <a:pPr lvl="1" indent="402336" defTabSz="726440">
-              <a:spcBef>
-                <a:spcPts val="1500"/>
-              </a:spcBef>
-              <a:defRPr spc="-48" sz="4840">
-                <a:latin typeface="Courier New"/>
-                <a:ea typeface="Courier New"/>
-                <a:cs typeface="Courier New"/>
-                <a:sym typeface="Courier New"/>
-              </a:defRPr>
-            </a:pPr>
-            <a:r>
-              <a:t>return (</a:t>
-            </a:r>
-          </a:p>
-          <a:p>
-            <a:pPr lvl="2" indent="804672" defTabSz="726440">
-              <a:spcBef>
-                <a:spcPts val="1500"/>
-              </a:spcBef>
-              <a:defRPr spc="-48" sz="4840">
-                <a:solidFill>
-                  <a:schemeClr val="accent5">
-                    <a:hueOff val="-82419"/>
-                    <a:satOff val="-9513"/>
-                    <a:lumOff val="-16343"/>
-                  </a:schemeClr>
-                </a:solidFill>
-                <a:latin typeface="Courier New"/>
-                <a:ea typeface="Courier New"/>
-                <a:cs typeface="Courier New"/>
-                <a:sym typeface="Courier New"/>
-              </a:defRPr>
-            </a:pPr>
-            <a:r>
-              <a:t>&lt;Venue capacity={100} /&gt;</a:t>
-            </a:r>
-          </a:p>
-          <a:p>
-            <a:pPr lvl="2" indent="804672" defTabSz="726440">
-              <a:spcBef>
-                <a:spcPts val="1500"/>
-              </a:spcBef>
-              <a:defRPr spc="-48" sz="4840">
-                <a:solidFill>
-                  <a:schemeClr val="accent5">
-                    <a:hueOff val="-82419"/>
-                    <a:satOff val="-9513"/>
-                    <a:lumOff val="-16343"/>
-                  </a:schemeClr>
-                </a:solidFill>
-                <a:latin typeface="Courier New"/>
-                <a:ea typeface="Courier New"/>
-                <a:cs typeface="Courier New"/>
-                <a:sym typeface="Courier New"/>
-              </a:defRPr>
-            </a:pPr>
-            <a:r>
-              <a:t>&lt;Venue capacity={200} /&gt;</a:t>
-            </a:r>
-          </a:p>
-          <a:p>
-            <a:pPr lvl="1" indent="402336" defTabSz="726440">
-              <a:spcBef>
-                <a:spcPts val="1500"/>
-              </a:spcBef>
-              <a:defRPr spc="-48" sz="4840">
-                <a:latin typeface="Courier New"/>
-                <a:ea typeface="Courier New"/>
-                <a:cs typeface="Courier New"/>
-                <a:sym typeface="Courier New"/>
-              </a:defRPr>
-            </a:pPr>
-            <a:r>
               <a:t>)</a:t>
             </a:r>
           </a:p>
           <a:p>
-            <a:pPr defTabSz="726440">
-              <a:spcBef>
-                <a:spcPts val="1500"/>
-              </a:spcBef>
-              <a:defRPr spc="-48" sz="4840">
+            <a:pPr defTabSz="619125">
+              <a:spcBef>
+                <a:spcPts val="1300"/>
+              </a:spcBef>
+              <a:defRPr spc="-41" sz="4125">
                 <a:latin typeface="Courier New"/>
                 <a:ea typeface="Courier New"/>
                 <a:cs typeface="Courier New"/>
@@ -8493,7 +11710,7 @@
       </p:grpSpPr>
       <p:sp>
         <p:nvSpPr>
-          <p:cNvPr id="176" name="A Pure Component"/>
+          <p:cNvPr id="176" name="An Impure Component (don’t do this either!)"/>
           <p:cNvSpPr txBox="1"/>
           <p:nvPr>
             <p:ph type="title"/>
@@ -8510,7 +11727,7 @@
           <a:p>
             <a:pPr/>
             <a:r>
-              <a:t>A Pure Component</a:t>
+              <a:t>An Impure Component (don’t do this either!)</a:t>
             </a:r>
           </a:p>
         </p:txBody>
@@ -8536,11 +11753,11 @@
           <a:bodyPr/>
           <a:lstStyle/>
           <a:p>
-            <a:pPr defTabSz="685165">
-              <a:spcBef>
-                <a:spcPts val="1400"/>
-              </a:spcBef>
-              <a:defRPr spc="-45" sz="4565">
+            <a:pPr defTabSz="561340">
+              <a:spcBef>
+                <a:spcPts val="1200"/>
+              </a:spcBef>
+              <a:defRPr spc="-37" sz="3740">
                 <a:latin typeface="Courier New"/>
                 <a:ea typeface="Courier New"/>
                 <a:cs typeface="Courier New"/>
@@ -8568,6 +11785,309 @@
             <a:r>
               <a:rPr>
                 <a:solidFill>
+                  <a:schemeClr val="accent1">
+                    <a:lumOff val="-13575"/>
+                  </a:schemeClr>
+                </a:solidFill>
+              </a:rPr>
+              <a:t>capacity</a:t>
+            </a:r>
+            <a:r>
+              <a:t> }) {</a:t>
+            </a:r>
+          </a:p>
+          <a:p>
+            <a:pPr lvl="1" indent="310895" defTabSz="561340">
+              <a:spcBef>
+                <a:spcPts val="1200"/>
+              </a:spcBef>
+              <a:defRPr spc="-37" sz="3740">
+                <a:latin typeface="Courier New"/>
+                <a:ea typeface="Courier New"/>
+                <a:cs typeface="Courier New"/>
+                <a:sym typeface="Courier New"/>
+              </a:defRPr>
+            </a:pPr>
+            <a:r>
+              <a:t>{/* </a:t>
+            </a:r>
+            <a:r>
+              <a:rPr>
+                <a:solidFill>
+                  <a:schemeClr val="accent5">
+                    <a:hueOff val="-82419"/>
+                    <a:satOff val="-9513"/>
+                    <a:lumOff val="-16343"/>
+                  </a:schemeClr>
+                </a:solidFill>
+              </a:rPr>
+              <a:t>Venue</a:t>
+            </a:r>
+            <a:r>
+              <a:t> is trying to modify the preexisting variable </a:t>
+            </a:r>
+            <a:r>
+              <a:rPr>
+                <a:solidFill>
+                  <a:schemeClr val="accent1">
+                    <a:lumOff val="-13575"/>
+                  </a:schemeClr>
+                </a:solidFill>
+              </a:rPr>
+              <a:t>capacity</a:t>
+            </a:r>
+            <a:r>
+              <a:t>! */} </a:t>
+            </a:r>
+          </a:p>
+          <a:p>
+            <a:pPr lvl="1" indent="310895" defTabSz="561340">
+              <a:spcBef>
+                <a:spcPts val="1200"/>
+              </a:spcBef>
+              <a:defRPr spc="-37" sz="3740">
+                <a:latin typeface="Courier New"/>
+                <a:ea typeface="Courier New"/>
+                <a:cs typeface="Courier New"/>
+                <a:sym typeface="Courier New"/>
+              </a:defRPr>
+            </a:pPr>
+            <a:r>
+              <a:rPr>
+                <a:solidFill>
+                  <a:schemeClr val="accent1">
+                    <a:lumOff val="-13575"/>
+                  </a:schemeClr>
+                </a:solidFill>
+              </a:rPr>
+              <a:t>capacity</a:t>
+            </a:r>
+            <a:r>
+              <a:t> = </a:t>
+            </a:r>
+            <a:r>
+              <a:rPr>
+                <a:solidFill>
+                  <a:schemeClr val="accent1">
+                    <a:lumOff val="-13575"/>
+                  </a:schemeClr>
+                </a:solidFill>
+              </a:rPr>
+              <a:t>capacity</a:t>
+            </a:r>
+            <a:r>
+              <a:t> + 100;</a:t>
+            </a:r>
+          </a:p>
+          <a:p>
+            <a:pPr lvl="1" indent="310895" defTabSz="561340">
+              <a:spcBef>
+                <a:spcPts val="1200"/>
+              </a:spcBef>
+              <a:defRPr spc="-37" sz="3740">
+                <a:latin typeface="Courier New"/>
+                <a:ea typeface="Courier New"/>
+                <a:cs typeface="Courier New"/>
+                <a:sym typeface="Courier New"/>
+              </a:defRPr>
+            </a:pPr>
+            <a:r>
+              <a:t>return </a:t>
+            </a:r>
+            <a:r>
+              <a:rPr>
+                <a:solidFill>
+                  <a:schemeClr val="accent3">
+                    <a:hueOff val="362282"/>
+                    <a:satOff val="31803"/>
+                    <a:lumOff val="-18242"/>
+                  </a:schemeClr>
+                </a:solidFill>
+              </a:rPr>
+              <a:t>&lt;h1&gt;This venue holds </a:t>
+            </a:r>
+            <a:r>
+              <a:rPr>
+                <a:solidFill>
+                  <a:schemeClr val="accent4">
+                    <a:hueOff val="-476017"/>
+                    <a:lumOff val="-10042"/>
+                  </a:schemeClr>
+                </a:solidFill>
+              </a:rPr>
+              <a:t>{</a:t>
+            </a:r>
+            <a:r>
+              <a:rPr>
+                <a:solidFill>
+                  <a:schemeClr val="accent1">
+                    <a:lumOff val="-13575"/>
+                  </a:schemeClr>
+                </a:solidFill>
+              </a:rPr>
+              <a:t>capacity</a:t>
+            </a:r>
+            <a:r>
+              <a:rPr>
+                <a:solidFill>
+                  <a:schemeClr val="accent4">
+                    <a:hueOff val="-476017"/>
+                    <a:lumOff val="-10042"/>
+                  </a:schemeClr>
+                </a:solidFill>
+              </a:rPr>
+              <a:t>}</a:t>
+            </a:r>
+            <a:r>
+              <a:rPr>
+                <a:solidFill>
+                  <a:schemeClr val="accent3">
+                    <a:hueOff val="362282"/>
+                    <a:satOff val="31803"/>
+                    <a:lumOff val="-18242"/>
+                  </a:schemeClr>
+                </a:solidFill>
+              </a:rPr>
+              <a:t> people.&lt;/h1&gt;</a:t>
+            </a:r>
+            <a:endParaRPr b="1">
+              <a:solidFill>
+                <a:schemeClr val="accent3"/>
+              </a:solidFill>
+            </a:endParaRPr>
+          </a:p>
+          <a:p>
+            <a:pPr defTabSz="561340">
+              <a:spcBef>
+                <a:spcPts val="1200"/>
+              </a:spcBef>
+              <a:defRPr spc="-37" sz="3740">
+                <a:latin typeface="Courier New"/>
+                <a:ea typeface="Courier New"/>
+                <a:cs typeface="Courier New"/>
+                <a:sym typeface="Courier New"/>
+              </a:defRPr>
+            </a:pPr>
+            <a:r>
+              <a:t>}</a:t>
+            </a:r>
+          </a:p>
+          <a:p>
+            <a:pPr defTabSz="561340">
+              <a:spcBef>
+                <a:spcPts val="1200"/>
+              </a:spcBef>
+              <a:defRPr spc="-37" sz="3740">
+                <a:latin typeface="Courier New"/>
+                <a:ea typeface="Courier New"/>
+                <a:cs typeface="Courier New"/>
+                <a:sym typeface="Courier New"/>
+              </a:defRPr>
+            </a:pPr>
+          </a:p>
+          <a:p>
+            <a:pPr defTabSz="561340">
+              <a:spcBef>
+                <a:spcPts val="1200"/>
+              </a:spcBef>
+              <a:defRPr spc="-37" sz="3740">
+                <a:latin typeface="Courier New"/>
+                <a:ea typeface="Courier New"/>
+                <a:cs typeface="Courier New"/>
+                <a:sym typeface="Courier New"/>
+              </a:defRPr>
+            </a:pPr>
+            <a:r>
+              <a:t>function </a:t>
+            </a:r>
+            <a:r>
+              <a:rPr>
+                <a:solidFill>
+                  <a:schemeClr val="accent5">
+                    <a:hueOff val="-82419"/>
+                    <a:satOff val="-9513"/>
+                    <a:lumOff val="-16343"/>
+                  </a:schemeClr>
+                </a:solidFill>
+              </a:rPr>
+              <a:t>Venues</a:t>
+            </a:r>
+            <a:r>
+              <a:t>() {</a:t>
+            </a:r>
+          </a:p>
+          <a:p>
+            <a:pPr lvl="1" indent="310895" defTabSz="561340">
+              <a:spcBef>
+                <a:spcPts val="1200"/>
+              </a:spcBef>
+              <a:defRPr spc="-37" sz="3740">
+                <a:latin typeface="Courier New"/>
+                <a:ea typeface="Courier New"/>
+                <a:cs typeface="Courier New"/>
+                <a:sym typeface="Courier New"/>
+              </a:defRPr>
+            </a:pPr>
+            <a:r>
+              <a:t>const </a:t>
+            </a:r>
+            <a:r>
+              <a:rPr>
+                <a:solidFill>
+                  <a:schemeClr val="accent1">
+                    <a:lumOff val="-13575"/>
+                  </a:schemeClr>
+                </a:solidFill>
+              </a:rPr>
+              <a:t>capacity</a:t>
+            </a:r>
+            <a:r>
+              <a:t> = 0;</a:t>
+            </a:r>
+          </a:p>
+          <a:p>
+            <a:pPr lvl="1" indent="310895" defTabSz="561340">
+              <a:spcBef>
+                <a:spcPts val="1200"/>
+              </a:spcBef>
+              <a:defRPr spc="-37" sz="3740">
+                <a:latin typeface="Courier New"/>
+                <a:ea typeface="Courier New"/>
+                <a:cs typeface="Courier New"/>
+                <a:sym typeface="Courier New"/>
+              </a:defRPr>
+            </a:pPr>
+            <a:r>
+              <a:t>return (</a:t>
+            </a:r>
+          </a:p>
+          <a:p>
+            <a:pPr lvl="2" indent="621791" defTabSz="561340">
+              <a:spcBef>
+                <a:spcPts val="1200"/>
+              </a:spcBef>
+              <a:defRPr spc="-37" sz="3740">
+                <a:latin typeface="Courier New"/>
+                <a:ea typeface="Courier New"/>
+                <a:cs typeface="Courier New"/>
+                <a:sym typeface="Courier New"/>
+              </a:defRPr>
+            </a:pPr>
+            <a:r>
+              <a:rPr>
+                <a:solidFill>
+                  <a:schemeClr val="accent5">
+                    <a:hueOff val="-82419"/>
+                    <a:satOff val="-9513"/>
+                    <a:lumOff val="-16343"/>
+                  </a:schemeClr>
+                </a:solidFill>
+              </a:rPr>
+              <a:t>&lt;Venue </a:t>
+            </a:r>
+            <a:r>
+              <a:rPr>
+                <a:solidFill>
                   <a:schemeClr val="accent2">
                     <a:hueOff val="-202083"/>
                     <a:satOff val="17755"/>
@@ -8578,15 +12098,62 @@
               <a:t>capacity</a:t>
             </a:r>
             <a:r>
-              <a:t> }) {</a:t>
-            </a:r>
-          </a:p>
-          <a:p>
-            <a:pPr lvl="1" indent="379475" defTabSz="685165">
-              <a:spcBef>
-                <a:spcPts val="1400"/>
-              </a:spcBef>
-              <a:defRPr spc="-45" sz="4565">
+              <a:t>=</a:t>
+            </a:r>
+            <a:r>
+              <a:rPr>
+                <a:solidFill>
+                  <a:schemeClr val="accent4">
+                    <a:hueOff val="-476017"/>
+                    <a:lumOff val="-10042"/>
+                  </a:schemeClr>
+                </a:solidFill>
+              </a:rPr>
+              <a:t>{</a:t>
+            </a:r>
+            <a:r>
+              <a:rPr>
+                <a:solidFill>
+                  <a:schemeClr val="accent1">
+                    <a:lumOff val="-13575"/>
+                  </a:schemeClr>
+                </a:solidFill>
+              </a:rPr>
+              <a:t>capacity</a:t>
+            </a:r>
+            <a:r>
+              <a:rPr>
+                <a:solidFill>
+                  <a:schemeClr val="accent4">
+                    <a:hueOff val="-476017"/>
+                    <a:lumOff val="-10042"/>
+                  </a:schemeClr>
+                </a:solidFill>
+              </a:rPr>
+              <a:t>}</a:t>
+            </a:r>
+            <a:r>
+              <a:rPr>
+                <a:solidFill>
+                  <a:schemeClr val="accent5">
+                    <a:hueOff val="-82419"/>
+                    <a:satOff val="-9513"/>
+                    <a:lumOff val="-16343"/>
+                  </a:schemeClr>
+                </a:solidFill>
+              </a:rPr>
+              <a:t> /&gt; </a:t>
+            </a:r>
+            <a:r>
+              <a:t>{/* This venue holds 100 people. */}</a:t>
+            </a:r>
+          </a:p>
+          <a:p>
+            <a:pPr lvl="2" indent="621791" defTabSz="561340">
+              <a:spcBef>
+                <a:spcPts val="1200"/>
+              </a:spcBef>
+              <a:defRPr spc="-37" sz="3740">
                 <a:latin typeface="Courier New"/>
                 <a:ea typeface="Courier New"/>
                 <a:cs typeface="Courier New"/>
@@ -8594,30 +12161,16 @@
               </a:defRPr>
             </a:pPr>
             <a:r>
-              <a:t>return </a:t>
-            </a:r>
-            <a:r>
-              <a:rPr>
-                <a:solidFill>
-                  <a:schemeClr val="accent3">
-                    <a:hueOff val="362282"/>
-                    <a:satOff val="31803"/>
-                    <a:lumOff val="-18242"/>
-                  </a:schemeClr>
-                </a:solidFill>
-              </a:rPr>
-              <a:t>&lt;h1&gt;This venue holds </a:t>
-            </a:r>
-            <a:r>
-              <a:rPr>
-                <a:solidFill>
-                  <a:schemeClr val="accent4">
-                    <a:hueOff val="-476017"/>
-                    <a:lumOff val="-10042"/>
-                  </a:schemeClr>
-                </a:solidFill>
-              </a:rPr>
-              <a:t>{</a:t>
+              <a:rPr>
+                <a:solidFill>
+                  <a:schemeClr val="accent5">
+                    <a:hueOff val="-82419"/>
+                    <a:satOff val="-9513"/>
+                    <a:lumOff val="-16343"/>
+                  </a:schemeClr>
+                </a:solidFill>
+              </a:rPr>
+              <a:t>&lt;Venue </a:t>
             </a:r>
             <a:r>
               <a:rPr>
@@ -8632,6 +12185,9 @@
               <a:t>capacity</a:t>
             </a:r>
             <a:r>
+              <a:t>=</a:t>
+            </a:r>
+            <a:r>
               <a:rPr>
                 <a:solidFill>
                   <a:schemeClr val="accent4">
@@ -8640,36 +12196,51 @@
                   </a:schemeClr>
                 </a:solidFill>
               </a:rPr>
+              <a:t>{</a:t>
+            </a:r>
+            <a:r>
+              <a:rPr>
+                <a:solidFill>
+                  <a:schemeClr val="accent1">
+                    <a:lumOff val="-13575"/>
+                  </a:schemeClr>
+                </a:solidFill>
+              </a:rPr>
+              <a:t>capacity</a:t>
+            </a:r>
+            <a:r>
+              <a:rPr>
+                <a:solidFill>
+                  <a:schemeClr val="accent4">
+                    <a:hueOff val="-476017"/>
+                    <a:lumOff val="-10042"/>
+                  </a:schemeClr>
+                </a:solidFill>
+              </a:rPr>
               <a:t>}</a:t>
             </a:r>
             <a:r>
               <a:rPr>
                 <a:solidFill>
-                  <a:schemeClr val="accent3">
-                    <a:hueOff val="362282"/>
-                    <a:satOff val="31803"/>
-                    <a:lumOff val="-18242"/>
-                  </a:schemeClr>
-                </a:solidFill>
-              </a:rPr>
-              <a:t> people.&lt;/h1&gt;</a:t>
-            </a:r>
-            <a:endParaRPr>
-              <a:solidFill>
-                <a:schemeClr val="accent3">
-                  <a:hueOff val="362282"/>
-                  <a:satOff val="31803"/>
-                  <a:lumOff val="-18242"/>
-                </a:schemeClr>
-              </a:solidFill>
-            </a:endParaRPr>
-          </a:p>
-          <a:p>
-            <a:pPr defTabSz="685165">
-              <a:spcBef>
-                <a:spcPts val="1400"/>
-              </a:spcBef>
-              <a:defRPr spc="-45" sz="4565">
+                  <a:schemeClr val="accent5">
+                    <a:hueOff val="-82419"/>
+                    <a:satOff val="-9513"/>
+                    <a:lumOff val="-16343"/>
+                  </a:schemeClr>
+                </a:solidFill>
+              </a:rPr>
+              <a:t> /&gt; </a:t>
+            </a:r>
+            <a:r>
+              <a:t>{/* This venue holds 100 people. */}</a:t>
+            </a:r>
+          </a:p>
+          <a:p>
+            <a:pPr lvl="1" indent="310895" defTabSz="561340">
+              <a:spcBef>
+                <a:spcPts val="1200"/>
+              </a:spcBef>
+              <a:defRPr spc="-37" sz="3740">
                 <a:latin typeface="Courier New"/>
                 <a:ea typeface="Courier New"/>
                 <a:cs typeface="Courier New"/>
@@ -8677,163 +12248,15 @@
               </a:defRPr>
             </a:pPr>
             <a:r>
-              <a:t>} </a:t>
-            </a:r>
-          </a:p>
-          <a:p>
-            <a:pPr defTabSz="685165">
-              <a:spcBef>
-                <a:spcPts val="1400"/>
-              </a:spcBef>
-              <a:defRPr spc="-45" sz="4565">
-                <a:latin typeface="Courier New"/>
-                <a:ea typeface="Courier New"/>
-                <a:cs typeface="Courier New"/>
-                <a:sym typeface="Courier New"/>
-              </a:defRPr>
-            </a:pPr>
-          </a:p>
-          <a:p>
-            <a:pPr defTabSz="685165">
-              <a:spcBef>
-                <a:spcPts val="1400"/>
-              </a:spcBef>
-              <a:defRPr spc="-45" sz="4565">
-                <a:latin typeface="Courier New"/>
-                <a:ea typeface="Courier New"/>
-                <a:cs typeface="Courier New"/>
-                <a:sym typeface="Courier New"/>
-              </a:defRPr>
-            </a:pPr>
-            <a:r>
-              <a:t>function </a:t>
-            </a:r>
-            <a:r>
-              <a:rPr>
-                <a:solidFill>
-                  <a:schemeClr val="accent5">
-                    <a:hueOff val="-82419"/>
-                    <a:satOff val="-9513"/>
-                    <a:lumOff val="-16343"/>
-                  </a:schemeClr>
-                </a:solidFill>
-              </a:rPr>
-              <a:t>Venues</a:t>
-            </a:r>
-            <a:r>
-              <a:t>() {</a:t>
-            </a:r>
-          </a:p>
-          <a:p>
-            <a:pPr lvl="1" indent="379475" defTabSz="685165">
-              <a:spcBef>
-                <a:spcPts val="1400"/>
-              </a:spcBef>
-              <a:defRPr spc="-45" sz="4565">
-                <a:latin typeface="Courier New"/>
-                <a:ea typeface="Courier New"/>
-                <a:cs typeface="Courier New"/>
-                <a:sym typeface="Courier New"/>
-              </a:defRPr>
-            </a:pPr>
-            <a:r>
-              <a:t>return (</a:t>
-            </a:r>
-          </a:p>
-          <a:p>
-            <a:pPr lvl="2" indent="758951" defTabSz="685165">
-              <a:spcBef>
-                <a:spcPts val="1400"/>
-              </a:spcBef>
-              <a:defRPr spc="-45" sz="4565">
-                <a:solidFill>
-                  <a:schemeClr val="accent5">
-                    <a:hueOff val="-82419"/>
-                    <a:satOff val="-9513"/>
-                    <a:lumOff val="-16343"/>
-                  </a:schemeClr>
-                </a:solidFill>
-                <a:latin typeface="Courier New"/>
-                <a:ea typeface="Courier New"/>
-                <a:cs typeface="Courier New"/>
-                <a:sym typeface="Courier New"/>
-              </a:defRPr>
-            </a:pPr>
-            <a:r>
-              <a:t>&lt;Venue capacity={100} /&gt;</a:t>
-            </a:r>
-            <a:r>
-              <a:rPr>
-                <a:solidFill>
-                  <a:srgbClr val="000000"/>
-                </a:solidFill>
-              </a:rPr>
-              <a:t> {/* This venue holds 100 people. */}</a:t>
-            </a:r>
-            <a:endParaRPr>
-              <a:solidFill>
-                <a:srgbClr val="000000"/>
-              </a:solidFill>
-            </a:endParaRPr>
-          </a:p>
-          <a:p>
-            <a:pPr lvl="2" indent="758951" defTabSz="685165">
-              <a:spcBef>
-                <a:spcPts val="1400"/>
-              </a:spcBef>
-              <a:defRPr spc="-45" sz="4565">
-                <a:solidFill>
-                  <a:schemeClr val="accent5">
-                    <a:hueOff val="-82419"/>
-                    <a:satOff val="-9513"/>
-                    <a:lumOff val="-16343"/>
-                  </a:schemeClr>
-                </a:solidFill>
-                <a:latin typeface="Courier New"/>
-                <a:ea typeface="Courier New"/>
-                <a:cs typeface="Courier New"/>
-                <a:sym typeface="Courier New"/>
-              </a:defRPr>
-            </a:pPr>
-            <a:r>
-              <a:t>&lt;Venue capacity={200} /&gt;</a:t>
-            </a:r>
-            <a:r>
-              <a:rPr>
-                <a:solidFill>
-                  <a:srgbClr val="000000"/>
-                </a:solidFill>
-              </a:rPr>
-              <a:t> {/* This venue holds 200 people. */}</a:t>
-            </a:r>
-            <a:endParaRPr>
-              <a:solidFill>
-                <a:srgbClr val="000000"/>
-              </a:solidFill>
-            </a:endParaRPr>
-          </a:p>
-          <a:p>
-            <a:pPr lvl="1" indent="379475" defTabSz="685165">
-              <a:spcBef>
-                <a:spcPts val="1400"/>
-              </a:spcBef>
-              <a:defRPr spc="-45" sz="4565">
-                <a:latin typeface="Courier New"/>
-                <a:ea typeface="Courier New"/>
-                <a:cs typeface="Courier New"/>
-                <a:sym typeface="Courier New"/>
-              </a:defRPr>
-            </a:pPr>
-            <a:r>
               <a:t>)</a:t>
             </a:r>
           </a:p>
           <a:p>
-            <a:pPr defTabSz="685165">
-              <a:spcBef>
-                <a:spcPts val="1400"/>
-              </a:spcBef>
-              <a:defRPr spc="-45" sz="4565">
+            <a:pPr defTabSz="561340">
+              <a:spcBef>
+                <a:spcPts val="1200"/>
+              </a:spcBef>
+              <a:defRPr spc="-37" sz="3740">
                 <a:latin typeface="Courier New"/>
                 <a:ea typeface="Courier New"/>
                 <a:cs typeface="Courier New"/>
